--- a/presentation.pptx
+++ b/presentation.pptx
@@ -6,7 +6,14 @@
   </p:sldMasterIdLst>
   <p:sldIdLst>
     <p:sldId id="256" r:id="rId2"/>
-    <p:sldId id="257" r:id="rId3"/>
+    <p:sldId id="258" r:id="rId3"/>
+    <p:sldId id="264" r:id="rId4"/>
+    <p:sldId id="257" r:id="rId5"/>
+    <p:sldId id="259" r:id="rId6"/>
+    <p:sldId id="260" r:id="rId7"/>
+    <p:sldId id="261" r:id="rId8"/>
+    <p:sldId id="262" r:id="rId9"/>
+    <p:sldId id="263" r:id="rId10"/>
   </p:sldIdLst>
   <p:sldSz cx="12192000" cy="6858000"/>
   <p:notesSz cx="6858000" cy="9144000"/>
@@ -6108,6 +6115,1672 @@
 <file path=ppt/slides/slide2.xml><?xml version="1.0" encoding="utf-8"?>
 <p:sld xmlns:a="http://schemas.openxmlformats.org/drawingml/2006/main" xmlns:r="http://schemas.openxmlformats.org/officeDocument/2006/relationships" xmlns:p="http://schemas.openxmlformats.org/presentationml/2006/main">
   <p:cSld>
+    <p:bg>
+      <p:bgPr>
+        <a:solidFill>
+          <a:schemeClr val="bg1"/>
+        </a:solidFill>
+        <a:effectLst/>
+      </p:bgPr>
+    </p:bg>
+    <p:spTree>
+      <p:nvGrpSpPr>
+        <p:cNvPr id="1" name=""/>
+        <p:cNvGrpSpPr/>
+        <p:nvPr/>
+      </p:nvGrpSpPr>
+      <p:grpSpPr>
+        <a:xfrm>
+          <a:off x="0" y="0"/>
+          <a:ext cx="0" cy="0"/>
+          <a:chOff x="0" y="0"/>
+          <a:chExt cx="0" cy="0"/>
+        </a:xfrm>
+      </p:grpSpPr>
+      <p:grpSp>
+        <p:nvGrpSpPr>
+          <p:cNvPr id="10" name="Group 9">
+            <a:extLst>
+              <a:ext uri="{FF2B5EF4-FFF2-40B4-BE49-F238E27FC236}">
+                <a16:creationId xmlns:a16="http://schemas.microsoft.com/office/drawing/2014/main" id="{B4DE830A-B531-4A3B-96F6-0ECE88B08555}"/>
+              </a:ext>
+              <a:ext uri="{C183D7F6-B498-43B3-948B-1728B52AA6E4}">
+                <adec:decorative xmlns:adec="http://schemas.microsoft.com/office/drawing/2017/decorative" val="1"/>
+              </a:ext>
+            </a:extLst>
+          </p:cNvPr>
+          <p:cNvGrpSpPr>
+            <a:grpSpLocks noGrp="1" noUngrp="1" noRot="1" noChangeAspect="1" noMove="1" noResize="1"/>
+          </p:cNvGrpSpPr>
+          <p:nvPr>
+            <p:extLst>
+              <p:ext uri="{386F3935-93C4-4BCD-93E2-E3B085C9AB24}">
+                <p16:designElem xmlns:p16="http://schemas.microsoft.com/office/powerpoint/2015/main" val="1"/>
+              </p:ext>
+            </p:extLst>
+          </p:nvPr>
+        </p:nvGrpSpPr>
+        <p:grpSpPr>
+          <a:xfrm>
+            <a:off x="0" y="-8467"/>
+            <a:ext cx="12192000" cy="6866467"/>
+            <a:chOff x="0" y="-8467"/>
+            <a:chExt cx="12192000" cy="6866467"/>
+          </a:xfrm>
+        </p:grpSpPr>
+        <p:cxnSp>
+          <p:nvCxnSpPr>
+            <p:cNvPr id="11" name="Straight Connector 10">
+              <a:extLst>
+                <a:ext uri="{FF2B5EF4-FFF2-40B4-BE49-F238E27FC236}">
+                  <a16:creationId xmlns:a16="http://schemas.microsoft.com/office/drawing/2014/main" id="{2813DF2C-461A-4A8F-9679-A172790D1F3A}"/>
+                </a:ext>
+                <a:ext uri="{C183D7F6-B498-43B3-948B-1728B52AA6E4}">
+                  <adec:decorative xmlns:adec="http://schemas.microsoft.com/office/drawing/2017/decorative" val="1"/>
+                </a:ext>
+              </a:extLst>
+            </p:cNvPr>
+            <p:cNvCxnSpPr/>
+            <p:nvPr>
+              <p:extLst>
+                <p:ext uri="{386F3935-93C4-4BCD-93E2-E3B085C9AB24}">
+                  <p16:designElem xmlns:p16="http://schemas.microsoft.com/office/powerpoint/2015/main" val="1"/>
+                </p:ext>
+              </p:extLst>
+            </p:nvPr>
+          </p:nvCxnSpPr>
+          <p:spPr>
+            <a:xfrm>
+              <a:off x="9371012" y="0"/>
+              <a:ext cx="1219200" cy="6858000"/>
+            </a:xfrm>
+            <a:prstGeom prst="line">
+              <a:avLst/>
+            </a:prstGeom>
+            <a:ln w="9525">
+              <a:solidFill>
+                <a:schemeClr val="bg1">
+                  <a:lumMod val="75000"/>
+                </a:schemeClr>
+              </a:solidFill>
+            </a:ln>
+          </p:spPr>
+          <p:style>
+            <a:lnRef idx="2">
+              <a:schemeClr val="accent1"/>
+            </a:lnRef>
+            <a:fillRef idx="0">
+              <a:schemeClr val="accent1"/>
+            </a:fillRef>
+            <a:effectRef idx="1">
+              <a:schemeClr val="accent1"/>
+            </a:effectRef>
+            <a:fontRef idx="minor">
+              <a:schemeClr val="tx1"/>
+            </a:fontRef>
+          </p:style>
+        </p:cxnSp>
+        <p:cxnSp>
+          <p:nvCxnSpPr>
+            <p:cNvPr id="12" name="Straight Connector 11">
+              <a:extLst>
+                <a:ext uri="{FF2B5EF4-FFF2-40B4-BE49-F238E27FC236}">
+                  <a16:creationId xmlns:a16="http://schemas.microsoft.com/office/drawing/2014/main" id="{54CD3A85-C039-4249-86E4-1EB9318B5495}"/>
+                </a:ext>
+                <a:ext uri="{C183D7F6-B498-43B3-948B-1728B52AA6E4}">
+                  <adec:decorative xmlns:adec="http://schemas.microsoft.com/office/drawing/2017/decorative" val="1"/>
+                </a:ext>
+              </a:extLst>
+            </p:cNvPr>
+            <p:cNvCxnSpPr/>
+            <p:nvPr>
+              <p:extLst>
+                <p:ext uri="{386F3935-93C4-4BCD-93E2-E3B085C9AB24}">
+                  <p16:designElem xmlns:p16="http://schemas.microsoft.com/office/powerpoint/2015/main" val="1"/>
+                </p:ext>
+              </p:extLst>
+            </p:nvPr>
+          </p:nvCxnSpPr>
+          <p:spPr>
+            <a:xfrm flipH="1">
+              <a:off x="7425267" y="3681413"/>
+              <a:ext cx="4763558" cy="3176587"/>
+            </a:xfrm>
+            <a:prstGeom prst="line">
+              <a:avLst/>
+            </a:prstGeom>
+            <a:ln w="9525">
+              <a:solidFill>
+                <a:schemeClr val="bg1">
+                  <a:lumMod val="85000"/>
+                </a:schemeClr>
+              </a:solidFill>
+            </a:ln>
+          </p:spPr>
+          <p:style>
+            <a:lnRef idx="2">
+              <a:schemeClr val="accent1"/>
+            </a:lnRef>
+            <a:fillRef idx="0">
+              <a:schemeClr val="accent1"/>
+            </a:fillRef>
+            <a:effectRef idx="1">
+              <a:schemeClr val="accent1"/>
+            </a:effectRef>
+            <a:fontRef idx="minor">
+              <a:schemeClr val="tx1"/>
+            </a:fontRef>
+          </p:style>
+        </p:cxnSp>
+        <p:sp>
+          <p:nvSpPr>
+            <p:cNvPr id="13" name="Rectangle 23">
+              <a:extLst>
+                <a:ext uri="{FF2B5EF4-FFF2-40B4-BE49-F238E27FC236}">
+                  <a16:creationId xmlns:a16="http://schemas.microsoft.com/office/drawing/2014/main" id="{887EA6D2-2883-42C2-993D-094CA6D65DA3}"/>
+                </a:ext>
+                <a:ext uri="{C183D7F6-B498-43B3-948B-1728B52AA6E4}">
+                  <adec:decorative xmlns:adec="http://schemas.microsoft.com/office/drawing/2017/decorative" val="1"/>
+                </a:ext>
+              </a:extLst>
+            </p:cNvPr>
+            <p:cNvSpPr/>
+            <p:nvPr>
+              <p:extLst>
+                <p:ext uri="{386F3935-93C4-4BCD-93E2-E3B085C9AB24}">
+                  <p16:designElem xmlns:p16="http://schemas.microsoft.com/office/powerpoint/2015/main" val="1"/>
+                </p:ext>
+              </p:extLst>
+            </p:nvPr>
+          </p:nvSpPr>
+          <p:spPr>
+            <a:xfrm>
+              <a:off x="9181476" y="-8467"/>
+              <a:ext cx="3007349" cy="6866467"/>
+            </a:xfrm>
+            <a:custGeom>
+              <a:avLst/>
+              <a:gdLst/>
+              <a:ahLst/>
+              <a:cxnLst/>
+              <a:rect l="l" t="t" r="r" b="b"/>
+              <a:pathLst>
+                <a:path w="3007349" h="6866467">
+                  <a:moveTo>
+                    <a:pt x="2045532" y="0"/>
+                  </a:moveTo>
+                  <a:lnTo>
+                    <a:pt x="3007349" y="0"/>
+                  </a:lnTo>
+                  <a:lnTo>
+                    <a:pt x="3007349" y="6866467"/>
+                  </a:lnTo>
+                  <a:lnTo>
+                    <a:pt x="0" y="6866467"/>
+                  </a:lnTo>
+                  <a:lnTo>
+                    <a:pt x="2045532" y="0"/>
+                  </a:lnTo>
+                  <a:close/>
+                </a:path>
+              </a:pathLst>
+            </a:custGeom>
+            <a:solidFill>
+              <a:schemeClr val="accent1">
+                <a:alpha val="30000"/>
+              </a:schemeClr>
+            </a:solidFill>
+            <a:ln>
+              <a:noFill/>
+            </a:ln>
+            <a:effectLst/>
+          </p:spPr>
+          <p:style>
+            <a:lnRef idx="1">
+              <a:schemeClr val="accent1"/>
+            </a:lnRef>
+            <a:fillRef idx="3">
+              <a:schemeClr val="accent1"/>
+            </a:fillRef>
+            <a:effectRef idx="2">
+              <a:schemeClr val="accent1"/>
+            </a:effectRef>
+            <a:fontRef idx="minor">
+              <a:schemeClr val="lt1"/>
+            </a:fontRef>
+          </p:style>
+        </p:sp>
+        <p:sp>
+          <p:nvSpPr>
+            <p:cNvPr id="14" name="Rectangle 25">
+              <a:extLst>
+                <a:ext uri="{FF2B5EF4-FFF2-40B4-BE49-F238E27FC236}">
+                  <a16:creationId xmlns:a16="http://schemas.microsoft.com/office/drawing/2014/main" id="{3B895046-636F-4D1B-ACA4-29AA0CB3329F}"/>
+                </a:ext>
+                <a:ext uri="{C183D7F6-B498-43B3-948B-1728B52AA6E4}">
+                  <adec:decorative xmlns:adec="http://schemas.microsoft.com/office/drawing/2017/decorative" val="1"/>
+                </a:ext>
+              </a:extLst>
+            </p:cNvPr>
+            <p:cNvSpPr/>
+            <p:nvPr>
+              <p:extLst>
+                <p:ext uri="{386F3935-93C4-4BCD-93E2-E3B085C9AB24}">
+                  <p16:designElem xmlns:p16="http://schemas.microsoft.com/office/powerpoint/2015/main" val="1"/>
+                </p:ext>
+              </p:extLst>
+            </p:nvPr>
+          </p:nvSpPr>
+          <p:spPr>
+            <a:xfrm>
+              <a:off x="9603442" y="-8467"/>
+              <a:ext cx="2588558" cy="6866467"/>
+            </a:xfrm>
+            <a:custGeom>
+              <a:avLst/>
+              <a:gdLst/>
+              <a:ahLst/>
+              <a:cxnLst/>
+              <a:rect l="l" t="t" r="r" b="b"/>
+              <a:pathLst>
+                <a:path w="2573311" h="6866467">
+                  <a:moveTo>
+                    <a:pt x="0" y="0"/>
+                  </a:moveTo>
+                  <a:lnTo>
+                    <a:pt x="2573311" y="0"/>
+                  </a:lnTo>
+                  <a:lnTo>
+                    <a:pt x="2573311" y="6866467"/>
+                  </a:lnTo>
+                  <a:lnTo>
+                    <a:pt x="1202336" y="6866467"/>
+                  </a:lnTo>
+                  <a:lnTo>
+                    <a:pt x="0" y="0"/>
+                  </a:lnTo>
+                  <a:close/>
+                </a:path>
+              </a:pathLst>
+            </a:custGeom>
+            <a:solidFill>
+              <a:schemeClr val="accent1">
+                <a:alpha val="20000"/>
+              </a:schemeClr>
+            </a:solidFill>
+            <a:ln>
+              <a:noFill/>
+            </a:ln>
+            <a:effectLst/>
+          </p:spPr>
+          <p:style>
+            <a:lnRef idx="1">
+              <a:schemeClr val="accent1"/>
+            </a:lnRef>
+            <a:fillRef idx="3">
+              <a:schemeClr val="accent1"/>
+            </a:fillRef>
+            <a:effectRef idx="2">
+              <a:schemeClr val="accent1"/>
+            </a:effectRef>
+            <a:fontRef idx="minor">
+              <a:schemeClr val="lt1"/>
+            </a:fontRef>
+          </p:style>
+        </p:sp>
+        <p:sp>
+          <p:nvSpPr>
+            <p:cNvPr id="15" name="Isosceles Triangle 14">
+              <a:extLst>
+                <a:ext uri="{FF2B5EF4-FFF2-40B4-BE49-F238E27FC236}">
+                  <a16:creationId xmlns:a16="http://schemas.microsoft.com/office/drawing/2014/main" id="{C6B0CDE3-E054-4EDD-A43B-F96843D8BF51}"/>
+                </a:ext>
+                <a:ext uri="{C183D7F6-B498-43B3-948B-1728B52AA6E4}">
+                  <adec:decorative xmlns:adec="http://schemas.microsoft.com/office/drawing/2017/decorative" val="1"/>
+                </a:ext>
+              </a:extLst>
+            </p:cNvPr>
+            <p:cNvSpPr/>
+            <p:nvPr>
+              <p:extLst>
+                <p:ext uri="{386F3935-93C4-4BCD-93E2-E3B085C9AB24}">
+                  <p16:designElem xmlns:p16="http://schemas.microsoft.com/office/powerpoint/2015/main" val="1"/>
+                </p:ext>
+              </p:extLst>
+            </p:nvPr>
+          </p:nvSpPr>
+          <p:spPr>
+            <a:xfrm>
+              <a:off x="8932333" y="3048000"/>
+              <a:ext cx="3259667" cy="3810000"/>
+            </a:xfrm>
+            <a:prstGeom prst="triangle">
+              <a:avLst>
+                <a:gd name="adj" fmla="val 100000"/>
+              </a:avLst>
+            </a:prstGeom>
+            <a:solidFill>
+              <a:schemeClr val="accent2">
+                <a:alpha val="72000"/>
+              </a:schemeClr>
+            </a:solidFill>
+            <a:ln>
+              <a:noFill/>
+            </a:ln>
+            <a:effectLst/>
+          </p:spPr>
+          <p:style>
+            <a:lnRef idx="1">
+              <a:schemeClr val="accent1"/>
+            </a:lnRef>
+            <a:fillRef idx="3">
+              <a:schemeClr val="accent1"/>
+            </a:fillRef>
+            <a:effectRef idx="2">
+              <a:schemeClr val="accent1"/>
+            </a:effectRef>
+            <a:fontRef idx="minor">
+              <a:schemeClr val="lt1"/>
+            </a:fontRef>
+          </p:style>
+        </p:sp>
+        <p:sp>
+          <p:nvSpPr>
+            <p:cNvPr id="16" name="Rectangle 27">
+              <a:extLst>
+                <a:ext uri="{FF2B5EF4-FFF2-40B4-BE49-F238E27FC236}">
+                  <a16:creationId xmlns:a16="http://schemas.microsoft.com/office/drawing/2014/main" id="{3B66B1A2-F145-4C9B-85CC-4BF30D58CBC5}"/>
+                </a:ext>
+                <a:ext uri="{C183D7F6-B498-43B3-948B-1728B52AA6E4}">
+                  <adec:decorative xmlns:adec="http://schemas.microsoft.com/office/drawing/2017/decorative" val="1"/>
+                </a:ext>
+              </a:extLst>
+            </p:cNvPr>
+            <p:cNvSpPr/>
+            <p:nvPr>
+              <p:extLst>
+                <p:ext uri="{386F3935-93C4-4BCD-93E2-E3B085C9AB24}">
+                  <p16:designElem xmlns:p16="http://schemas.microsoft.com/office/powerpoint/2015/main" val="1"/>
+                </p:ext>
+              </p:extLst>
+            </p:nvPr>
+          </p:nvSpPr>
+          <p:spPr>
+            <a:xfrm>
+              <a:off x="9334500" y="-8467"/>
+              <a:ext cx="2854326" cy="6866467"/>
+            </a:xfrm>
+            <a:custGeom>
+              <a:avLst/>
+              <a:gdLst/>
+              <a:ahLst/>
+              <a:cxnLst/>
+              <a:rect l="l" t="t" r="r" b="b"/>
+              <a:pathLst>
+                <a:path w="2858013" h="6866467">
+                  <a:moveTo>
+                    <a:pt x="0" y="0"/>
+                  </a:moveTo>
+                  <a:lnTo>
+                    <a:pt x="2858013" y="0"/>
+                  </a:lnTo>
+                  <a:lnTo>
+                    <a:pt x="2858013" y="6866467"/>
+                  </a:lnTo>
+                  <a:lnTo>
+                    <a:pt x="2473942" y="6866467"/>
+                  </a:lnTo>
+                  <a:lnTo>
+                    <a:pt x="0" y="0"/>
+                  </a:lnTo>
+                  <a:close/>
+                </a:path>
+              </a:pathLst>
+            </a:custGeom>
+            <a:solidFill>
+              <a:schemeClr val="accent2">
+                <a:lumMod val="75000"/>
+                <a:alpha val="70000"/>
+              </a:schemeClr>
+            </a:solidFill>
+            <a:ln>
+              <a:noFill/>
+            </a:ln>
+            <a:effectLst/>
+          </p:spPr>
+          <p:style>
+            <a:lnRef idx="1">
+              <a:schemeClr val="accent1"/>
+            </a:lnRef>
+            <a:fillRef idx="3">
+              <a:schemeClr val="accent1"/>
+            </a:fillRef>
+            <a:effectRef idx="2">
+              <a:schemeClr val="accent1"/>
+            </a:effectRef>
+            <a:fontRef idx="minor">
+              <a:schemeClr val="lt1"/>
+            </a:fontRef>
+          </p:style>
+        </p:sp>
+        <p:sp>
+          <p:nvSpPr>
+            <p:cNvPr id="17" name="Rectangle 28">
+              <a:extLst>
+                <a:ext uri="{FF2B5EF4-FFF2-40B4-BE49-F238E27FC236}">
+                  <a16:creationId xmlns:a16="http://schemas.microsoft.com/office/drawing/2014/main" id="{5D4FC972-94B3-4035-8D31-E668C132B411}"/>
+                </a:ext>
+                <a:ext uri="{C183D7F6-B498-43B3-948B-1728B52AA6E4}">
+                  <adec:decorative xmlns:adec="http://schemas.microsoft.com/office/drawing/2017/decorative" val="1"/>
+                </a:ext>
+              </a:extLst>
+            </p:cNvPr>
+            <p:cNvSpPr/>
+            <p:nvPr>
+              <p:extLst>
+                <p:ext uri="{386F3935-93C4-4BCD-93E2-E3B085C9AB24}">
+                  <p16:designElem xmlns:p16="http://schemas.microsoft.com/office/powerpoint/2015/main" val="1"/>
+                </p:ext>
+              </p:extLst>
+            </p:nvPr>
+          </p:nvSpPr>
+          <p:spPr>
+            <a:xfrm>
+              <a:off x="10898730" y="-8467"/>
+              <a:ext cx="1290094" cy="6866467"/>
+            </a:xfrm>
+            <a:custGeom>
+              <a:avLst/>
+              <a:gdLst/>
+              <a:ahLst/>
+              <a:cxnLst/>
+              <a:rect l="l" t="t" r="r" b="b"/>
+              <a:pathLst>
+                <a:path w="1290094" h="6858000">
+                  <a:moveTo>
+                    <a:pt x="1019735" y="0"/>
+                  </a:moveTo>
+                  <a:lnTo>
+                    <a:pt x="1290094" y="0"/>
+                  </a:lnTo>
+                  <a:lnTo>
+                    <a:pt x="1290094" y="6858000"/>
+                  </a:lnTo>
+                  <a:lnTo>
+                    <a:pt x="0" y="6858000"/>
+                  </a:lnTo>
+                  <a:lnTo>
+                    <a:pt x="1019735" y="0"/>
+                  </a:lnTo>
+                  <a:close/>
+                </a:path>
+              </a:pathLst>
+            </a:custGeom>
+            <a:solidFill>
+              <a:schemeClr val="accent1">
+                <a:lumMod val="60000"/>
+                <a:lumOff val="40000"/>
+                <a:alpha val="70000"/>
+              </a:schemeClr>
+            </a:solidFill>
+            <a:ln>
+              <a:noFill/>
+            </a:ln>
+            <a:effectLst/>
+          </p:spPr>
+          <p:style>
+            <a:lnRef idx="1">
+              <a:schemeClr val="accent1"/>
+            </a:lnRef>
+            <a:fillRef idx="3">
+              <a:schemeClr val="accent1"/>
+            </a:fillRef>
+            <a:effectRef idx="2">
+              <a:schemeClr val="accent1"/>
+            </a:effectRef>
+            <a:fontRef idx="minor">
+              <a:schemeClr val="lt1"/>
+            </a:fontRef>
+          </p:style>
+        </p:sp>
+        <p:sp>
+          <p:nvSpPr>
+            <p:cNvPr id="18" name="Rectangle 29">
+              <a:extLst>
+                <a:ext uri="{FF2B5EF4-FFF2-40B4-BE49-F238E27FC236}">
+                  <a16:creationId xmlns:a16="http://schemas.microsoft.com/office/drawing/2014/main" id="{374B9941-AFBE-4A77-A50E-B6EA04A746AE}"/>
+                </a:ext>
+                <a:ext uri="{C183D7F6-B498-43B3-948B-1728B52AA6E4}">
+                  <adec:decorative xmlns:adec="http://schemas.microsoft.com/office/drawing/2017/decorative" val="1"/>
+                </a:ext>
+              </a:extLst>
+            </p:cNvPr>
+            <p:cNvSpPr/>
+            <p:nvPr>
+              <p:extLst>
+                <p:ext uri="{386F3935-93C4-4BCD-93E2-E3B085C9AB24}">
+                  <p16:designElem xmlns:p16="http://schemas.microsoft.com/office/powerpoint/2015/main" val="1"/>
+                </p:ext>
+              </p:extLst>
+            </p:nvPr>
+          </p:nvSpPr>
+          <p:spPr>
+            <a:xfrm>
+              <a:off x="10938999" y="-8467"/>
+              <a:ext cx="1249825" cy="6866467"/>
+            </a:xfrm>
+            <a:custGeom>
+              <a:avLst/>
+              <a:gdLst/>
+              <a:ahLst/>
+              <a:cxnLst/>
+              <a:rect l="l" t="t" r="r" b="b"/>
+              <a:pathLst>
+                <a:path w="1249825" h="6858000">
+                  <a:moveTo>
+                    <a:pt x="0" y="0"/>
+                  </a:moveTo>
+                  <a:lnTo>
+                    <a:pt x="1249825" y="0"/>
+                  </a:lnTo>
+                  <a:lnTo>
+                    <a:pt x="1249825" y="6858000"/>
+                  </a:lnTo>
+                  <a:lnTo>
+                    <a:pt x="1109382" y="6858000"/>
+                  </a:lnTo>
+                  <a:lnTo>
+                    <a:pt x="0" y="0"/>
+                  </a:lnTo>
+                  <a:close/>
+                </a:path>
+              </a:pathLst>
+            </a:custGeom>
+            <a:solidFill>
+              <a:schemeClr val="accent1">
+                <a:alpha val="65000"/>
+              </a:schemeClr>
+            </a:solidFill>
+            <a:ln>
+              <a:noFill/>
+            </a:ln>
+            <a:effectLst/>
+          </p:spPr>
+          <p:style>
+            <a:lnRef idx="1">
+              <a:schemeClr val="accent1"/>
+            </a:lnRef>
+            <a:fillRef idx="3">
+              <a:schemeClr val="accent1"/>
+            </a:fillRef>
+            <a:effectRef idx="2">
+              <a:schemeClr val="accent1"/>
+            </a:effectRef>
+            <a:fontRef idx="minor">
+              <a:schemeClr val="lt1"/>
+            </a:fontRef>
+          </p:style>
+        </p:sp>
+        <p:sp>
+          <p:nvSpPr>
+            <p:cNvPr id="19" name="Isosceles Triangle 18">
+              <a:extLst>
+                <a:ext uri="{FF2B5EF4-FFF2-40B4-BE49-F238E27FC236}">
+                  <a16:creationId xmlns:a16="http://schemas.microsoft.com/office/drawing/2014/main" id="{27A982C5-2C38-4CE9-BC18-94697AD657FB}"/>
+                </a:ext>
+                <a:ext uri="{C183D7F6-B498-43B3-948B-1728B52AA6E4}">
+                  <adec:decorative xmlns:adec="http://schemas.microsoft.com/office/drawing/2017/decorative" val="1"/>
+                </a:ext>
+              </a:extLst>
+            </p:cNvPr>
+            <p:cNvSpPr/>
+            <p:nvPr>
+              <p:extLst>
+                <p:ext uri="{386F3935-93C4-4BCD-93E2-E3B085C9AB24}">
+                  <p16:designElem xmlns:p16="http://schemas.microsoft.com/office/powerpoint/2015/main" val="1"/>
+                </p:ext>
+              </p:extLst>
+            </p:nvPr>
+          </p:nvSpPr>
+          <p:spPr>
+            <a:xfrm>
+              <a:off x="10371666" y="3589867"/>
+              <a:ext cx="1817159" cy="3268133"/>
+            </a:xfrm>
+            <a:prstGeom prst="triangle">
+              <a:avLst>
+                <a:gd name="adj" fmla="val 100000"/>
+              </a:avLst>
+            </a:prstGeom>
+            <a:solidFill>
+              <a:schemeClr val="accent1">
+                <a:alpha val="80000"/>
+              </a:schemeClr>
+            </a:solidFill>
+            <a:ln>
+              <a:noFill/>
+            </a:ln>
+            <a:effectLst/>
+          </p:spPr>
+          <p:style>
+            <a:lnRef idx="1">
+              <a:schemeClr val="accent1"/>
+            </a:lnRef>
+            <a:fillRef idx="3">
+              <a:schemeClr val="accent1"/>
+            </a:fillRef>
+            <a:effectRef idx="2">
+              <a:schemeClr val="accent1"/>
+            </a:effectRef>
+            <a:fontRef idx="minor">
+              <a:schemeClr val="lt1"/>
+            </a:fontRef>
+          </p:style>
+        </p:sp>
+        <p:sp>
+          <p:nvSpPr>
+            <p:cNvPr id="20" name="Isosceles Triangle 19">
+              <a:extLst>
+                <a:ext uri="{FF2B5EF4-FFF2-40B4-BE49-F238E27FC236}">
+                  <a16:creationId xmlns:a16="http://schemas.microsoft.com/office/drawing/2014/main" id="{0060D8D1-7BB1-498F-AFBB-ADAC130A9E90}"/>
+                </a:ext>
+                <a:ext uri="{C183D7F6-B498-43B3-948B-1728B52AA6E4}">
+                  <adec:decorative xmlns:adec="http://schemas.microsoft.com/office/drawing/2017/decorative" val="1"/>
+                </a:ext>
+              </a:extLst>
+            </p:cNvPr>
+            <p:cNvSpPr/>
+            <p:nvPr>
+              <p:extLst>
+                <p:ext uri="{386F3935-93C4-4BCD-93E2-E3B085C9AB24}">
+                  <p16:designElem xmlns:p16="http://schemas.microsoft.com/office/powerpoint/2015/main" val="1"/>
+                </p:ext>
+              </p:extLst>
+            </p:nvPr>
+          </p:nvSpPr>
+          <p:spPr>
+            <a:xfrm rot="10800000">
+              <a:off x="0" y="0"/>
+              <a:ext cx="842596" cy="5666154"/>
+            </a:xfrm>
+            <a:prstGeom prst="triangle">
+              <a:avLst>
+                <a:gd name="adj" fmla="val 100000"/>
+              </a:avLst>
+            </a:prstGeom>
+            <a:solidFill>
+              <a:schemeClr val="accent1">
+                <a:alpha val="85000"/>
+              </a:schemeClr>
+            </a:solidFill>
+            <a:ln>
+              <a:noFill/>
+            </a:ln>
+            <a:effectLst/>
+          </p:spPr>
+          <p:style>
+            <a:lnRef idx="1">
+              <a:schemeClr val="accent1"/>
+            </a:lnRef>
+            <a:fillRef idx="3">
+              <a:schemeClr val="accent1"/>
+            </a:fillRef>
+            <a:effectRef idx="2">
+              <a:schemeClr val="accent1"/>
+            </a:effectRef>
+            <a:fontRef idx="minor">
+              <a:schemeClr val="lt1"/>
+            </a:fontRef>
+          </p:style>
+        </p:sp>
+      </p:grpSp>
+      <p:sp>
+        <p:nvSpPr>
+          <p:cNvPr id="2" name="Título 1">
+            <a:extLst>
+              <a:ext uri="{FF2B5EF4-FFF2-40B4-BE49-F238E27FC236}">
+                <a16:creationId xmlns:a16="http://schemas.microsoft.com/office/drawing/2014/main" id="{B51B22D7-D209-44BC-95E3-A6FA1DF49F76}"/>
+              </a:ext>
+            </a:extLst>
+          </p:cNvPr>
+          <p:cNvSpPr>
+            <a:spLocks noGrp="1"/>
+          </p:cNvSpPr>
+          <p:nvPr>
+            <p:ph type="title"/>
+          </p:nvPr>
+        </p:nvSpPr>
+        <p:spPr>
+          <a:xfrm>
+            <a:off x="4974337" y="1265314"/>
+            <a:ext cx="4299666" cy="3249131"/>
+          </a:xfrm>
+        </p:spPr>
+        <p:txBody>
+          <a:bodyPr vert="horz" lIns="91440" tIns="45720" rIns="91440" bIns="45720" rtlCol="0" anchor="b">
+            <a:normAutofit/>
+          </a:bodyPr>
+          <a:lstStyle/>
+          <a:p>
+            <a:r>
+              <a:rPr lang="en-US" sz="5400" kern="1200" dirty="0">
+                <a:solidFill>
+                  <a:schemeClr val="accent1"/>
+                </a:solidFill>
+                <a:latin typeface="+mj-lt"/>
+                <a:ea typeface="+mj-ea"/>
+                <a:cs typeface="+mj-cs"/>
+              </a:rPr>
+              <a:t>PTAMM</a:t>
+            </a:r>
+          </a:p>
+        </p:txBody>
+      </p:sp>
+      <p:sp>
+        <p:nvSpPr>
+          <p:cNvPr id="22" name="Isosceles Triangle 21">
+            <a:extLst>
+              <a:ext uri="{FF2B5EF4-FFF2-40B4-BE49-F238E27FC236}">
+                <a16:creationId xmlns:a16="http://schemas.microsoft.com/office/drawing/2014/main" id="{5A7802B6-FF37-40CF-A7E2-6F2A0D9A91EF}"/>
+              </a:ext>
+              <a:ext uri="{C183D7F6-B498-43B3-948B-1728B52AA6E4}">
+                <adec:decorative xmlns:adec="http://schemas.microsoft.com/office/drawing/2017/decorative" val="1"/>
+              </a:ext>
+            </a:extLst>
+          </p:cNvPr>
+          <p:cNvSpPr>
+            <a:spLocks noGrp="1" noRot="1" noChangeAspect="1" noMove="1" noResize="1" noEditPoints="1" noAdjustHandles="1" noChangeArrowheads="1" noChangeShapeType="1" noTextEdit="1"/>
+          </p:cNvSpPr>
+          <p:nvPr>
+            <p:extLst>
+              <p:ext uri="{386F3935-93C4-4BCD-93E2-E3B085C9AB24}">
+                <p16:designElem xmlns:p16="http://schemas.microsoft.com/office/powerpoint/2015/main" val="1"/>
+              </p:ext>
+            </p:extLst>
+          </p:nvPr>
+        </p:nvSpPr>
+        <p:spPr>
+          <a:xfrm rot="10800000">
+            <a:off x="3174" y="12700"/>
+            <a:ext cx="842596" cy="5666154"/>
+          </a:xfrm>
+          <a:prstGeom prst="triangle">
+            <a:avLst>
+              <a:gd name="adj" fmla="val 100000"/>
+            </a:avLst>
+          </a:prstGeom>
+          <a:solidFill>
+            <a:schemeClr val="accent1">
+              <a:alpha val="85000"/>
+            </a:schemeClr>
+          </a:solidFill>
+          <a:ln>
+            <a:noFill/>
+          </a:ln>
+          <a:effectLst/>
+        </p:spPr>
+        <p:style>
+          <a:lnRef idx="1">
+            <a:schemeClr val="accent1"/>
+          </a:lnRef>
+          <a:fillRef idx="3">
+            <a:schemeClr val="accent1"/>
+          </a:fillRef>
+          <a:effectRef idx="2">
+            <a:schemeClr val="accent1"/>
+          </a:effectRef>
+          <a:fontRef idx="minor">
+            <a:schemeClr val="lt1"/>
+          </a:fontRef>
+        </p:style>
+      </p:sp>
+      <p:pic>
+        <p:nvPicPr>
+          <p:cNvPr id="7" name="Graphic 6">
+            <a:extLst>
+              <a:ext uri="{FF2B5EF4-FFF2-40B4-BE49-F238E27FC236}">
+                <a16:creationId xmlns:a16="http://schemas.microsoft.com/office/drawing/2014/main" id="{E9E57993-9CD0-4BBF-8E06-4698F3B6C84A}"/>
+              </a:ext>
+            </a:extLst>
+          </p:cNvPr>
+          <p:cNvPicPr>
+            <a:picLocks noChangeAspect="1"/>
+          </p:cNvPicPr>
+          <p:nvPr/>
+        </p:nvPicPr>
+        <p:blipFill>
+          <a:blip r:embed="rId2">
+            <a:extLst>
+              <a:ext uri="{28A0092B-C50C-407E-A947-70E740481C1C}">
+                <a14:useLocalDpi xmlns:a14="http://schemas.microsoft.com/office/drawing/2010/main" val="0"/>
+              </a:ext>
+              <a:ext uri="{96DAC541-7B7A-43D3-8B79-37D633B846F1}">
+                <asvg:svgBlip xmlns:asvg="http://schemas.microsoft.com/office/drawing/2016/SVG/main" r:embed="rId3"/>
+              </a:ext>
+            </a:extLst>
+          </a:blip>
+          <a:stretch>
+            <a:fillRect/>
+          </a:stretch>
+        </p:blipFill>
+        <p:spPr>
+          <a:xfrm>
+            <a:off x="888604" y="1550139"/>
+            <a:ext cx="3765692" cy="3765692"/>
+          </a:xfrm>
+          <a:prstGeom prst="rect">
+            <a:avLst/>
+          </a:prstGeom>
+        </p:spPr>
+      </p:pic>
+      <p:sp>
+        <p:nvSpPr>
+          <p:cNvPr id="5" name="Marcador de contenido 4">
+            <a:extLst>
+              <a:ext uri="{FF2B5EF4-FFF2-40B4-BE49-F238E27FC236}">
+                <a16:creationId xmlns:a16="http://schemas.microsoft.com/office/drawing/2014/main" id="{B8AC901D-F242-402D-AA83-E21889DB67C9}"/>
+              </a:ext>
+            </a:extLst>
+          </p:cNvPr>
+          <p:cNvSpPr>
+            <a:spLocks noGrp="1"/>
+          </p:cNvSpPr>
+          <p:nvPr>
+            <p:ph idx="1"/>
+          </p:nvPr>
+        </p:nvSpPr>
+        <p:spPr/>
+        <p:txBody>
+          <a:bodyPr/>
+          <a:lstStyle/>
+          <a:p>
+            <a:endParaRPr lang="es-PE"/>
+          </a:p>
+        </p:txBody>
+      </p:sp>
+    </p:spTree>
+    <p:extLst>
+      <p:ext uri="{BB962C8B-B14F-4D97-AF65-F5344CB8AC3E}">
+        <p14:creationId xmlns:p14="http://schemas.microsoft.com/office/powerpoint/2010/main" val="346727389"/>
+      </p:ext>
+    </p:extLst>
+  </p:cSld>
+  <p:clrMapOvr>
+    <a:masterClrMapping/>
+  </p:clrMapOvr>
+</p:sld>
+</file>
+
+<file path=ppt/slides/slide3.xml><?xml version="1.0" encoding="utf-8"?>
+<p:sld xmlns:a="http://schemas.openxmlformats.org/drawingml/2006/main" xmlns:r="http://schemas.openxmlformats.org/officeDocument/2006/relationships" xmlns:p="http://schemas.openxmlformats.org/presentationml/2006/main">
+  <p:cSld>
+    <p:bg>
+      <p:bgPr>
+        <a:solidFill>
+          <a:schemeClr val="bg1"/>
+        </a:solidFill>
+        <a:effectLst/>
+      </p:bgPr>
+    </p:bg>
+    <p:spTree>
+      <p:nvGrpSpPr>
+        <p:cNvPr id="1" name=""/>
+        <p:cNvGrpSpPr/>
+        <p:nvPr/>
+      </p:nvGrpSpPr>
+      <p:grpSpPr>
+        <a:xfrm>
+          <a:off x="0" y="0"/>
+          <a:ext cx="0" cy="0"/>
+          <a:chOff x="0" y="0"/>
+          <a:chExt cx="0" cy="0"/>
+        </a:xfrm>
+      </p:grpSpPr>
+      <p:grpSp>
+        <p:nvGrpSpPr>
+          <p:cNvPr id="10" name="Group 9">
+            <a:extLst>
+              <a:ext uri="{FF2B5EF4-FFF2-40B4-BE49-F238E27FC236}">
+                <a16:creationId xmlns:a16="http://schemas.microsoft.com/office/drawing/2014/main" id="{B4DE830A-B531-4A3B-96F6-0ECE88B08555}"/>
+              </a:ext>
+              <a:ext uri="{C183D7F6-B498-43B3-948B-1728B52AA6E4}">
+                <adec:decorative xmlns:adec="http://schemas.microsoft.com/office/drawing/2017/decorative" val="1"/>
+              </a:ext>
+            </a:extLst>
+          </p:cNvPr>
+          <p:cNvGrpSpPr>
+            <a:grpSpLocks noGrp="1" noUngrp="1" noRot="1" noChangeAspect="1" noMove="1" noResize="1"/>
+          </p:cNvGrpSpPr>
+          <p:nvPr>
+            <p:extLst>
+              <p:ext uri="{386F3935-93C4-4BCD-93E2-E3B085C9AB24}">
+                <p16:designElem xmlns:p16="http://schemas.microsoft.com/office/powerpoint/2015/main" val="1"/>
+              </p:ext>
+            </p:extLst>
+          </p:nvPr>
+        </p:nvGrpSpPr>
+        <p:grpSpPr>
+          <a:xfrm>
+            <a:off x="0" y="-8467"/>
+            <a:ext cx="12192000" cy="6866467"/>
+            <a:chOff x="0" y="-8467"/>
+            <a:chExt cx="12192000" cy="6866467"/>
+          </a:xfrm>
+        </p:grpSpPr>
+        <p:cxnSp>
+          <p:nvCxnSpPr>
+            <p:cNvPr id="11" name="Straight Connector 10">
+              <a:extLst>
+                <a:ext uri="{FF2B5EF4-FFF2-40B4-BE49-F238E27FC236}">
+                  <a16:creationId xmlns:a16="http://schemas.microsoft.com/office/drawing/2014/main" id="{2813DF2C-461A-4A8F-9679-A172790D1F3A}"/>
+                </a:ext>
+                <a:ext uri="{C183D7F6-B498-43B3-948B-1728B52AA6E4}">
+                  <adec:decorative xmlns:adec="http://schemas.microsoft.com/office/drawing/2017/decorative" val="1"/>
+                </a:ext>
+              </a:extLst>
+            </p:cNvPr>
+            <p:cNvCxnSpPr/>
+            <p:nvPr>
+              <p:extLst>
+                <p:ext uri="{386F3935-93C4-4BCD-93E2-E3B085C9AB24}">
+                  <p16:designElem xmlns:p16="http://schemas.microsoft.com/office/powerpoint/2015/main" val="1"/>
+                </p:ext>
+              </p:extLst>
+            </p:nvPr>
+          </p:nvCxnSpPr>
+          <p:spPr>
+            <a:xfrm>
+              <a:off x="9371012" y="0"/>
+              <a:ext cx="1219200" cy="6858000"/>
+            </a:xfrm>
+            <a:prstGeom prst="line">
+              <a:avLst/>
+            </a:prstGeom>
+            <a:ln w="9525">
+              <a:solidFill>
+                <a:schemeClr val="bg1">
+                  <a:lumMod val="75000"/>
+                </a:schemeClr>
+              </a:solidFill>
+            </a:ln>
+          </p:spPr>
+          <p:style>
+            <a:lnRef idx="2">
+              <a:schemeClr val="accent1"/>
+            </a:lnRef>
+            <a:fillRef idx="0">
+              <a:schemeClr val="accent1"/>
+            </a:fillRef>
+            <a:effectRef idx="1">
+              <a:schemeClr val="accent1"/>
+            </a:effectRef>
+            <a:fontRef idx="minor">
+              <a:schemeClr val="tx1"/>
+            </a:fontRef>
+          </p:style>
+        </p:cxnSp>
+        <p:cxnSp>
+          <p:nvCxnSpPr>
+            <p:cNvPr id="12" name="Straight Connector 11">
+              <a:extLst>
+                <a:ext uri="{FF2B5EF4-FFF2-40B4-BE49-F238E27FC236}">
+                  <a16:creationId xmlns:a16="http://schemas.microsoft.com/office/drawing/2014/main" id="{54CD3A85-C039-4249-86E4-1EB9318B5495}"/>
+                </a:ext>
+                <a:ext uri="{C183D7F6-B498-43B3-948B-1728B52AA6E4}">
+                  <adec:decorative xmlns:adec="http://schemas.microsoft.com/office/drawing/2017/decorative" val="1"/>
+                </a:ext>
+              </a:extLst>
+            </p:cNvPr>
+            <p:cNvCxnSpPr/>
+            <p:nvPr>
+              <p:extLst>
+                <p:ext uri="{386F3935-93C4-4BCD-93E2-E3B085C9AB24}">
+                  <p16:designElem xmlns:p16="http://schemas.microsoft.com/office/powerpoint/2015/main" val="1"/>
+                </p:ext>
+              </p:extLst>
+            </p:nvPr>
+          </p:nvCxnSpPr>
+          <p:spPr>
+            <a:xfrm flipH="1">
+              <a:off x="7425267" y="3681413"/>
+              <a:ext cx="4763558" cy="3176587"/>
+            </a:xfrm>
+            <a:prstGeom prst="line">
+              <a:avLst/>
+            </a:prstGeom>
+            <a:ln w="9525">
+              <a:solidFill>
+                <a:schemeClr val="bg1">
+                  <a:lumMod val="85000"/>
+                </a:schemeClr>
+              </a:solidFill>
+            </a:ln>
+          </p:spPr>
+          <p:style>
+            <a:lnRef idx="2">
+              <a:schemeClr val="accent1"/>
+            </a:lnRef>
+            <a:fillRef idx="0">
+              <a:schemeClr val="accent1"/>
+            </a:fillRef>
+            <a:effectRef idx="1">
+              <a:schemeClr val="accent1"/>
+            </a:effectRef>
+            <a:fontRef idx="minor">
+              <a:schemeClr val="tx1"/>
+            </a:fontRef>
+          </p:style>
+        </p:cxnSp>
+        <p:sp>
+          <p:nvSpPr>
+            <p:cNvPr id="13" name="Rectangle 23">
+              <a:extLst>
+                <a:ext uri="{FF2B5EF4-FFF2-40B4-BE49-F238E27FC236}">
+                  <a16:creationId xmlns:a16="http://schemas.microsoft.com/office/drawing/2014/main" id="{887EA6D2-2883-42C2-993D-094CA6D65DA3}"/>
+                </a:ext>
+                <a:ext uri="{C183D7F6-B498-43B3-948B-1728B52AA6E4}">
+                  <adec:decorative xmlns:adec="http://schemas.microsoft.com/office/drawing/2017/decorative" val="1"/>
+                </a:ext>
+              </a:extLst>
+            </p:cNvPr>
+            <p:cNvSpPr/>
+            <p:nvPr>
+              <p:extLst>
+                <p:ext uri="{386F3935-93C4-4BCD-93E2-E3B085C9AB24}">
+                  <p16:designElem xmlns:p16="http://schemas.microsoft.com/office/powerpoint/2015/main" val="1"/>
+                </p:ext>
+              </p:extLst>
+            </p:nvPr>
+          </p:nvSpPr>
+          <p:spPr>
+            <a:xfrm>
+              <a:off x="9181476" y="-8467"/>
+              <a:ext cx="3007349" cy="6866467"/>
+            </a:xfrm>
+            <a:custGeom>
+              <a:avLst/>
+              <a:gdLst/>
+              <a:ahLst/>
+              <a:cxnLst/>
+              <a:rect l="l" t="t" r="r" b="b"/>
+              <a:pathLst>
+                <a:path w="3007349" h="6866467">
+                  <a:moveTo>
+                    <a:pt x="2045532" y="0"/>
+                  </a:moveTo>
+                  <a:lnTo>
+                    <a:pt x="3007349" y="0"/>
+                  </a:lnTo>
+                  <a:lnTo>
+                    <a:pt x="3007349" y="6866467"/>
+                  </a:lnTo>
+                  <a:lnTo>
+                    <a:pt x="0" y="6866467"/>
+                  </a:lnTo>
+                  <a:lnTo>
+                    <a:pt x="2045532" y="0"/>
+                  </a:lnTo>
+                  <a:close/>
+                </a:path>
+              </a:pathLst>
+            </a:custGeom>
+            <a:solidFill>
+              <a:schemeClr val="accent1">
+                <a:alpha val="30000"/>
+              </a:schemeClr>
+            </a:solidFill>
+            <a:ln>
+              <a:noFill/>
+            </a:ln>
+            <a:effectLst/>
+          </p:spPr>
+          <p:style>
+            <a:lnRef idx="1">
+              <a:schemeClr val="accent1"/>
+            </a:lnRef>
+            <a:fillRef idx="3">
+              <a:schemeClr val="accent1"/>
+            </a:fillRef>
+            <a:effectRef idx="2">
+              <a:schemeClr val="accent1"/>
+            </a:effectRef>
+            <a:fontRef idx="minor">
+              <a:schemeClr val="lt1"/>
+            </a:fontRef>
+          </p:style>
+        </p:sp>
+        <p:sp>
+          <p:nvSpPr>
+            <p:cNvPr id="14" name="Rectangle 25">
+              <a:extLst>
+                <a:ext uri="{FF2B5EF4-FFF2-40B4-BE49-F238E27FC236}">
+                  <a16:creationId xmlns:a16="http://schemas.microsoft.com/office/drawing/2014/main" id="{3B895046-636F-4D1B-ACA4-29AA0CB3329F}"/>
+                </a:ext>
+                <a:ext uri="{C183D7F6-B498-43B3-948B-1728B52AA6E4}">
+                  <adec:decorative xmlns:adec="http://schemas.microsoft.com/office/drawing/2017/decorative" val="1"/>
+                </a:ext>
+              </a:extLst>
+            </p:cNvPr>
+            <p:cNvSpPr/>
+            <p:nvPr>
+              <p:extLst>
+                <p:ext uri="{386F3935-93C4-4BCD-93E2-E3B085C9AB24}">
+                  <p16:designElem xmlns:p16="http://schemas.microsoft.com/office/powerpoint/2015/main" val="1"/>
+                </p:ext>
+              </p:extLst>
+            </p:nvPr>
+          </p:nvSpPr>
+          <p:spPr>
+            <a:xfrm>
+              <a:off x="9603442" y="-8467"/>
+              <a:ext cx="2588558" cy="6866467"/>
+            </a:xfrm>
+            <a:custGeom>
+              <a:avLst/>
+              <a:gdLst/>
+              <a:ahLst/>
+              <a:cxnLst/>
+              <a:rect l="l" t="t" r="r" b="b"/>
+              <a:pathLst>
+                <a:path w="2573311" h="6866467">
+                  <a:moveTo>
+                    <a:pt x="0" y="0"/>
+                  </a:moveTo>
+                  <a:lnTo>
+                    <a:pt x="2573311" y="0"/>
+                  </a:lnTo>
+                  <a:lnTo>
+                    <a:pt x="2573311" y="6866467"/>
+                  </a:lnTo>
+                  <a:lnTo>
+                    <a:pt x="1202336" y="6866467"/>
+                  </a:lnTo>
+                  <a:lnTo>
+                    <a:pt x="0" y="0"/>
+                  </a:lnTo>
+                  <a:close/>
+                </a:path>
+              </a:pathLst>
+            </a:custGeom>
+            <a:solidFill>
+              <a:schemeClr val="accent1">
+                <a:alpha val="20000"/>
+              </a:schemeClr>
+            </a:solidFill>
+            <a:ln>
+              <a:noFill/>
+            </a:ln>
+            <a:effectLst/>
+          </p:spPr>
+          <p:style>
+            <a:lnRef idx="1">
+              <a:schemeClr val="accent1"/>
+            </a:lnRef>
+            <a:fillRef idx="3">
+              <a:schemeClr val="accent1"/>
+            </a:fillRef>
+            <a:effectRef idx="2">
+              <a:schemeClr val="accent1"/>
+            </a:effectRef>
+            <a:fontRef idx="minor">
+              <a:schemeClr val="lt1"/>
+            </a:fontRef>
+          </p:style>
+        </p:sp>
+        <p:sp>
+          <p:nvSpPr>
+            <p:cNvPr id="15" name="Isosceles Triangle 14">
+              <a:extLst>
+                <a:ext uri="{FF2B5EF4-FFF2-40B4-BE49-F238E27FC236}">
+                  <a16:creationId xmlns:a16="http://schemas.microsoft.com/office/drawing/2014/main" id="{C6B0CDE3-E054-4EDD-A43B-F96843D8BF51}"/>
+                </a:ext>
+                <a:ext uri="{C183D7F6-B498-43B3-948B-1728B52AA6E4}">
+                  <adec:decorative xmlns:adec="http://schemas.microsoft.com/office/drawing/2017/decorative" val="1"/>
+                </a:ext>
+              </a:extLst>
+            </p:cNvPr>
+            <p:cNvSpPr/>
+            <p:nvPr>
+              <p:extLst>
+                <p:ext uri="{386F3935-93C4-4BCD-93E2-E3B085C9AB24}">
+                  <p16:designElem xmlns:p16="http://schemas.microsoft.com/office/powerpoint/2015/main" val="1"/>
+                </p:ext>
+              </p:extLst>
+            </p:nvPr>
+          </p:nvSpPr>
+          <p:spPr>
+            <a:xfrm>
+              <a:off x="8932333" y="3048000"/>
+              <a:ext cx="3259667" cy="3810000"/>
+            </a:xfrm>
+            <a:prstGeom prst="triangle">
+              <a:avLst>
+                <a:gd name="adj" fmla="val 100000"/>
+              </a:avLst>
+            </a:prstGeom>
+            <a:solidFill>
+              <a:schemeClr val="accent2">
+                <a:alpha val="72000"/>
+              </a:schemeClr>
+            </a:solidFill>
+            <a:ln>
+              <a:noFill/>
+            </a:ln>
+            <a:effectLst/>
+          </p:spPr>
+          <p:style>
+            <a:lnRef idx="1">
+              <a:schemeClr val="accent1"/>
+            </a:lnRef>
+            <a:fillRef idx="3">
+              <a:schemeClr val="accent1"/>
+            </a:fillRef>
+            <a:effectRef idx="2">
+              <a:schemeClr val="accent1"/>
+            </a:effectRef>
+            <a:fontRef idx="minor">
+              <a:schemeClr val="lt1"/>
+            </a:fontRef>
+          </p:style>
+        </p:sp>
+        <p:sp>
+          <p:nvSpPr>
+            <p:cNvPr id="16" name="Rectangle 27">
+              <a:extLst>
+                <a:ext uri="{FF2B5EF4-FFF2-40B4-BE49-F238E27FC236}">
+                  <a16:creationId xmlns:a16="http://schemas.microsoft.com/office/drawing/2014/main" id="{3B66B1A2-F145-4C9B-85CC-4BF30D58CBC5}"/>
+                </a:ext>
+                <a:ext uri="{C183D7F6-B498-43B3-948B-1728B52AA6E4}">
+                  <adec:decorative xmlns:adec="http://schemas.microsoft.com/office/drawing/2017/decorative" val="1"/>
+                </a:ext>
+              </a:extLst>
+            </p:cNvPr>
+            <p:cNvSpPr/>
+            <p:nvPr>
+              <p:extLst>
+                <p:ext uri="{386F3935-93C4-4BCD-93E2-E3B085C9AB24}">
+                  <p16:designElem xmlns:p16="http://schemas.microsoft.com/office/powerpoint/2015/main" val="1"/>
+                </p:ext>
+              </p:extLst>
+            </p:nvPr>
+          </p:nvSpPr>
+          <p:spPr>
+            <a:xfrm>
+              <a:off x="9334500" y="-8467"/>
+              <a:ext cx="2854326" cy="6866467"/>
+            </a:xfrm>
+            <a:custGeom>
+              <a:avLst/>
+              <a:gdLst/>
+              <a:ahLst/>
+              <a:cxnLst/>
+              <a:rect l="l" t="t" r="r" b="b"/>
+              <a:pathLst>
+                <a:path w="2858013" h="6866467">
+                  <a:moveTo>
+                    <a:pt x="0" y="0"/>
+                  </a:moveTo>
+                  <a:lnTo>
+                    <a:pt x="2858013" y="0"/>
+                  </a:lnTo>
+                  <a:lnTo>
+                    <a:pt x="2858013" y="6866467"/>
+                  </a:lnTo>
+                  <a:lnTo>
+                    <a:pt x="2473942" y="6866467"/>
+                  </a:lnTo>
+                  <a:lnTo>
+                    <a:pt x="0" y="0"/>
+                  </a:lnTo>
+                  <a:close/>
+                </a:path>
+              </a:pathLst>
+            </a:custGeom>
+            <a:solidFill>
+              <a:schemeClr val="accent2">
+                <a:lumMod val="75000"/>
+                <a:alpha val="70000"/>
+              </a:schemeClr>
+            </a:solidFill>
+            <a:ln>
+              <a:noFill/>
+            </a:ln>
+            <a:effectLst/>
+          </p:spPr>
+          <p:style>
+            <a:lnRef idx="1">
+              <a:schemeClr val="accent1"/>
+            </a:lnRef>
+            <a:fillRef idx="3">
+              <a:schemeClr val="accent1"/>
+            </a:fillRef>
+            <a:effectRef idx="2">
+              <a:schemeClr val="accent1"/>
+            </a:effectRef>
+            <a:fontRef idx="minor">
+              <a:schemeClr val="lt1"/>
+            </a:fontRef>
+          </p:style>
+        </p:sp>
+        <p:sp>
+          <p:nvSpPr>
+            <p:cNvPr id="17" name="Rectangle 28">
+              <a:extLst>
+                <a:ext uri="{FF2B5EF4-FFF2-40B4-BE49-F238E27FC236}">
+                  <a16:creationId xmlns:a16="http://schemas.microsoft.com/office/drawing/2014/main" id="{5D4FC972-94B3-4035-8D31-E668C132B411}"/>
+                </a:ext>
+                <a:ext uri="{C183D7F6-B498-43B3-948B-1728B52AA6E4}">
+                  <adec:decorative xmlns:adec="http://schemas.microsoft.com/office/drawing/2017/decorative" val="1"/>
+                </a:ext>
+              </a:extLst>
+            </p:cNvPr>
+            <p:cNvSpPr/>
+            <p:nvPr>
+              <p:extLst>
+                <p:ext uri="{386F3935-93C4-4BCD-93E2-E3B085C9AB24}">
+                  <p16:designElem xmlns:p16="http://schemas.microsoft.com/office/powerpoint/2015/main" val="1"/>
+                </p:ext>
+              </p:extLst>
+            </p:nvPr>
+          </p:nvSpPr>
+          <p:spPr>
+            <a:xfrm>
+              <a:off x="10898730" y="-8467"/>
+              <a:ext cx="1290094" cy="6866467"/>
+            </a:xfrm>
+            <a:custGeom>
+              <a:avLst/>
+              <a:gdLst/>
+              <a:ahLst/>
+              <a:cxnLst/>
+              <a:rect l="l" t="t" r="r" b="b"/>
+              <a:pathLst>
+                <a:path w="1290094" h="6858000">
+                  <a:moveTo>
+                    <a:pt x="1019735" y="0"/>
+                  </a:moveTo>
+                  <a:lnTo>
+                    <a:pt x="1290094" y="0"/>
+                  </a:lnTo>
+                  <a:lnTo>
+                    <a:pt x="1290094" y="6858000"/>
+                  </a:lnTo>
+                  <a:lnTo>
+                    <a:pt x="0" y="6858000"/>
+                  </a:lnTo>
+                  <a:lnTo>
+                    <a:pt x="1019735" y="0"/>
+                  </a:lnTo>
+                  <a:close/>
+                </a:path>
+              </a:pathLst>
+            </a:custGeom>
+            <a:solidFill>
+              <a:schemeClr val="accent1">
+                <a:lumMod val="60000"/>
+                <a:lumOff val="40000"/>
+                <a:alpha val="70000"/>
+              </a:schemeClr>
+            </a:solidFill>
+            <a:ln>
+              <a:noFill/>
+            </a:ln>
+            <a:effectLst/>
+          </p:spPr>
+          <p:style>
+            <a:lnRef idx="1">
+              <a:schemeClr val="accent1"/>
+            </a:lnRef>
+            <a:fillRef idx="3">
+              <a:schemeClr val="accent1"/>
+            </a:fillRef>
+            <a:effectRef idx="2">
+              <a:schemeClr val="accent1"/>
+            </a:effectRef>
+            <a:fontRef idx="minor">
+              <a:schemeClr val="lt1"/>
+            </a:fontRef>
+          </p:style>
+        </p:sp>
+        <p:sp>
+          <p:nvSpPr>
+            <p:cNvPr id="18" name="Rectangle 29">
+              <a:extLst>
+                <a:ext uri="{FF2B5EF4-FFF2-40B4-BE49-F238E27FC236}">
+                  <a16:creationId xmlns:a16="http://schemas.microsoft.com/office/drawing/2014/main" id="{374B9941-AFBE-4A77-A50E-B6EA04A746AE}"/>
+                </a:ext>
+                <a:ext uri="{C183D7F6-B498-43B3-948B-1728B52AA6E4}">
+                  <adec:decorative xmlns:adec="http://schemas.microsoft.com/office/drawing/2017/decorative" val="1"/>
+                </a:ext>
+              </a:extLst>
+            </p:cNvPr>
+            <p:cNvSpPr/>
+            <p:nvPr>
+              <p:extLst>
+                <p:ext uri="{386F3935-93C4-4BCD-93E2-E3B085C9AB24}">
+                  <p16:designElem xmlns:p16="http://schemas.microsoft.com/office/powerpoint/2015/main" val="1"/>
+                </p:ext>
+              </p:extLst>
+            </p:nvPr>
+          </p:nvSpPr>
+          <p:spPr>
+            <a:xfrm>
+              <a:off x="10938999" y="-8467"/>
+              <a:ext cx="1249825" cy="6866467"/>
+            </a:xfrm>
+            <a:custGeom>
+              <a:avLst/>
+              <a:gdLst/>
+              <a:ahLst/>
+              <a:cxnLst/>
+              <a:rect l="l" t="t" r="r" b="b"/>
+              <a:pathLst>
+                <a:path w="1249825" h="6858000">
+                  <a:moveTo>
+                    <a:pt x="0" y="0"/>
+                  </a:moveTo>
+                  <a:lnTo>
+                    <a:pt x="1249825" y="0"/>
+                  </a:lnTo>
+                  <a:lnTo>
+                    <a:pt x="1249825" y="6858000"/>
+                  </a:lnTo>
+                  <a:lnTo>
+                    <a:pt x="1109382" y="6858000"/>
+                  </a:lnTo>
+                  <a:lnTo>
+                    <a:pt x="0" y="0"/>
+                  </a:lnTo>
+                  <a:close/>
+                </a:path>
+              </a:pathLst>
+            </a:custGeom>
+            <a:solidFill>
+              <a:schemeClr val="accent1">
+                <a:alpha val="65000"/>
+              </a:schemeClr>
+            </a:solidFill>
+            <a:ln>
+              <a:noFill/>
+            </a:ln>
+            <a:effectLst/>
+          </p:spPr>
+          <p:style>
+            <a:lnRef idx="1">
+              <a:schemeClr val="accent1"/>
+            </a:lnRef>
+            <a:fillRef idx="3">
+              <a:schemeClr val="accent1"/>
+            </a:fillRef>
+            <a:effectRef idx="2">
+              <a:schemeClr val="accent1"/>
+            </a:effectRef>
+            <a:fontRef idx="minor">
+              <a:schemeClr val="lt1"/>
+            </a:fontRef>
+          </p:style>
+        </p:sp>
+        <p:sp>
+          <p:nvSpPr>
+            <p:cNvPr id="19" name="Isosceles Triangle 18">
+              <a:extLst>
+                <a:ext uri="{FF2B5EF4-FFF2-40B4-BE49-F238E27FC236}">
+                  <a16:creationId xmlns:a16="http://schemas.microsoft.com/office/drawing/2014/main" id="{27A982C5-2C38-4CE9-BC18-94697AD657FB}"/>
+                </a:ext>
+                <a:ext uri="{C183D7F6-B498-43B3-948B-1728B52AA6E4}">
+                  <adec:decorative xmlns:adec="http://schemas.microsoft.com/office/drawing/2017/decorative" val="1"/>
+                </a:ext>
+              </a:extLst>
+            </p:cNvPr>
+            <p:cNvSpPr/>
+            <p:nvPr>
+              <p:extLst>
+                <p:ext uri="{386F3935-93C4-4BCD-93E2-E3B085C9AB24}">
+                  <p16:designElem xmlns:p16="http://schemas.microsoft.com/office/powerpoint/2015/main" val="1"/>
+                </p:ext>
+              </p:extLst>
+            </p:nvPr>
+          </p:nvSpPr>
+          <p:spPr>
+            <a:xfrm>
+              <a:off x="10371666" y="3589867"/>
+              <a:ext cx="1817159" cy="3268133"/>
+            </a:xfrm>
+            <a:prstGeom prst="triangle">
+              <a:avLst>
+                <a:gd name="adj" fmla="val 100000"/>
+              </a:avLst>
+            </a:prstGeom>
+            <a:solidFill>
+              <a:schemeClr val="accent1">
+                <a:alpha val="80000"/>
+              </a:schemeClr>
+            </a:solidFill>
+            <a:ln>
+              <a:noFill/>
+            </a:ln>
+            <a:effectLst/>
+          </p:spPr>
+          <p:style>
+            <a:lnRef idx="1">
+              <a:schemeClr val="accent1"/>
+            </a:lnRef>
+            <a:fillRef idx="3">
+              <a:schemeClr val="accent1"/>
+            </a:fillRef>
+            <a:effectRef idx="2">
+              <a:schemeClr val="accent1"/>
+            </a:effectRef>
+            <a:fontRef idx="minor">
+              <a:schemeClr val="lt1"/>
+            </a:fontRef>
+          </p:style>
+        </p:sp>
+        <p:sp>
+          <p:nvSpPr>
+            <p:cNvPr id="20" name="Isosceles Triangle 19">
+              <a:extLst>
+                <a:ext uri="{FF2B5EF4-FFF2-40B4-BE49-F238E27FC236}">
+                  <a16:creationId xmlns:a16="http://schemas.microsoft.com/office/drawing/2014/main" id="{0060D8D1-7BB1-498F-AFBB-ADAC130A9E90}"/>
+                </a:ext>
+                <a:ext uri="{C183D7F6-B498-43B3-948B-1728B52AA6E4}">
+                  <adec:decorative xmlns:adec="http://schemas.microsoft.com/office/drawing/2017/decorative" val="1"/>
+                </a:ext>
+              </a:extLst>
+            </p:cNvPr>
+            <p:cNvSpPr/>
+            <p:nvPr>
+              <p:extLst>
+                <p:ext uri="{386F3935-93C4-4BCD-93E2-E3B085C9AB24}">
+                  <p16:designElem xmlns:p16="http://schemas.microsoft.com/office/powerpoint/2015/main" val="1"/>
+                </p:ext>
+              </p:extLst>
+            </p:nvPr>
+          </p:nvSpPr>
+          <p:spPr>
+            <a:xfrm rot="10800000">
+              <a:off x="0" y="0"/>
+              <a:ext cx="842596" cy="5666154"/>
+            </a:xfrm>
+            <a:prstGeom prst="triangle">
+              <a:avLst>
+                <a:gd name="adj" fmla="val 100000"/>
+              </a:avLst>
+            </a:prstGeom>
+            <a:solidFill>
+              <a:schemeClr val="accent1">
+                <a:alpha val="85000"/>
+              </a:schemeClr>
+            </a:solidFill>
+            <a:ln>
+              <a:noFill/>
+            </a:ln>
+            <a:effectLst/>
+          </p:spPr>
+          <p:style>
+            <a:lnRef idx="1">
+              <a:schemeClr val="accent1"/>
+            </a:lnRef>
+            <a:fillRef idx="3">
+              <a:schemeClr val="accent1"/>
+            </a:fillRef>
+            <a:effectRef idx="2">
+              <a:schemeClr val="accent1"/>
+            </a:effectRef>
+            <a:fontRef idx="minor">
+              <a:schemeClr val="lt1"/>
+            </a:fontRef>
+          </p:style>
+        </p:sp>
+      </p:grpSp>
+      <p:pic>
+        <p:nvPicPr>
+          <p:cNvPr id="5" name="Marcador de contenido 4" descr="Imagen que contiene captura de pantalla&#10;&#10;Descripción generada automáticamente">
+            <a:extLst>
+              <a:ext uri="{FF2B5EF4-FFF2-40B4-BE49-F238E27FC236}">
+                <a16:creationId xmlns:a16="http://schemas.microsoft.com/office/drawing/2014/main" id="{7DB45CD5-3277-4604-851E-3A4F8F47EC26}"/>
+              </a:ext>
+            </a:extLst>
+          </p:cNvPr>
+          <p:cNvPicPr>
+            <a:picLocks noGrp="1" noChangeAspect="1"/>
+          </p:cNvPicPr>
+          <p:nvPr>
+            <p:ph idx="1"/>
+          </p:nvPr>
+        </p:nvPicPr>
+        <p:blipFill>
+          <a:blip r:embed="rId2"/>
+          <a:stretch>
+            <a:fillRect/>
+          </a:stretch>
+        </p:blipFill>
+        <p:spPr>
+          <a:xfrm>
+            <a:off x="985968" y="1560782"/>
+            <a:ext cx="8288033" cy="2672890"/>
+          </a:xfrm>
+          <a:prstGeom prst="rect">
+            <a:avLst/>
+          </a:prstGeom>
+        </p:spPr>
+      </p:pic>
+    </p:spTree>
+    <p:extLst>
+      <p:ext uri="{BB962C8B-B14F-4D97-AF65-F5344CB8AC3E}">
+        <p14:creationId xmlns:p14="http://schemas.microsoft.com/office/powerpoint/2010/main" val="1949224715"/>
+      </p:ext>
+    </p:extLst>
+  </p:cSld>
+  <p:clrMapOvr>
+    <a:masterClrMapping/>
+  </p:clrMapOvr>
+</p:sld>
+</file>
+
+<file path=ppt/slides/slide4.xml><?xml version="1.0" encoding="utf-8"?>
+<p:sld xmlns:a="http://schemas.openxmlformats.org/drawingml/2006/main" xmlns:r="http://schemas.openxmlformats.org/officeDocument/2006/relationships" xmlns:p="http://schemas.openxmlformats.org/presentationml/2006/main">
+  <p:cSld>
     <p:spTree>
       <p:nvGrpSpPr>
         <p:cNvPr id="1" name=""/>
@@ -6138,21 +7811,796 @@
             <p:ph type="title"/>
           </p:nvPr>
         </p:nvSpPr>
-        <p:spPr/>
+        <p:spPr>
+          <a:xfrm>
+            <a:off x="677334" y="609600"/>
+            <a:ext cx="8596668" cy="1320800"/>
+          </a:xfrm>
+        </p:spPr>
         <p:txBody>
-          <a:bodyPr/>
+          <a:bodyPr>
+            <a:normAutofit/>
+          </a:bodyPr>
           <a:lstStyle/>
           <a:p>
-            <a:endParaRPr lang="es-PE"/>
+            <a:pPr algn="ctr"/>
+            <a:r>
+              <a:rPr lang="es-PE" sz="4400" dirty="0"/>
+              <a:t>Calibración</a:t>
+            </a:r>
           </a:p>
         </p:txBody>
       </p:sp>
+      <p:pic>
+        <p:nvPicPr>
+          <p:cNvPr id="5" name="Marcador de contenido 4" descr="Imagen que contiene interior, objeto, suelo&#10;&#10;Descripción generada automáticamente">
+            <a:extLst>
+              <a:ext uri="{FF2B5EF4-FFF2-40B4-BE49-F238E27FC236}">
+                <a16:creationId xmlns:a16="http://schemas.microsoft.com/office/drawing/2014/main" id="{D1FD40DB-DC77-43EE-B80F-34BB6C5C2FAA}"/>
+              </a:ext>
+            </a:extLst>
+          </p:cNvPr>
+          <p:cNvPicPr>
+            <a:picLocks noGrp="1" noChangeAspect="1"/>
+          </p:cNvPicPr>
+          <p:nvPr>
+            <p:ph idx="1"/>
+          </p:nvPr>
+        </p:nvPicPr>
+        <p:blipFill>
+          <a:blip r:embed="rId2"/>
+          <a:stretch>
+            <a:fillRect/>
+          </a:stretch>
+        </p:blipFill>
+        <p:spPr>
+          <a:xfrm>
+            <a:off x="677863" y="2270360"/>
+            <a:ext cx="8596312" cy="3661893"/>
+          </a:xfrm>
+        </p:spPr>
+      </p:pic>
+    </p:spTree>
+    <p:extLst>
+      <p:ext uri="{BB962C8B-B14F-4D97-AF65-F5344CB8AC3E}">
+        <p14:creationId xmlns:p14="http://schemas.microsoft.com/office/powerpoint/2010/main" val="152748495"/>
+      </p:ext>
+    </p:extLst>
+  </p:cSld>
+  <p:clrMapOvr>
+    <a:masterClrMapping/>
+  </p:clrMapOvr>
+</p:sld>
+</file>
+
+<file path=ppt/slides/slide5.xml><?xml version="1.0" encoding="utf-8"?>
+<p:sld xmlns:a="http://schemas.openxmlformats.org/drawingml/2006/main" xmlns:r="http://schemas.openxmlformats.org/officeDocument/2006/relationships" xmlns:p="http://schemas.openxmlformats.org/presentationml/2006/main">
+  <p:cSld>
+    <p:bg>
+      <p:bgPr>
+        <a:solidFill>
+          <a:schemeClr val="bg1"/>
+        </a:solidFill>
+        <a:effectLst/>
+      </p:bgPr>
+    </p:bg>
+    <p:spTree>
+      <p:nvGrpSpPr>
+        <p:cNvPr id="1" name=""/>
+        <p:cNvGrpSpPr/>
+        <p:nvPr/>
+      </p:nvGrpSpPr>
+      <p:grpSpPr>
+        <a:xfrm>
+          <a:off x="0" y="0"/>
+          <a:ext cx="0" cy="0"/>
+          <a:chOff x="0" y="0"/>
+          <a:chExt cx="0" cy="0"/>
+        </a:xfrm>
+      </p:grpSpPr>
+      <p:grpSp>
+        <p:nvGrpSpPr>
+          <p:cNvPr id="20" name="Group 19">
+            <a:extLst>
+              <a:ext uri="{FF2B5EF4-FFF2-40B4-BE49-F238E27FC236}">
+                <a16:creationId xmlns:a16="http://schemas.microsoft.com/office/drawing/2014/main" id="{0884F175-9D23-496E-80AC-F3D2FD541092}"/>
+              </a:ext>
+              <a:ext uri="{C183D7F6-B498-43B3-948B-1728B52AA6E4}">
+                <adec:decorative xmlns:adec="http://schemas.microsoft.com/office/drawing/2017/decorative" val="1"/>
+              </a:ext>
+            </a:extLst>
+          </p:cNvPr>
+          <p:cNvGrpSpPr>
+            <a:grpSpLocks noGrp="1" noUngrp="1" noRot="1" noChangeAspect="1" noMove="1" noResize="1"/>
+          </p:cNvGrpSpPr>
+          <p:nvPr>
+            <p:extLst>
+              <p:ext uri="{386F3935-93C4-4BCD-93E2-E3B085C9AB24}">
+                <p16:designElem xmlns:p16="http://schemas.microsoft.com/office/powerpoint/2015/main" val="1"/>
+              </p:ext>
+            </p:extLst>
+          </p:nvPr>
+        </p:nvGrpSpPr>
+        <p:grpSpPr>
+          <a:xfrm>
+            <a:off x="0" y="-8467"/>
+            <a:ext cx="12192000" cy="6866467"/>
+            <a:chOff x="0" y="-8467"/>
+            <a:chExt cx="12192000" cy="6866467"/>
+          </a:xfrm>
+        </p:grpSpPr>
+        <p:cxnSp>
+          <p:nvCxnSpPr>
+            <p:cNvPr id="21" name="Straight Connector 20">
+              <a:extLst>
+                <a:ext uri="{FF2B5EF4-FFF2-40B4-BE49-F238E27FC236}">
+                  <a16:creationId xmlns:a16="http://schemas.microsoft.com/office/drawing/2014/main" id="{22D4B7B8-5AFE-4B32-A805-72EC571E6F07}"/>
+                </a:ext>
+                <a:ext uri="{C183D7F6-B498-43B3-948B-1728B52AA6E4}">
+                  <adec:decorative xmlns:adec="http://schemas.microsoft.com/office/drawing/2017/decorative" val="1"/>
+                </a:ext>
+              </a:extLst>
+            </p:cNvPr>
+            <p:cNvCxnSpPr/>
+            <p:nvPr>
+              <p:extLst>
+                <p:ext uri="{386F3935-93C4-4BCD-93E2-E3B085C9AB24}">
+                  <p16:designElem xmlns:p16="http://schemas.microsoft.com/office/powerpoint/2015/main" val="1"/>
+                </p:ext>
+              </p:extLst>
+            </p:nvPr>
+          </p:nvCxnSpPr>
+          <p:spPr>
+            <a:xfrm>
+              <a:off x="9371012" y="0"/>
+              <a:ext cx="1219200" cy="6858000"/>
+            </a:xfrm>
+            <a:prstGeom prst="line">
+              <a:avLst/>
+            </a:prstGeom>
+            <a:ln w="9525">
+              <a:solidFill>
+                <a:schemeClr val="bg1">
+                  <a:lumMod val="75000"/>
+                </a:schemeClr>
+              </a:solidFill>
+            </a:ln>
+          </p:spPr>
+          <p:style>
+            <a:lnRef idx="2">
+              <a:schemeClr val="accent1"/>
+            </a:lnRef>
+            <a:fillRef idx="0">
+              <a:schemeClr val="accent1"/>
+            </a:fillRef>
+            <a:effectRef idx="1">
+              <a:schemeClr val="accent1"/>
+            </a:effectRef>
+            <a:fontRef idx="minor">
+              <a:schemeClr val="tx1"/>
+            </a:fontRef>
+          </p:style>
+        </p:cxnSp>
+        <p:cxnSp>
+          <p:nvCxnSpPr>
+            <p:cNvPr id="22" name="Straight Connector 21">
+              <a:extLst>
+                <a:ext uri="{FF2B5EF4-FFF2-40B4-BE49-F238E27FC236}">
+                  <a16:creationId xmlns:a16="http://schemas.microsoft.com/office/drawing/2014/main" id="{757D13B2-7A74-4788-8689-5EDB2DA868FF}"/>
+                </a:ext>
+                <a:ext uri="{C183D7F6-B498-43B3-948B-1728B52AA6E4}">
+                  <adec:decorative xmlns:adec="http://schemas.microsoft.com/office/drawing/2017/decorative" val="1"/>
+                </a:ext>
+              </a:extLst>
+            </p:cNvPr>
+            <p:cNvCxnSpPr/>
+            <p:nvPr>
+              <p:extLst>
+                <p:ext uri="{386F3935-93C4-4BCD-93E2-E3B085C9AB24}">
+                  <p16:designElem xmlns:p16="http://schemas.microsoft.com/office/powerpoint/2015/main" val="1"/>
+                </p:ext>
+              </p:extLst>
+            </p:nvPr>
+          </p:nvCxnSpPr>
+          <p:spPr>
+            <a:xfrm flipH="1">
+              <a:off x="7425267" y="3681413"/>
+              <a:ext cx="4763558" cy="3176587"/>
+            </a:xfrm>
+            <a:prstGeom prst="line">
+              <a:avLst/>
+            </a:prstGeom>
+            <a:ln w="9525">
+              <a:solidFill>
+                <a:schemeClr val="bg1">
+                  <a:lumMod val="85000"/>
+                </a:schemeClr>
+              </a:solidFill>
+            </a:ln>
+          </p:spPr>
+          <p:style>
+            <a:lnRef idx="2">
+              <a:schemeClr val="accent1"/>
+            </a:lnRef>
+            <a:fillRef idx="0">
+              <a:schemeClr val="accent1"/>
+            </a:fillRef>
+            <a:effectRef idx="1">
+              <a:schemeClr val="accent1"/>
+            </a:effectRef>
+            <a:fontRef idx="minor">
+              <a:schemeClr val="tx1"/>
+            </a:fontRef>
+          </p:style>
+        </p:cxnSp>
+        <p:sp>
+          <p:nvSpPr>
+            <p:cNvPr id="23" name="Rectangle 23">
+              <a:extLst>
+                <a:ext uri="{FF2B5EF4-FFF2-40B4-BE49-F238E27FC236}">
+                  <a16:creationId xmlns:a16="http://schemas.microsoft.com/office/drawing/2014/main" id="{66964837-B2CC-483D-BEDA-4BB1901BCC72}"/>
+                </a:ext>
+                <a:ext uri="{C183D7F6-B498-43B3-948B-1728B52AA6E4}">
+                  <adec:decorative xmlns:adec="http://schemas.microsoft.com/office/drawing/2017/decorative" val="1"/>
+                </a:ext>
+              </a:extLst>
+            </p:cNvPr>
+            <p:cNvSpPr/>
+            <p:nvPr>
+              <p:extLst>
+                <p:ext uri="{386F3935-93C4-4BCD-93E2-E3B085C9AB24}">
+                  <p16:designElem xmlns:p16="http://schemas.microsoft.com/office/powerpoint/2015/main" val="1"/>
+                </p:ext>
+              </p:extLst>
+            </p:nvPr>
+          </p:nvSpPr>
+          <p:spPr>
+            <a:xfrm>
+              <a:off x="9181476" y="-8467"/>
+              <a:ext cx="3007349" cy="6866467"/>
+            </a:xfrm>
+            <a:custGeom>
+              <a:avLst/>
+              <a:gdLst/>
+              <a:ahLst/>
+              <a:cxnLst/>
+              <a:rect l="l" t="t" r="r" b="b"/>
+              <a:pathLst>
+                <a:path w="3007349" h="6866467">
+                  <a:moveTo>
+                    <a:pt x="2045532" y="0"/>
+                  </a:moveTo>
+                  <a:lnTo>
+                    <a:pt x="3007349" y="0"/>
+                  </a:lnTo>
+                  <a:lnTo>
+                    <a:pt x="3007349" y="6866467"/>
+                  </a:lnTo>
+                  <a:lnTo>
+                    <a:pt x="0" y="6866467"/>
+                  </a:lnTo>
+                  <a:lnTo>
+                    <a:pt x="2045532" y="0"/>
+                  </a:lnTo>
+                  <a:close/>
+                </a:path>
+              </a:pathLst>
+            </a:custGeom>
+            <a:solidFill>
+              <a:schemeClr val="accent1">
+                <a:alpha val="30000"/>
+              </a:schemeClr>
+            </a:solidFill>
+            <a:ln>
+              <a:noFill/>
+            </a:ln>
+            <a:effectLst/>
+          </p:spPr>
+          <p:style>
+            <a:lnRef idx="1">
+              <a:schemeClr val="accent1"/>
+            </a:lnRef>
+            <a:fillRef idx="3">
+              <a:schemeClr val="accent1"/>
+            </a:fillRef>
+            <a:effectRef idx="2">
+              <a:schemeClr val="accent1"/>
+            </a:effectRef>
+            <a:fontRef idx="minor">
+              <a:schemeClr val="lt1"/>
+            </a:fontRef>
+          </p:style>
+        </p:sp>
+        <p:sp>
+          <p:nvSpPr>
+            <p:cNvPr id="24" name="Rectangle 25">
+              <a:extLst>
+                <a:ext uri="{FF2B5EF4-FFF2-40B4-BE49-F238E27FC236}">
+                  <a16:creationId xmlns:a16="http://schemas.microsoft.com/office/drawing/2014/main" id="{77D4E216-8B6C-4A3B-AF75-3016320F62A8}"/>
+                </a:ext>
+                <a:ext uri="{C183D7F6-B498-43B3-948B-1728B52AA6E4}">
+                  <adec:decorative xmlns:adec="http://schemas.microsoft.com/office/drawing/2017/decorative" val="1"/>
+                </a:ext>
+              </a:extLst>
+            </p:cNvPr>
+            <p:cNvSpPr/>
+            <p:nvPr>
+              <p:extLst>
+                <p:ext uri="{386F3935-93C4-4BCD-93E2-E3B085C9AB24}">
+                  <p16:designElem xmlns:p16="http://schemas.microsoft.com/office/powerpoint/2015/main" val="1"/>
+                </p:ext>
+              </p:extLst>
+            </p:nvPr>
+          </p:nvSpPr>
+          <p:spPr>
+            <a:xfrm>
+              <a:off x="9603442" y="-8467"/>
+              <a:ext cx="2588558" cy="6866467"/>
+            </a:xfrm>
+            <a:custGeom>
+              <a:avLst/>
+              <a:gdLst/>
+              <a:ahLst/>
+              <a:cxnLst/>
+              <a:rect l="l" t="t" r="r" b="b"/>
+              <a:pathLst>
+                <a:path w="2573311" h="6866467">
+                  <a:moveTo>
+                    <a:pt x="0" y="0"/>
+                  </a:moveTo>
+                  <a:lnTo>
+                    <a:pt x="2573311" y="0"/>
+                  </a:lnTo>
+                  <a:lnTo>
+                    <a:pt x="2573311" y="6866467"/>
+                  </a:lnTo>
+                  <a:lnTo>
+                    <a:pt x="1202336" y="6866467"/>
+                  </a:lnTo>
+                  <a:lnTo>
+                    <a:pt x="0" y="0"/>
+                  </a:lnTo>
+                  <a:close/>
+                </a:path>
+              </a:pathLst>
+            </a:custGeom>
+            <a:solidFill>
+              <a:schemeClr val="accent1">
+                <a:alpha val="20000"/>
+              </a:schemeClr>
+            </a:solidFill>
+            <a:ln>
+              <a:noFill/>
+            </a:ln>
+            <a:effectLst/>
+          </p:spPr>
+          <p:style>
+            <a:lnRef idx="1">
+              <a:schemeClr val="accent1"/>
+            </a:lnRef>
+            <a:fillRef idx="3">
+              <a:schemeClr val="accent1"/>
+            </a:fillRef>
+            <a:effectRef idx="2">
+              <a:schemeClr val="accent1"/>
+            </a:effectRef>
+            <a:fontRef idx="minor">
+              <a:schemeClr val="lt1"/>
+            </a:fontRef>
+          </p:style>
+        </p:sp>
+        <p:sp>
+          <p:nvSpPr>
+            <p:cNvPr id="25" name="Isosceles Triangle 24">
+              <a:extLst>
+                <a:ext uri="{FF2B5EF4-FFF2-40B4-BE49-F238E27FC236}">
+                  <a16:creationId xmlns:a16="http://schemas.microsoft.com/office/drawing/2014/main" id="{CDD4EA12-82D2-47D7-8742-8F4746AA6FA2}"/>
+                </a:ext>
+                <a:ext uri="{C183D7F6-B498-43B3-948B-1728B52AA6E4}">
+                  <adec:decorative xmlns:adec="http://schemas.microsoft.com/office/drawing/2017/decorative" val="1"/>
+                </a:ext>
+              </a:extLst>
+            </p:cNvPr>
+            <p:cNvSpPr/>
+            <p:nvPr>
+              <p:extLst>
+                <p:ext uri="{386F3935-93C4-4BCD-93E2-E3B085C9AB24}">
+                  <p16:designElem xmlns:p16="http://schemas.microsoft.com/office/powerpoint/2015/main" val="1"/>
+                </p:ext>
+              </p:extLst>
+            </p:nvPr>
+          </p:nvSpPr>
+          <p:spPr>
+            <a:xfrm>
+              <a:off x="8932333" y="3048000"/>
+              <a:ext cx="3259667" cy="3810000"/>
+            </a:xfrm>
+            <a:prstGeom prst="triangle">
+              <a:avLst>
+                <a:gd name="adj" fmla="val 100000"/>
+              </a:avLst>
+            </a:prstGeom>
+            <a:solidFill>
+              <a:schemeClr val="accent2">
+                <a:alpha val="72000"/>
+              </a:schemeClr>
+            </a:solidFill>
+            <a:ln>
+              <a:noFill/>
+            </a:ln>
+            <a:effectLst/>
+          </p:spPr>
+          <p:style>
+            <a:lnRef idx="1">
+              <a:schemeClr val="accent1"/>
+            </a:lnRef>
+            <a:fillRef idx="3">
+              <a:schemeClr val="accent1"/>
+            </a:fillRef>
+            <a:effectRef idx="2">
+              <a:schemeClr val="accent1"/>
+            </a:effectRef>
+            <a:fontRef idx="minor">
+              <a:schemeClr val="lt1"/>
+            </a:fontRef>
+          </p:style>
+        </p:sp>
+        <p:sp>
+          <p:nvSpPr>
+            <p:cNvPr id="26" name="Rectangle 27">
+              <a:extLst>
+                <a:ext uri="{FF2B5EF4-FFF2-40B4-BE49-F238E27FC236}">
+                  <a16:creationId xmlns:a16="http://schemas.microsoft.com/office/drawing/2014/main" id="{115B7F7E-4C23-429B-A947-A5B436DB2D3B}"/>
+                </a:ext>
+                <a:ext uri="{C183D7F6-B498-43B3-948B-1728B52AA6E4}">
+                  <adec:decorative xmlns:adec="http://schemas.microsoft.com/office/drawing/2017/decorative" val="1"/>
+                </a:ext>
+              </a:extLst>
+            </p:cNvPr>
+            <p:cNvSpPr/>
+            <p:nvPr>
+              <p:extLst>
+                <p:ext uri="{386F3935-93C4-4BCD-93E2-E3B085C9AB24}">
+                  <p16:designElem xmlns:p16="http://schemas.microsoft.com/office/powerpoint/2015/main" val="1"/>
+                </p:ext>
+              </p:extLst>
+            </p:nvPr>
+          </p:nvSpPr>
+          <p:spPr>
+            <a:xfrm>
+              <a:off x="9334500" y="-8467"/>
+              <a:ext cx="2854326" cy="6866467"/>
+            </a:xfrm>
+            <a:custGeom>
+              <a:avLst/>
+              <a:gdLst/>
+              <a:ahLst/>
+              <a:cxnLst/>
+              <a:rect l="l" t="t" r="r" b="b"/>
+              <a:pathLst>
+                <a:path w="2858013" h="6866467">
+                  <a:moveTo>
+                    <a:pt x="0" y="0"/>
+                  </a:moveTo>
+                  <a:lnTo>
+                    <a:pt x="2858013" y="0"/>
+                  </a:lnTo>
+                  <a:lnTo>
+                    <a:pt x="2858013" y="6866467"/>
+                  </a:lnTo>
+                  <a:lnTo>
+                    <a:pt x="2473942" y="6866467"/>
+                  </a:lnTo>
+                  <a:lnTo>
+                    <a:pt x="0" y="0"/>
+                  </a:lnTo>
+                  <a:close/>
+                </a:path>
+              </a:pathLst>
+            </a:custGeom>
+            <a:solidFill>
+              <a:schemeClr val="accent2">
+                <a:lumMod val="75000"/>
+                <a:alpha val="70000"/>
+              </a:schemeClr>
+            </a:solidFill>
+            <a:ln>
+              <a:noFill/>
+            </a:ln>
+            <a:effectLst/>
+          </p:spPr>
+          <p:style>
+            <a:lnRef idx="1">
+              <a:schemeClr val="accent1"/>
+            </a:lnRef>
+            <a:fillRef idx="3">
+              <a:schemeClr val="accent1"/>
+            </a:fillRef>
+            <a:effectRef idx="2">
+              <a:schemeClr val="accent1"/>
+            </a:effectRef>
+            <a:fontRef idx="minor">
+              <a:schemeClr val="lt1"/>
+            </a:fontRef>
+          </p:style>
+        </p:sp>
+        <p:sp>
+          <p:nvSpPr>
+            <p:cNvPr id="27" name="Rectangle 28">
+              <a:extLst>
+                <a:ext uri="{FF2B5EF4-FFF2-40B4-BE49-F238E27FC236}">
+                  <a16:creationId xmlns:a16="http://schemas.microsoft.com/office/drawing/2014/main" id="{A6B03A29-0A21-40D4-87E4-3C41D6F54C57}"/>
+                </a:ext>
+                <a:ext uri="{C183D7F6-B498-43B3-948B-1728B52AA6E4}">
+                  <adec:decorative xmlns:adec="http://schemas.microsoft.com/office/drawing/2017/decorative" val="1"/>
+                </a:ext>
+              </a:extLst>
+            </p:cNvPr>
+            <p:cNvSpPr/>
+            <p:nvPr>
+              <p:extLst>
+                <p:ext uri="{386F3935-93C4-4BCD-93E2-E3B085C9AB24}">
+                  <p16:designElem xmlns:p16="http://schemas.microsoft.com/office/powerpoint/2015/main" val="1"/>
+                </p:ext>
+              </p:extLst>
+            </p:nvPr>
+          </p:nvSpPr>
+          <p:spPr>
+            <a:xfrm>
+              <a:off x="10898730" y="-8467"/>
+              <a:ext cx="1290094" cy="6866467"/>
+            </a:xfrm>
+            <a:custGeom>
+              <a:avLst/>
+              <a:gdLst/>
+              <a:ahLst/>
+              <a:cxnLst/>
+              <a:rect l="l" t="t" r="r" b="b"/>
+              <a:pathLst>
+                <a:path w="1290094" h="6858000">
+                  <a:moveTo>
+                    <a:pt x="1019735" y="0"/>
+                  </a:moveTo>
+                  <a:lnTo>
+                    <a:pt x="1290094" y="0"/>
+                  </a:lnTo>
+                  <a:lnTo>
+                    <a:pt x="1290094" y="6858000"/>
+                  </a:lnTo>
+                  <a:lnTo>
+                    <a:pt x="0" y="6858000"/>
+                  </a:lnTo>
+                  <a:lnTo>
+                    <a:pt x="1019735" y="0"/>
+                  </a:lnTo>
+                  <a:close/>
+                </a:path>
+              </a:pathLst>
+            </a:custGeom>
+            <a:solidFill>
+              <a:schemeClr val="accent1">
+                <a:lumMod val="60000"/>
+                <a:lumOff val="40000"/>
+                <a:alpha val="70000"/>
+              </a:schemeClr>
+            </a:solidFill>
+            <a:ln>
+              <a:noFill/>
+            </a:ln>
+            <a:effectLst/>
+          </p:spPr>
+          <p:style>
+            <a:lnRef idx="1">
+              <a:schemeClr val="accent1"/>
+            </a:lnRef>
+            <a:fillRef idx="3">
+              <a:schemeClr val="accent1"/>
+            </a:fillRef>
+            <a:effectRef idx="2">
+              <a:schemeClr val="accent1"/>
+            </a:effectRef>
+            <a:fontRef idx="minor">
+              <a:schemeClr val="lt1"/>
+            </a:fontRef>
+          </p:style>
+        </p:sp>
+        <p:sp>
+          <p:nvSpPr>
+            <p:cNvPr id="28" name="Rectangle 29">
+              <a:extLst>
+                <a:ext uri="{FF2B5EF4-FFF2-40B4-BE49-F238E27FC236}">
+                  <a16:creationId xmlns:a16="http://schemas.microsoft.com/office/drawing/2014/main" id="{6C871F60-4E5A-449A-B6D8-1F58C12EE3C5}"/>
+                </a:ext>
+                <a:ext uri="{C183D7F6-B498-43B3-948B-1728B52AA6E4}">
+                  <adec:decorative xmlns:adec="http://schemas.microsoft.com/office/drawing/2017/decorative" val="1"/>
+                </a:ext>
+              </a:extLst>
+            </p:cNvPr>
+            <p:cNvSpPr/>
+            <p:nvPr>
+              <p:extLst>
+                <p:ext uri="{386F3935-93C4-4BCD-93E2-E3B085C9AB24}">
+                  <p16:designElem xmlns:p16="http://schemas.microsoft.com/office/powerpoint/2015/main" val="1"/>
+                </p:ext>
+              </p:extLst>
+            </p:nvPr>
+          </p:nvSpPr>
+          <p:spPr>
+            <a:xfrm>
+              <a:off x="10938999" y="-8467"/>
+              <a:ext cx="1249825" cy="6866467"/>
+            </a:xfrm>
+            <a:custGeom>
+              <a:avLst/>
+              <a:gdLst/>
+              <a:ahLst/>
+              <a:cxnLst/>
+              <a:rect l="l" t="t" r="r" b="b"/>
+              <a:pathLst>
+                <a:path w="1249825" h="6858000">
+                  <a:moveTo>
+                    <a:pt x="0" y="0"/>
+                  </a:moveTo>
+                  <a:lnTo>
+                    <a:pt x="1249825" y="0"/>
+                  </a:lnTo>
+                  <a:lnTo>
+                    <a:pt x="1249825" y="6858000"/>
+                  </a:lnTo>
+                  <a:lnTo>
+                    <a:pt x="1109382" y="6858000"/>
+                  </a:lnTo>
+                  <a:lnTo>
+                    <a:pt x="0" y="0"/>
+                  </a:lnTo>
+                  <a:close/>
+                </a:path>
+              </a:pathLst>
+            </a:custGeom>
+            <a:solidFill>
+              <a:schemeClr val="accent1">
+                <a:alpha val="65000"/>
+              </a:schemeClr>
+            </a:solidFill>
+            <a:ln>
+              <a:noFill/>
+            </a:ln>
+            <a:effectLst/>
+          </p:spPr>
+          <p:style>
+            <a:lnRef idx="1">
+              <a:schemeClr val="accent1"/>
+            </a:lnRef>
+            <a:fillRef idx="3">
+              <a:schemeClr val="accent1"/>
+            </a:fillRef>
+            <a:effectRef idx="2">
+              <a:schemeClr val="accent1"/>
+            </a:effectRef>
+            <a:fontRef idx="minor">
+              <a:schemeClr val="lt1"/>
+            </a:fontRef>
+          </p:style>
+        </p:sp>
+        <p:sp>
+          <p:nvSpPr>
+            <p:cNvPr id="29" name="Isosceles Triangle 28">
+              <a:extLst>
+                <a:ext uri="{FF2B5EF4-FFF2-40B4-BE49-F238E27FC236}">
+                  <a16:creationId xmlns:a16="http://schemas.microsoft.com/office/drawing/2014/main" id="{3182795B-2BFA-4D7B-BE85-701A73E25350}"/>
+                </a:ext>
+                <a:ext uri="{C183D7F6-B498-43B3-948B-1728B52AA6E4}">
+                  <adec:decorative xmlns:adec="http://schemas.microsoft.com/office/drawing/2017/decorative" val="1"/>
+                </a:ext>
+              </a:extLst>
+            </p:cNvPr>
+            <p:cNvSpPr/>
+            <p:nvPr>
+              <p:extLst>
+                <p:ext uri="{386F3935-93C4-4BCD-93E2-E3B085C9AB24}">
+                  <p16:designElem xmlns:p16="http://schemas.microsoft.com/office/powerpoint/2015/main" val="1"/>
+                </p:ext>
+              </p:extLst>
+            </p:nvPr>
+          </p:nvSpPr>
+          <p:spPr>
+            <a:xfrm>
+              <a:off x="10371666" y="3589867"/>
+              <a:ext cx="1817159" cy="3268133"/>
+            </a:xfrm>
+            <a:prstGeom prst="triangle">
+              <a:avLst>
+                <a:gd name="adj" fmla="val 100000"/>
+              </a:avLst>
+            </a:prstGeom>
+            <a:solidFill>
+              <a:schemeClr val="accent1">
+                <a:alpha val="80000"/>
+              </a:schemeClr>
+            </a:solidFill>
+            <a:ln>
+              <a:noFill/>
+            </a:ln>
+            <a:effectLst/>
+          </p:spPr>
+          <p:style>
+            <a:lnRef idx="1">
+              <a:schemeClr val="accent1"/>
+            </a:lnRef>
+            <a:fillRef idx="3">
+              <a:schemeClr val="accent1"/>
+            </a:fillRef>
+            <a:effectRef idx="2">
+              <a:schemeClr val="accent1"/>
+            </a:effectRef>
+            <a:fontRef idx="minor">
+              <a:schemeClr val="lt1"/>
+            </a:fontRef>
+          </p:style>
+        </p:sp>
+        <p:sp>
+          <p:nvSpPr>
+            <p:cNvPr id="30" name="Isosceles Triangle 29">
+              <a:extLst>
+                <a:ext uri="{FF2B5EF4-FFF2-40B4-BE49-F238E27FC236}">
+                  <a16:creationId xmlns:a16="http://schemas.microsoft.com/office/drawing/2014/main" id="{810B9E5C-2AE2-4B4E-916F-F954F2AA8A93}"/>
+                </a:ext>
+                <a:ext uri="{C183D7F6-B498-43B3-948B-1728B52AA6E4}">
+                  <adec:decorative xmlns:adec="http://schemas.microsoft.com/office/drawing/2017/decorative" val="1"/>
+                </a:ext>
+              </a:extLst>
+            </p:cNvPr>
+            <p:cNvSpPr/>
+            <p:nvPr>
+              <p:extLst>
+                <p:ext uri="{386F3935-93C4-4BCD-93E2-E3B085C9AB24}">
+                  <p16:designElem xmlns:p16="http://schemas.microsoft.com/office/powerpoint/2015/main" val="1"/>
+                </p:ext>
+              </p:extLst>
+            </p:nvPr>
+          </p:nvSpPr>
+          <p:spPr>
+            <a:xfrm>
+              <a:off x="0" y="4013200"/>
+              <a:ext cx="448733" cy="2844800"/>
+            </a:xfrm>
+            <a:prstGeom prst="triangle">
+              <a:avLst>
+                <a:gd name="adj" fmla="val 0"/>
+              </a:avLst>
+            </a:prstGeom>
+            <a:solidFill>
+              <a:schemeClr val="accent1">
+                <a:alpha val="85000"/>
+              </a:schemeClr>
+            </a:solidFill>
+            <a:ln>
+              <a:noFill/>
+            </a:ln>
+            <a:effectLst/>
+          </p:spPr>
+          <p:style>
+            <a:lnRef idx="1">
+              <a:schemeClr val="accent1"/>
+            </a:lnRef>
+            <a:fillRef idx="3">
+              <a:schemeClr val="accent1"/>
+            </a:fillRef>
+            <a:effectRef idx="2">
+              <a:schemeClr val="accent1"/>
+            </a:effectRef>
+            <a:fontRef idx="minor">
+              <a:schemeClr val="lt1"/>
+            </a:fontRef>
+          </p:style>
+        </p:sp>
+      </p:grpSp>
       <p:sp>
         <p:nvSpPr>
-          <p:cNvPr id="3" name="Marcador de contenido 2">
+          <p:cNvPr id="4" name="Título 3">
             <a:extLst>
               <a:ext uri="{FF2B5EF4-FFF2-40B4-BE49-F238E27FC236}">
-                <a16:creationId xmlns:a16="http://schemas.microsoft.com/office/drawing/2014/main" id="{F7A436C7-49B3-4C5C-B3E1-6FEDC6364CB7}"/>
+                <a16:creationId xmlns:a16="http://schemas.microsoft.com/office/drawing/2014/main" id="{96750F73-5A0D-4FA6-BFB2-4AB94E9F2183}"/>
               </a:ext>
             </a:extLst>
           </p:cNvPr>
@@ -6160,22 +8608,2866 @@
             <a:spLocks noGrp="1"/>
           </p:cNvSpPr>
           <p:nvPr>
+            <p:ph type="title"/>
+          </p:nvPr>
+        </p:nvSpPr>
+        <p:spPr>
+          <a:xfrm>
+            <a:off x="675065" y="609599"/>
+            <a:ext cx="2930518" cy="5431761"/>
+          </a:xfrm>
+        </p:spPr>
+        <p:txBody>
+          <a:bodyPr vert="horz" lIns="91440" tIns="45720" rIns="91440" bIns="45720" rtlCol="0" anchor="ctr">
+            <a:normAutofit/>
+          </a:bodyPr>
+          <a:lstStyle/>
+          <a:p>
+            <a:pPr>
+              <a:lnSpc>
+                <a:spcPct val="90000"/>
+              </a:lnSpc>
+            </a:pPr>
+            <a:r>
+              <a:rPr lang="en-US" sz="2800" dirty="0"/>
+              <a:t>Point the Camera at planar scene and press spacebar to start for initial map</a:t>
+            </a:r>
+          </a:p>
+        </p:txBody>
+      </p:sp>
+      <p:pic>
+        <p:nvPicPr>
+          <p:cNvPr id="15" name="Marcador de contenido 9" descr="Imagen que contiene electrónica, verde, ordenador, teclado&#10;&#10;Descripción generada automáticamente">
+            <a:extLst>
+              <a:ext uri="{FF2B5EF4-FFF2-40B4-BE49-F238E27FC236}">
+                <a16:creationId xmlns:a16="http://schemas.microsoft.com/office/drawing/2014/main" id="{89B5D3BC-9725-48CB-BDDE-82FE16CFCAF8}"/>
+              </a:ext>
+            </a:extLst>
+          </p:cNvPr>
+          <p:cNvPicPr>
+            <a:picLocks noChangeAspect="1"/>
+          </p:cNvPicPr>
+          <p:nvPr/>
+        </p:nvPicPr>
+        <p:blipFill>
+          <a:blip r:embed="rId2"/>
+          <a:stretch>
+            <a:fillRect/>
+          </a:stretch>
+        </p:blipFill>
+        <p:spPr>
+          <a:xfrm>
+            <a:off x="4830420" y="609600"/>
+            <a:ext cx="3468996" cy="2601747"/>
+          </a:xfrm>
+          <a:prstGeom prst="rect">
+            <a:avLst/>
+          </a:prstGeom>
+        </p:spPr>
+      </p:pic>
+      <p:pic>
+        <p:nvPicPr>
+          <p:cNvPr id="12" name="Marcador de contenido 11" descr="Imagen que contiene interior&#10;&#10;Descripción generada automáticamente">
+            <a:extLst>
+              <a:ext uri="{FF2B5EF4-FFF2-40B4-BE49-F238E27FC236}">
+                <a16:creationId xmlns:a16="http://schemas.microsoft.com/office/drawing/2014/main" id="{4FC70C5F-1F6C-450D-AD05-79015BEAAAC5}"/>
+              </a:ext>
+            </a:extLst>
+          </p:cNvPr>
+          <p:cNvPicPr>
+            <a:picLocks noGrp="1" noChangeAspect="1"/>
+          </p:cNvPicPr>
+          <p:nvPr>
+            <p:ph sz="quarter" idx="4"/>
+          </p:nvPr>
+        </p:nvPicPr>
+        <p:blipFill>
+          <a:blip r:embed="rId3"/>
+          <a:stretch>
+            <a:fillRect/>
+          </a:stretch>
+        </p:blipFill>
+        <p:spPr>
+          <a:xfrm>
+            <a:off x="4830025" y="3439020"/>
+            <a:ext cx="3469788" cy="2602341"/>
+          </a:xfrm>
+          <a:prstGeom prst="rect">
+            <a:avLst/>
+          </a:prstGeom>
+        </p:spPr>
+      </p:pic>
+    </p:spTree>
+    <p:extLst>
+      <p:ext uri="{BB962C8B-B14F-4D97-AF65-F5344CB8AC3E}">
+        <p14:creationId xmlns:p14="http://schemas.microsoft.com/office/powerpoint/2010/main" val="3972855280"/>
+      </p:ext>
+    </p:extLst>
+  </p:cSld>
+  <p:clrMapOvr>
+    <a:masterClrMapping/>
+  </p:clrMapOvr>
+</p:sld>
+</file>
+
+<file path=ppt/slides/slide6.xml><?xml version="1.0" encoding="utf-8"?>
+<p:sld xmlns:a="http://schemas.openxmlformats.org/drawingml/2006/main" xmlns:r="http://schemas.openxmlformats.org/officeDocument/2006/relationships" xmlns:p="http://schemas.openxmlformats.org/presentationml/2006/main">
+  <p:cSld>
+    <p:bg>
+      <p:bgPr>
+        <a:solidFill>
+          <a:schemeClr val="bg1"/>
+        </a:solidFill>
+        <a:effectLst/>
+      </p:bgPr>
+    </p:bg>
+    <p:spTree>
+      <p:nvGrpSpPr>
+        <p:cNvPr id="1" name=""/>
+        <p:cNvGrpSpPr/>
+        <p:nvPr/>
+      </p:nvGrpSpPr>
+      <p:grpSpPr>
+        <a:xfrm>
+          <a:off x="0" y="0"/>
+          <a:ext cx="0" cy="0"/>
+          <a:chOff x="0" y="0"/>
+          <a:chExt cx="0" cy="0"/>
+        </a:xfrm>
+      </p:grpSpPr>
+      <p:grpSp>
+        <p:nvGrpSpPr>
+          <p:cNvPr id="20" name="Group 19">
+            <a:extLst>
+              <a:ext uri="{FF2B5EF4-FFF2-40B4-BE49-F238E27FC236}">
+                <a16:creationId xmlns:a16="http://schemas.microsoft.com/office/drawing/2014/main" id="{0884F175-9D23-496E-80AC-F3D2FD541092}"/>
+              </a:ext>
+              <a:ext uri="{C183D7F6-B498-43B3-948B-1728B52AA6E4}">
+                <adec:decorative xmlns:adec="http://schemas.microsoft.com/office/drawing/2017/decorative" val="1"/>
+              </a:ext>
+            </a:extLst>
+          </p:cNvPr>
+          <p:cNvGrpSpPr>
+            <a:grpSpLocks noGrp="1" noUngrp="1" noRot="1" noChangeAspect="1" noMove="1" noResize="1"/>
+          </p:cNvGrpSpPr>
+          <p:nvPr>
+            <p:extLst>
+              <p:ext uri="{386F3935-93C4-4BCD-93E2-E3B085C9AB24}">
+                <p16:designElem xmlns:p16="http://schemas.microsoft.com/office/powerpoint/2015/main" val="1"/>
+              </p:ext>
+            </p:extLst>
+          </p:nvPr>
+        </p:nvGrpSpPr>
+        <p:grpSpPr>
+          <a:xfrm>
+            <a:off x="0" y="-8467"/>
+            <a:ext cx="12192000" cy="6866467"/>
+            <a:chOff x="0" y="-8467"/>
+            <a:chExt cx="12192000" cy="6866467"/>
+          </a:xfrm>
+        </p:grpSpPr>
+        <p:cxnSp>
+          <p:nvCxnSpPr>
+            <p:cNvPr id="21" name="Straight Connector 20">
+              <a:extLst>
+                <a:ext uri="{FF2B5EF4-FFF2-40B4-BE49-F238E27FC236}">
+                  <a16:creationId xmlns:a16="http://schemas.microsoft.com/office/drawing/2014/main" id="{22D4B7B8-5AFE-4B32-A805-72EC571E6F07}"/>
+                </a:ext>
+                <a:ext uri="{C183D7F6-B498-43B3-948B-1728B52AA6E4}">
+                  <adec:decorative xmlns:adec="http://schemas.microsoft.com/office/drawing/2017/decorative" val="1"/>
+                </a:ext>
+              </a:extLst>
+            </p:cNvPr>
+            <p:cNvCxnSpPr/>
+            <p:nvPr>
+              <p:extLst>
+                <p:ext uri="{386F3935-93C4-4BCD-93E2-E3B085C9AB24}">
+                  <p16:designElem xmlns:p16="http://schemas.microsoft.com/office/powerpoint/2015/main" val="1"/>
+                </p:ext>
+              </p:extLst>
+            </p:nvPr>
+          </p:nvCxnSpPr>
+          <p:spPr>
+            <a:xfrm>
+              <a:off x="9371012" y="0"/>
+              <a:ext cx="1219200" cy="6858000"/>
+            </a:xfrm>
+            <a:prstGeom prst="line">
+              <a:avLst/>
+            </a:prstGeom>
+            <a:ln w="9525">
+              <a:solidFill>
+                <a:schemeClr val="bg1">
+                  <a:lumMod val="75000"/>
+                </a:schemeClr>
+              </a:solidFill>
+            </a:ln>
+          </p:spPr>
+          <p:style>
+            <a:lnRef idx="2">
+              <a:schemeClr val="accent1"/>
+            </a:lnRef>
+            <a:fillRef idx="0">
+              <a:schemeClr val="accent1"/>
+            </a:fillRef>
+            <a:effectRef idx="1">
+              <a:schemeClr val="accent1"/>
+            </a:effectRef>
+            <a:fontRef idx="minor">
+              <a:schemeClr val="tx1"/>
+            </a:fontRef>
+          </p:style>
+        </p:cxnSp>
+        <p:cxnSp>
+          <p:nvCxnSpPr>
+            <p:cNvPr id="22" name="Straight Connector 21">
+              <a:extLst>
+                <a:ext uri="{FF2B5EF4-FFF2-40B4-BE49-F238E27FC236}">
+                  <a16:creationId xmlns:a16="http://schemas.microsoft.com/office/drawing/2014/main" id="{757D13B2-7A74-4788-8689-5EDB2DA868FF}"/>
+                </a:ext>
+                <a:ext uri="{C183D7F6-B498-43B3-948B-1728B52AA6E4}">
+                  <adec:decorative xmlns:adec="http://schemas.microsoft.com/office/drawing/2017/decorative" val="1"/>
+                </a:ext>
+              </a:extLst>
+            </p:cNvPr>
+            <p:cNvCxnSpPr/>
+            <p:nvPr>
+              <p:extLst>
+                <p:ext uri="{386F3935-93C4-4BCD-93E2-E3B085C9AB24}">
+                  <p16:designElem xmlns:p16="http://schemas.microsoft.com/office/powerpoint/2015/main" val="1"/>
+                </p:ext>
+              </p:extLst>
+            </p:nvPr>
+          </p:nvCxnSpPr>
+          <p:spPr>
+            <a:xfrm flipH="1">
+              <a:off x="7425267" y="3681413"/>
+              <a:ext cx="4763558" cy="3176587"/>
+            </a:xfrm>
+            <a:prstGeom prst="line">
+              <a:avLst/>
+            </a:prstGeom>
+            <a:ln w="9525">
+              <a:solidFill>
+                <a:schemeClr val="bg1">
+                  <a:lumMod val="85000"/>
+                </a:schemeClr>
+              </a:solidFill>
+            </a:ln>
+          </p:spPr>
+          <p:style>
+            <a:lnRef idx="2">
+              <a:schemeClr val="accent1"/>
+            </a:lnRef>
+            <a:fillRef idx="0">
+              <a:schemeClr val="accent1"/>
+            </a:fillRef>
+            <a:effectRef idx="1">
+              <a:schemeClr val="accent1"/>
+            </a:effectRef>
+            <a:fontRef idx="minor">
+              <a:schemeClr val="tx1"/>
+            </a:fontRef>
+          </p:style>
+        </p:cxnSp>
+        <p:sp>
+          <p:nvSpPr>
+            <p:cNvPr id="23" name="Rectangle 23">
+              <a:extLst>
+                <a:ext uri="{FF2B5EF4-FFF2-40B4-BE49-F238E27FC236}">
+                  <a16:creationId xmlns:a16="http://schemas.microsoft.com/office/drawing/2014/main" id="{66964837-B2CC-483D-BEDA-4BB1901BCC72}"/>
+                </a:ext>
+                <a:ext uri="{C183D7F6-B498-43B3-948B-1728B52AA6E4}">
+                  <adec:decorative xmlns:adec="http://schemas.microsoft.com/office/drawing/2017/decorative" val="1"/>
+                </a:ext>
+              </a:extLst>
+            </p:cNvPr>
+            <p:cNvSpPr/>
+            <p:nvPr>
+              <p:extLst>
+                <p:ext uri="{386F3935-93C4-4BCD-93E2-E3B085C9AB24}">
+                  <p16:designElem xmlns:p16="http://schemas.microsoft.com/office/powerpoint/2015/main" val="1"/>
+                </p:ext>
+              </p:extLst>
+            </p:nvPr>
+          </p:nvSpPr>
+          <p:spPr>
+            <a:xfrm>
+              <a:off x="9181476" y="-8467"/>
+              <a:ext cx="3007349" cy="6866467"/>
+            </a:xfrm>
+            <a:custGeom>
+              <a:avLst/>
+              <a:gdLst/>
+              <a:ahLst/>
+              <a:cxnLst/>
+              <a:rect l="l" t="t" r="r" b="b"/>
+              <a:pathLst>
+                <a:path w="3007349" h="6866467">
+                  <a:moveTo>
+                    <a:pt x="2045532" y="0"/>
+                  </a:moveTo>
+                  <a:lnTo>
+                    <a:pt x="3007349" y="0"/>
+                  </a:lnTo>
+                  <a:lnTo>
+                    <a:pt x="3007349" y="6866467"/>
+                  </a:lnTo>
+                  <a:lnTo>
+                    <a:pt x="0" y="6866467"/>
+                  </a:lnTo>
+                  <a:lnTo>
+                    <a:pt x="2045532" y="0"/>
+                  </a:lnTo>
+                  <a:close/>
+                </a:path>
+              </a:pathLst>
+            </a:custGeom>
+            <a:solidFill>
+              <a:schemeClr val="accent1">
+                <a:alpha val="30000"/>
+              </a:schemeClr>
+            </a:solidFill>
+            <a:ln>
+              <a:noFill/>
+            </a:ln>
+            <a:effectLst/>
+          </p:spPr>
+          <p:style>
+            <a:lnRef idx="1">
+              <a:schemeClr val="accent1"/>
+            </a:lnRef>
+            <a:fillRef idx="3">
+              <a:schemeClr val="accent1"/>
+            </a:fillRef>
+            <a:effectRef idx="2">
+              <a:schemeClr val="accent1"/>
+            </a:effectRef>
+            <a:fontRef idx="minor">
+              <a:schemeClr val="lt1"/>
+            </a:fontRef>
+          </p:style>
+        </p:sp>
+        <p:sp>
+          <p:nvSpPr>
+            <p:cNvPr id="24" name="Rectangle 25">
+              <a:extLst>
+                <a:ext uri="{FF2B5EF4-FFF2-40B4-BE49-F238E27FC236}">
+                  <a16:creationId xmlns:a16="http://schemas.microsoft.com/office/drawing/2014/main" id="{77D4E216-8B6C-4A3B-AF75-3016320F62A8}"/>
+                </a:ext>
+                <a:ext uri="{C183D7F6-B498-43B3-948B-1728B52AA6E4}">
+                  <adec:decorative xmlns:adec="http://schemas.microsoft.com/office/drawing/2017/decorative" val="1"/>
+                </a:ext>
+              </a:extLst>
+            </p:cNvPr>
+            <p:cNvSpPr/>
+            <p:nvPr>
+              <p:extLst>
+                <p:ext uri="{386F3935-93C4-4BCD-93E2-E3B085C9AB24}">
+                  <p16:designElem xmlns:p16="http://schemas.microsoft.com/office/powerpoint/2015/main" val="1"/>
+                </p:ext>
+              </p:extLst>
+            </p:nvPr>
+          </p:nvSpPr>
+          <p:spPr>
+            <a:xfrm>
+              <a:off x="9603442" y="-8467"/>
+              <a:ext cx="2588558" cy="6866467"/>
+            </a:xfrm>
+            <a:custGeom>
+              <a:avLst/>
+              <a:gdLst/>
+              <a:ahLst/>
+              <a:cxnLst/>
+              <a:rect l="l" t="t" r="r" b="b"/>
+              <a:pathLst>
+                <a:path w="2573311" h="6866467">
+                  <a:moveTo>
+                    <a:pt x="0" y="0"/>
+                  </a:moveTo>
+                  <a:lnTo>
+                    <a:pt x="2573311" y="0"/>
+                  </a:lnTo>
+                  <a:lnTo>
+                    <a:pt x="2573311" y="6866467"/>
+                  </a:lnTo>
+                  <a:lnTo>
+                    <a:pt x="1202336" y="6866467"/>
+                  </a:lnTo>
+                  <a:lnTo>
+                    <a:pt x="0" y="0"/>
+                  </a:lnTo>
+                  <a:close/>
+                </a:path>
+              </a:pathLst>
+            </a:custGeom>
+            <a:solidFill>
+              <a:schemeClr val="accent1">
+                <a:alpha val="20000"/>
+              </a:schemeClr>
+            </a:solidFill>
+            <a:ln>
+              <a:noFill/>
+            </a:ln>
+            <a:effectLst/>
+          </p:spPr>
+          <p:style>
+            <a:lnRef idx="1">
+              <a:schemeClr val="accent1"/>
+            </a:lnRef>
+            <a:fillRef idx="3">
+              <a:schemeClr val="accent1"/>
+            </a:fillRef>
+            <a:effectRef idx="2">
+              <a:schemeClr val="accent1"/>
+            </a:effectRef>
+            <a:fontRef idx="minor">
+              <a:schemeClr val="lt1"/>
+            </a:fontRef>
+          </p:style>
+        </p:sp>
+        <p:sp>
+          <p:nvSpPr>
+            <p:cNvPr id="25" name="Isosceles Triangle 24">
+              <a:extLst>
+                <a:ext uri="{FF2B5EF4-FFF2-40B4-BE49-F238E27FC236}">
+                  <a16:creationId xmlns:a16="http://schemas.microsoft.com/office/drawing/2014/main" id="{CDD4EA12-82D2-47D7-8742-8F4746AA6FA2}"/>
+                </a:ext>
+                <a:ext uri="{C183D7F6-B498-43B3-948B-1728B52AA6E4}">
+                  <adec:decorative xmlns:adec="http://schemas.microsoft.com/office/drawing/2017/decorative" val="1"/>
+                </a:ext>
+              </a:extLst>
+            </p:cNvPr>
+            <p:cNvSpPr/>
+            <p:nvPr>
+              <p:extLst>
+                <p:ext uri="{386F3935-93C4-4BCD-93E2-E3B085C9AB24}">
+                  <p16:designElem xmlns:p16="http://schemas.microsoft.com/office/powerpoint/2015/main" val="1"/>
+                </p:ext>
+              </p:extLst>
+            </p:nvPr>
+          </p:nvSpPr>
+          <p:spPr>
+            <a:xfrm>
+              <a:off x="8932333" y="3048000"/>
+              <a:ext cx="3259667" cy="3810000"/>
+            </a:xfrm>
+            <a:prstGeom prst="triangle">
+              <a:avLst>
+                <a:gd name="adj" fmla="val 100000"/>
+              </a:avLst>
+            </a:prstGeom>
+            <a:solidFill>
+              <a:schemeClr val="accent2">
+                <a:alpha val="72000"/>
+              </a:schemeClr>
+            </a:solidFill>
+            <a:ln>
+              <a:noFill/>
+            </a:ln>
+            <a:effectLst/>
+          </p:spPr>
+          <p:style>
+            <a:lnRef idx="1">
+              <a:schemeClr val="accent1"/>
+            </a:lnRef>
+            <a:fillRef idx="3">
+              <a:schemeClr val="accent1"/>
+            </a:fillRef>
+            <a:effectRef idx="2">
+              <a:schemeClr val="accent1"/>
+            </a:effectRef>
+            <a:fontRef idx="minor">
+              <a:schemeClr val="lt1"/>
+            </a:fontRef>
+          </p:style>
+        </p:sp>
+        <p:sp>
+          <p:nvSpPr>
+            <p:cNvPr id="26" name="Rectangle 27">
+              <a:extLst>
+                <a:ext uri="{FF2B5EF4-FFF2-40B4-BE49-F238E27FC236}">
+                  <a16:creationId xmlns:a16="http://schemas.microsoft.com/office/drawing/2014/main" id="{115B7F7E-4C23-429B-A947-A5B436DB2D3B}"/>
+                </a:ext>
+                <a:ext uri="{C183D7F6-B498-43B3-948B-1728B52AA6E4}">
+                  <adec:decorative xmlns:adec="http://schemas.microsoft.com/office/drawing/2017/decorative" val="1"/>
+                </a:ext>
+              </a:extLst>
+            </p:cNvPr>
+            <p:cNvSpPr/>
+            <p:nvPr>
+              <p:extLst>
+                <p:ext uri="{386F3935-93C4-4BCD-93E2-E3B085C9AB24}">
+                  <p16:designElem xmlns:p16="http://schemas.microsoft.com/office/powerpoint/2015/main" val="1"/>
+                </p:ext>
+              </p:extLst>
+            </p:nvPr>
+          </p:nvSpPr>
+          <p:spPr>
+            <a:xfrm>
+              <a:off x="9334500" y="-8467"/>
+              <a:ext cx="2854326" cy="6866467"/>
+            </a:xfrm>
+            <a:custGeom>
+              <a:avLst/>
+              <a:gdLst/>
+              <a:ahLst/>
+              <a:cxnLst/>
+              <a:rect l="l" t="t" r="r" b="b"/>
+              <a:pathLst>
+                <a:path w="2858013" h="6866467">
+                  <a:moveTo>
+                    <a:pt x="0" y="0"/>
+                  </a:moveTo>
+                  <a:lnTo>
+                    <a:pt x="2858013" y="0"/>
+                  </a:lnTo>
+                  <a:lnTo>
+                    <a:pt x="2858013" y="6866467"/>
+                  </a:lnTo>
+                  <a:lnTo>
+                    <a:pt x="2473942" y="6866467"/>
+                  </a:lnTo>
+                  <a:lnTo>
+                    <a:pt x="0" y="0"/>
+                  </a:lnTo>
+                  <a:close/>
+                </a:path>
+              </a:pathLst>
+            </a:custGeom>
+            <a:solidFill>
+              <a:schemeClr val="accent2">
+                <a:lumMod val="75000"/>
+                <a:alpha val="70000"/>
+              </a:schemeClr>
+            </a:solidFill>
+            <a:ln>
+              <a:noFill/>
+            </a:ln>
+            <a:effectLst/>
+          </p:spPr>
+          <p:style>
+            <a:lnRef idx="1">
+              <a:schemeClr val="accent1"/>
+            </a:lnRef>
+            <a:fillRef idx="3">
+              <a:schemeClr val="accent1"/>
+            </a:fillRef>
+            <a:effectRef idx="2">
+              <a:schemeClr val="accent1"/>
+            </a:effectRef>
+            <a:fontRef idx="minor">
+              <a:schemeClr val="lt1"/>
+            </a:fontRef>
+          </p:style>
+        </p:sp>
+        <p:sp>
+          <p:nvSpPr>
+            <p:cNvPr id="27" name="Rectangle 28">
+              <a:extLst>
+                <a:ext uri="{FF2B5EF4-FFF2-40B4-BE49-F238E27FC236}">
+                  <a16:creationId xmlns:a16="http://schemas.microsoft.com/office/drawing/2014/main" id="{A6B03A29-0A21-40D4-87E4-3C41D6F54C57}"/>
+                </a:ext>
+                <a:ext uri="{C183D7F6-B498-43B3-948B-1728B52AA6E4}">
+                  <adec:decorative xmlns:adec="http://schemas.microsoft.com/office/drawing/2017/decorative" val="1"/>
+                </a:ext>
+              </a:extLst>
+            </p:cNvPr>
+            <p:cNvSpPr/>
+            <p:nvPr>
+              <p:extLst>
+                <p:ext uri="{386F3935-93C4-4BCD-93E2-E3B085C9AB24}">
+                  <p16:designElem xmlns:p16="http://schemas.microsoft.com/office/powerpoint/2015/main" val="1"/>
+                </p:ext>
+              </p:extLst>
+            </p:nvPr>
+          </p:nvSpPr>
+          <p:spPr>
+            <a:xfrm>
+              <a:off x="10898730" y="-8467"/>
+              <a:ext cx="1290094" cy="6866467"/>
+            </a:xfrm>
+            <a:custGeom>
+              <a:avLst/>
+              <a:gdLst/>
+              <a:ahLst/>
+              <a:cxnLst/>
+              <a:rect l="l" t="t" r="r" b="b"/>
+              <a:pathLst>
+                <a:path w="1290094" h="6858000">
+                  <a:moveTo>
+                    <a:pt x="1019735" y="0"/>
+                  </a:moveTo>
+                  <a:lnTo>
+                    <a:pt x="1290094" y="0"/>
+                  </a:lnTo>
+                  <a:lnTo>
+                    <a:pt x="1290094" y="6858000"/>
+                  </a:lnTo>
+                  <a:lnTo>
+                    <a:pt x="0" y="6858000"/>
+                  </a:lnTo>
+                  <a:lnTo>
+                    <a:pt x="1019735" y="0"/>
+                  </a:lnTo>
+                  <a:close/>
+                </a:path>
+              </a:pathLst>
+            </a:custGeom>
+            <a:solidFill>
+              <a:schemeClr val="accent1">
+                <a:lumMod val="60000"/>
+                <a:lumOff val="40000"/>
+                <a:alpha val="70000"/>
+              </a:schemeClr>
+            </a:solidFill>
+            <a:ln>
+              <a:noFill/>
+            </a:ln>
+            <a:effectLst/>
+          </p:spPr>
+          <p:style>
+            <a:lnRef idx="1">
+              <a:schemeClr val="accent1"/>
+            </a:lnRef>
+            <a:fillRef idx="3">
+              <a:schemeClr val="accent1"/>
+            </a:fillRef>
+            <a:effectRef idx="2">
+              <a:schemeClr val="accent1"/>
+            </a:effectRef>
+            <a:fontRef idx="minor">
+              <a:schemeClr val="lt1"/>
+            </a:fontRef>
+          </p:style>
+        </p:sp>
+        <p:sp>
+          <p:nvSpPr>
+            <p:cNvPr id="28" name="Rectangle 29">
+              <a:extLst>
+                <a:ext uri="{FF2B5EF4-FFF2-40B4-BE49-F238E27FC236}">
+                  <a16:creationId xmlns:a16="http://schemas.microsoft.com/office/drawing/2014/main" id="{6C871F60-4E5A-449A-B6D8-1F58C12EE3C5}"/>
+                </a:ext>
+                <a:ext uri="{C183D7F6-B498-43B3-948B-1728B52AA6E4}">
+                  <adec:decorative xmlns:adec="http://schemas.microsoft.com/office/drawing/2017/decorative" val="1"/>
+                </a:ext>
+              </a:extLst>
+            </p:cNvPr>
+            <p:cNvSpPr/>
+            <p:nvPr>
+              <p:extLst>
+                <p:ext uri="{386F3935-93C4-4BCD-93E2-E3B085C9AB24}">
+                  <p16:designElem xmlns:p16="http://schemas.microsoft.com/office/powerpoint/2015/main" val="1"/>
+                </p:ext>
+              </p:extLst>
+            </p:nvPr>
+          </p:nvSpPr>
+          <p:spPr>
+            <a:xfrm>
+              <a:off x="10938999" y="-8467"/>
+              <a:ext cx="1249825" cy="6866467"/>
+            </a:xfrm>
+            <a:custGeom>
+              <a:avLst/>
+              <a:gdLst/>
+              <a:ahLst/>
+              <a:cxnLst/>
+              <a:rect l="l" t="t" r="r" b="b"/>
+              <a:pathLst>
+                <a:path w="1249825" h="6858000">
+                  <a:moveTo>
+                    <a:pt x="0" y="0"/>
+                  </a:moveTo>
+                  <a:lnTo>
+                    <a:pt x="1249825" y="0"/>
+                  </a:lnTo>
+                  <a:lnTo>
+                    <a:pt x="1249825" y="6858000"/>
+                  </a:lnTo>
+                  <a:lnTo>
+                    <a:pt x="1109382" y="6858000"/>
+                  </a:lnTo>
+                  <a:lnTo>
+                    <a:pt x="0" y="0"/>
+                  </a:lnTo>
+                  <a:close/>
+                </a:path>
+              </a:pathLst>
+            </a:custGeom>
+            <a:solidFill>
+              <a:schemeClr val="accent1">
+                <a:alpha val="65000"/>
+              </a:schemeClr>
+            </a:solidFill>
+            <a:ln>
+              <a:noFill/>
+            </a:ln>
+            <a:effectLst/>
+          </p:spPr>
+          <p:style>
+            <a:lnRef idx="1">
+              <a:schemeClr val="accent1"/>
+            </a:lnRef>
+            <a:fillRef idx="3">
+              <a:schemeClr val="accent1"/>
+            </a:fillRef>
+            <a:effectRef idx="2">
+              <a:schemeClr val="accent1"/>
+            </a:effectRef>
+            <a:fontRef idx="minor">
+              <a:schemeClr val="lt1"/>
+            </a:fontRef>
+          </p:style>
+        </p:sp>
+        <p:sp>
+          <p:nvSpPr>
+            <p:cNvPr id="29" name="Isosceles Triangle 28">
+              <a:extLst>
+                <a:ext uri="{FF2B5EF4-FFF2-40B4-BE49-F238E27FC236}">
+                  <a16:creationId xmlns:a16="http://schemas.microsoft.com/office/drawing/2014/main" id="{3182795B-2BFA-4D7B-BE85-701A73E25350}"/>
+                </a:ext>
+                <a:ext uri="{C183D7F6-B498-43B3-948B-1728B52AA6E4}">
+                  <adec:decorative xmlns:adec="http://schemas.microsoft.com/office/drawing/2017/decorative" val="1"/>
+                </a:ext>
+              </a:extLst>
+            </p:cNvPr>
+            <p:cNvSpPr/>
+            <p:nvPr>
+              <p:extLst>
+                <p:ext uri="{386F3935-93C4-4BCD-93E2-E3B085C9AB24}">
+                  <p16:designElem xmlns:p16="http://schemas.microsoft.com/office/powerpoint/2015/main" val="1"/>
+                </p:ext>
+              </p:extLst>
+            </p:nvPr>
+          </p:nvSpPr>
+          <p:spPr>
+            <a:xfrm>
+              <a:off x="10371666" y="3589867"/>
+              <a:ext cx="1817159" cy="3268133"/>
+            </a:xfrm>
+            <a:prstGeom prst="triangle">
+              <a:avLst>
+                <a:gd name="adj" fmla="val 100000"/>
+              </a:avLst>
+            </a:prstGeom>
+            <a:solidFill>
+              <a:schemeClr val="accent1">
+                <a:alpha val="80000"/>
+              </a:schemeClr>
+            </a:solidFill>
+            <a:ln>
+              <a:noFill/>
+            </a:ln>
+            <a:effectLst/>
+          </p:spPr>
+          <p:style>
+            <a:lnRef idx="1">
+              <a:schemeClr val="accent1"/>
+            </a:lnRef>
+            <a:fillRef idx="3">
+              <a:schemeClr val="accent1"/>
+            </a:fillRef>
+            <a:effectRef idx="2">
+              <a:schemeClr val="accent1"/>
+            </a:effectRef>
+            <a:fontRef idx="minor">
+              <a:schemeClr val="lt1"/>
+            </a:fontRef>
+          </p:style>
+        </p:sp>
+        <p:sp>
+          <p:nvSpPr>
+            <p:cNvPr id="30" name="Isosceles Triangle 29">
+              <a:extLst>
+                <a:ext uri="{FF2B5EF4-FFF2-40B4-BE49-F238E27FC236}">
+                  <a16:creationId xmlns:a16="http://schemas.microsoft.com/office/drawing/2014/main" id="{810B9E5C-2AE2-4B4E-916F-F954F2AA8A93}"/>
+                </a:ext>
+                <a:ext uri="{C183D7F6-B498-43B3-948B-1728B52AA6E4}">
+                  <adec:decorative xmlns:adec="http://schemas.microsoft.com/office/drawing/2017/decorative" val="1"/>
+                </a:ext>
+              </a:extLst>
+            </p:cNvPr>
+            <p:cNvSpPr/>
+            <p:nvPr>
+              <p:extLst>
+                <p:ext uri="{386F3935-93C4-4BCD-93E2-E3B085C9AB24}">
+                  <p16:designElem xmlns:p16="http://schemas.microsoft.com/office/powerpoint/2015/main" val="1"/>
+                </p:ext>
+              </p:extLst>
+            </p:nvPr>
+          </p:nvSpPr>
+          <p:spPr>
+            <a:xfrm>
+              <a:off x="0" y="4013200"/>
+              <a:ext cx="448733" cy="2844800"/>
+            </a:xfrm>
+            <a:prstGeom prst="triangle">
+              <a:avLst>
+                <a:gd name="adj" fmla="val 0"/>
+              </a:avLst>
+            </a:prstGeom>
+            <a:solidFill>
+              <a:schemeClr val="accent1">
+                <a:alpha val="85000"/>
+              </a:schemeClr>
+            </a:solidFill>
+            <a:ln>
+              <a:noFill/>
+            </a:ln>
+            <a:effectLst/>
+          </p:spPr>
+          <p:style>
+            <a:lnRef idx="1">
+              <a:schemeClr val="accent1"/>
+            </a:lnRef>
+            <a:fillRef idx="3">
+              <a:schemeClr val="accent1"/>
+            </a:fillRef>
+            <a:effectRef idx="2">
+              <a:schemeClr val="accent1"/>
+            </a:effectRef>
+            <a:fontRef idx="minor">
+              <a:schemeClr val="lt1"/>
+            </a:fontRef>
+          </p:style>
+        </p:sp>
+      </p:grpSp>
+      <p:sp>
+        <p:nvSpPr>
+          <p:cNvPr id="4" name="Título 3">
+            <a:extLst>
+              <a:ext uri="{FF2B5EF4-FFF2-40B4-BE49-F238E27FC236}">
+                <a16:creationId xmlns:a16="http://schemas.microsoft.com/office/drawing/2014/main" id="{96750F73-5A0D-4FA6-BFB2-4AB94E9F2183}"/>
+              </a:ext>
+            </a:extLst>
+          </p:cNvPr>
+          <p:cNvSpPr>
+            <a:spLocks noGrp="1"/>
+          </p:cNvSpPr>
+          <p:nvPr>
+            <p:ph type="title"/>
+          </p:nvPr>
+        </p:nvSpPr>
+        <p:spPr>
+          <a:xfrm>
+            <a:off x="675065" y="609599"/>
+            <a:ext cx="2930518" cy="5431761"/>
+          </a:xfrm>
+        </p:spPr>
+        <p:txBody>
+          <a:bodyPr vert="horz" lIns="91440" tIns="45720" rIns="91440" bIns="45720" rtlCol="0" anchor="ctr">
+            <a:normAutofit/>
+          </a:bodyPr>
+          <a:lstStyle/>
+          <a:p>
+            <a:pPr>
+              <a:lnSpc>
+                <a:spcPct val="90000"/>
+              </a:lnSpc>
+            </a:pPr>
+            <a:r>
+              <a:rPr lang="en-US" dirty="0"/>
+              <a:t>Visualize the map created</a:t>
+            </a:r>
+          </a:p>
+        </p:txBody>
+      </p:sp>
+      <p:pic>
+        <p:nvPicPr>
+          <p:cNvPr id="15" name="Marcador de contenido 9">
+            <a:extLst>
+              <a:ext uri="{FF2B5EF4-FFF2-40B4-BE49-F238E27FC236}">
+                <a16:creationId xmlns:a16="http://schemas.microsoft.com/office/drawing/2014/main" id="{89B5D3BC-9725-48CB-BDDE-82FE16CFCAF8}"/>
+              </a:ext>
+            </a:extLst>
+          </p:cNvPr>
+          <p:cNvPicPr>
+            <a:picLocks noChangeAspect="1"/>
+          </p:cNvPicPr>
+          <p:nvPr/>
+        </p:nvPicPr>
+        <p:blipFill>
+          <a:blip r:embed="rId2"/>
+          <a:stretch>
+            <a:fillRect/>
+          </a:stretch>
+        </p:blipFill>
+        <p:spPr>
+          <a:xfrm>
+            <a:off x="4830420" y="609600"/>
+            <a:ext cx="3468996" cy="2601747"/>
+          </a:xfrm>
+          <a:prstGeom prst="rect">
+            <a:avLst/>
+          </a:prstGeom>
+        </p:spPr>
+      </p:pic>
+      <p:pic>
+        <p:nvPicPr>
+          <p:cNvPr id="12" name="Marcador de contenido 11">
+            <a:extLst>
+              <a:ext uri="{FF2B5EF4-FFF2-40B4-BE49-F238E27FC236}">
+                <a16:creationId xmlns:a16="http://schemas.microsoft.com/office/drawing/2014/main" id="{4FC70C5F-1F6C-450D-AD05-79015BEAAAC5}"/>
+              </a:ext>
+            </a:extLst>
+          </p:cNvPr>
+          <p:cNvPicPr>
+            <a:picLocks noGrp="1" noChangeAspect="1"/>
+          </p:cNvPicPr>
+          <p:nvPr>
+            <p:ph sz="quarter" idx="4"/>
+          </p:nvPr>
+        </p:nvPicPr>
+        <p:blipFill>
+          <a:blip r:embed="rId3"/>
+          <a:stretch>
+            <a:fillRect/>
+          </a:stretch>
+        </p:blipFill>
+        <p:spPr>
+          <a:xfrm>
+            <a:off x="4830025" y="3439020"/>
+            <a:ext cx="3469788" cy="2602341"/>
+          </a:xfrm>
+          <a:prstGeom prst="rect">
+            <a:avLst/>
+          </a:prstGeom>
+        </p:spPr>
+      </p:pic>
+    </p:spTree>
+    <p:extLst>
+      <p:ext uri="{BB962C8B-B14F-4D97-AF65-F5344CB8AC3E}">
+        <p14:creationId xmlns:p14="http://schemas.microsoft.com/office/powerpoint/2010/main" val="1347082321"/>
+      </p:ext>
+    </p:extLst>
+  </p:cSld>
+  <p:clrMapOvr>
+    <a:masterClrMapping/>
+  </p:clrMapOvr>
+</p:sld>
+</file>
+
+<file path=ppt/slides/slide7.xml><?xml version="1.0" encoding="utf-8"?>
+<p:sld xmlns:a="http://schemas.openxmlformats.org/drawingml/2006/main" xmlns:r="http://schemas.openxmlformats.org/officeDocument/2006/relationships" xmlns:p="http://schemas.openxmlformats.org/presentationml/2006/main">
+  <p:cSld>
+    <p:bg>
+      <p:bgPr>
+        <a:solidFill>
+          <a:schemeClr val="bg1"/>
+        </a:solidFill>
+        <a:effectLst/>
+      </p:bgPr>
+    </p:bg>
+    <p:spTree>
+      <p:nvGrpSpPr>
+        <p:cNvPr id="1" name=""/>
+        <p:cNvGrpSpPr/>
+        <p:nvPr/>
+      </p:nvGrpSpPr>
+      <p:grpSpPr>
+        <a:xfrm>
+          <a:off x="0" y="0"/>
+          <a:ext cx="0" cy="0"/>
+          <a:chOff x="0" y="0"/>
+          <a:chExt cx="0" cy="0"/>
+        </a:xfrm>
+      </p:grpSpPr>
+      <p:grpSp>
+        <p:nvGrpSpPr>
+          <p:cNvPr id="20" name="Group 19">
+            <a:extLst>
+              <a:ext uri="{FF2B5EF4-FFF2-40B4-BE49-F238E27FC236}">
+                <a16:creationId xmlns:a16="http://schemas.microsoft.com/office/drawing/2014/main" id="{0884F175-9D23-496E-80AC-F3D2FD541092}"/>
+              </a:ext>
+              <a:ext uri="{C183D7F6-B498-43B3-948B-1728B52AA6E4}">
+                <adec:decorative xmlns:adec="http://schemas.microsoft.com/office/drawing/2017/decorative" val="1"/>
+              </a:ext>
+            </a:extLst>
+          </p:cNvPr>
+          <p:cNvGrpSpPr>
+            <a:grpSpLocks noGrp="1" noUngrp="1" noRot="1" noChangeAspect="1" noMove="1" noResize="1"/>
+          </p:cNvGrpSpPr>
+          <p:nvPr>
+            <p:extLst>
+              <p:ext uri="{386F3935-93C4-4BCD-93E2-E3B085C9AB24}">
+                <p16:designElem xmlns:p16="http://schemas.microsoft.com/office/powerpoint/2015/main" val="1"/>
+              </p:ext>
+            </p:extLst>
+          </p:nvPr>
+        </p:nvGrpSpPr>
+        <p:grpSpPr>
+          <a:xfrm>
+            <a:off x="0" y="-8467"/>
+            <a:ext cx="12192000" cy="6866467"/>
+            <a:chOff x="0" y="-8467"/>
+            <a:chExt cx="12192000" cy="6866467"/>
+          </a:xfrm>
+        </p:grpSpPr>
+        <p:cxnSp>
+          <p:nvCxnSpPr>
+            <p:cNvPr id="21" name="Straight Connector 20">
+              <a:extLst>
+                <a:ext uri="{FF2B5EF4-FFF2-40B4-BE49-F238E27FC236}">
+                  <a16:creationId xmlns:a16="http://schemas.microsoft.com/office/drawing/2014/main" id="{22D4B7B8-5AFE-4B32-A805-72EC571E6F07}"/>
+                </a:ext>
+                <a:ext uri="{C183D7F6-B498-43B3-948B-1728B52AA6E4}">
+                  <adec:decorative xmlns:adec="http://schemas.microsoft.com/office/drawing/2017/decorative" val="1"/>
+                </a:ext>
+              </a:extLst>
+            </p:cNvPr>
+            <p:cNvCxnSpPr/>
+            <p:nvPr>
+              <p:extLst>
+                <p:ext uri="{386F3935-93C4-4BCD-93E2-E3B085C9AB24}">
+                  <p16:designElem xmlns:p16="http://schemas.microsoft.com/office/powerpoint/2015/main" val="1"/>
+                </p:ext>
+              </p:extLst>
+            </p:nvPr>
+          </p:nvCxnSpPr>
+          <p:spPr>
+            <a:xfrm>
+              <a:off x="9371012" y="0"/>
+              <a:ext cx="1219200" cy="6858000"/>
+            </a:xfrm>
+            <a:prstGeom prst="line">
+              <a:avLst/>
+            </a:prstGeom>
+            <a:ln w="9525">
+              <a:solidFill>
+                <a:schemeClr val="bg1">
+                  <a:lumMod val="75000"/>
+                </a:schemeClr>
+              </a:solidFill>
+            </a:ln>
+          </p:spPr>
+          <p:style>
+            <a:lnRef idx="2">
+              <a:schemeClr val="accent1"/>
+            </a:lnRef>
+            <a:fillRef idx="0">
+              <a:schemeClr val="accent1"/>
+            </a:fillRef>
+            <a:effectRef idx="1">
+              <a:schemeClr val="accent1"/>
+            </a:effectRef>
+            <a:fontRef idx="minor">
+              <a:schemeClr val="tx1"/>
+            </a:fontRef>
+          </p:style>
+        </p:cxnSp>
+        <p:cxnSp>
+          <p:nvCxnSpPr>
+            <p:cNvPr id="22" name="Straight Connector 21">
+              <a:extLst>
+                <a:ext uri="{FF2B5EF4-FFF2-40B4-BE49-F238E27FC236}">
+                  <a16:creationId xmlns:a16="http://schemas.microsoft.com/office/drawing/2014/main" id="{757D13B2-7A74-4788-8689-5EDB2DA868FF}"/>
+                </a:ext>
+                <a:ext uri="{C183D7F6-B498-43B3-948B-1728B52AA6E4}">
+                  <adec:decorative xmlns:adec="http://schemas.microsoft.com/office/drawing/2017/decorative" val="1"/>
+                </a:ext>
+              </a:extLst>
+            </p:cNvPr>
+            <p:cNvCxnSpPr/>
+            <p:nvPr>
+              <p:extLst>
+                <p:ext uri="{386F3935-93C4-4BCD-93E2-E3B085C9AB24}">
+                  <p16:designElem xmlns:p16="http://schemas.microsoft.com/office/powerpoint/2015/main" val="1"/>
+                </p:ext>
+              </p:extLst>
+            </p:nvPr>
+          </p:nvCxnSpPr>
+          <p:spPr>
+            <a:xfrm flipH="1">
+              <a:off x="7425267" y="3681413"/>
+              <a:ext cx="4763558" cy="3176587"/>
+            </a:xfrm>
+            <a:prstGeom prst="line">
+              <a:avLst/>
+            </a:prstGeom>
+            <a:ln w="9525">
+              <a:solidFill>
+                <a:schemeClr val="bg1">
+                  <a:lumMod val="85000"/>
+                </a:schemeClr>
+              </a:solidFill>
+            </a:ln>
+          </p:spPr>
+          <p:style>
+            <a:lnRef idx="2">
+              <a:schemeClr val="accent1"/>
+            </a:lnRef>
+            <a:fillRef idx="0">
+              <a:schemeClr val="accent1"/>
+            </a:fillRef>
+            <a:effectRef idx="1">
+              <a:schemeClr val="accent1"/>
+            </a:effectRef>
+            <a:fontRef idx="minor">
+              <a:schemeClr val="tx1"/>
+            </a:fontRef>
+          </p:style>
+        </p:cxnSp>
+        <p:sp>
+          <p:nvSpPr>
+            <p:cNvPr id="23" name="Rectangle 23">
+              <a:extLst>
+                <a:ext uri="{FF2B5EF4-FFF2-40B4-BE49-F238E27FC236}">
+                  <a16:creationId xmlns:a16="http://schemas.microsoft.com/office/drawing/2014/main" id="{66964837-B2CC-483D-BEDA-4BB1901BCC72}"/>
+                </a:ext>
+                <a:ext uri="{C183D7F6-B498-43B3-948B-1728B52AA6E4}">
+                  <adec:decorative xmlns:adec="http://schemas.microsoft.com/office/drawing/2017/decorative" val="1"/>
+                </a:ext>
+              </a:extLst>
+            </p:cNvPr>
+            <p:cNvSpPr/>
+            <p:nvPr>
+              <p:extLst>
+                <p:ext uri="{386F3935-93C4-4BCD-93E2-E3B085C9AB24}">
+                  <p16:designElem xmlns:p16="http://schemas.microsoft.com/office/powerpoint/2015/main" val="1"/>
+                </p:ext>
+              </p:extLst>
+            </p:nvPr>
+          </p:nvSpPr>
+          <p:spPr>
+            <a:xfrm>
+              <a:off x="9181476" y="-8467"/>
+              <a:ext cx="3007349" cy="6866467"/>
+            </a:xfrm>
+            <a:custGeom>
+              <a:avLst/>
+              <a:gdLst/>
+              <a:ahLst/>
+              <a:cxnLst/>
+              <a:rect l="l" t="t" r="r" b="b"/>
+              <a:pathLst>
+                <a:path w="3007349" h="6866467">
+                  <a:moveTo>
+                    <a:pt x="2045532" y="0"/>
+                  </a:moveTo>
+                  <a:lnTo>
+                    <a:pt x="3007349" y="0"/>
+                  </a:lnTo>
+                  <a:lnTo>
+                    <a:pt x="3007349" y="6866467"/>
+                  </a:lnTo>
+                  <a:lnTo>
+                    <a:pt x="0" y="6866467"/>
+                  </a:lnTo>
+                  <a:lnTo>
+                    <a:pt x="2045532" y="0"/>
+                  </a:lnTo>
+                  <a:close/>
+                </a:path>
+              </a:pathLst>
+            </a:custGeom>
+            <a:solidFill>
+              <a:schemeClr val="accent1">
+                <a:alpha val="30000"/>
+              </a:schemeClr>
+            </a:solidFill>
+            <a:ln>
+              <a:noFill/>
+            </a:ln>
+            <a:effectLst/>
+          </p:spPr>
+          <p:style>
+            <a:lnRef idx="1">
+              <a:schemeClr val="accent1"/>
+            </a:lnRef>
+            <a:fillRef idx="3">
+              <a:schemeClr val="accent1"/>
+            </a:fillRef>
+            <a:effectRef idx="2">
+              <a:schemeClr val="accent1"/>
+            </a:effectRef>
+            <a:fontRef idx="minor">
+              <a:schemeClr val="lt1"/>
+            </a:fontRef>
+          </p:style>
+        </p:sp>
+        <p:sp>
+          <p:nvSpPr>
+            <p:cNvPr id="24" name="Rectangle 25">
+              <a:extLst>
+                <a:ext uri="{FF2B5EF4-FFF2-40B4-BE49-F238E27FC236}">
+                  <a16:creationId xmlns:a16="http://schemas.microsoft.com/office/drawing/2014/main" id="{77D4E216-8B6C-4A3B-AF75-3016320F62A8}"/>
+                </a:ext>
+                <a:ext uri="{C183D7F6-B498-43B3-948B-1728B52AA6E4}">
+                  <adec:decorative xmlns:adec="http://schemas.microsoft.com/office/drawing/2017/decorative" val="1"/>
+                </a:ext>
+              </a:extLst>
+            </p:cNvPr>
+            <p:cNvSpPr/>
+            <p:nvPr>
+              <p:extLst>
+                <p:ext uri="{386F3935-93C4-4BCD-93E2-E3B085C9AB24}">
+                  <p16:designElem xmlns:p16="http://schemas.microsoft.com/office/powerpoint/2015/main" val="1"/>
+                </p:ext>
+              </p:extLst>
+            </p:nvPr>
+          </p:nvSpPr>
+          <p:spPr>
+            <a:xfrm>
+              <a:off x="9603442" y="-8467"/>
+              <a:ext cx="2588558" cy="6866467"/>
+            </a:xfrm>
+            <a:custGeom>
+              <a:avLst/>
+              <a:gdLst/>
+              <a:ahLst/>
+              <a:cxnLst/>
+              <a:rect l="l" t="t" r="r" b="b"/>
+              <a:pathLst>
+                <a:path w="2573311" h="6866467">
+                  <a:moveTo>
+                    <a:pt x="0" y="0"/>
+                  </a:moveTo>
+                  <a:lnTo>
+                    <a:pt x="2573311" y="0"/>
+                  </a:lnTo>
+                  <a:lnTo>
+                    <a:pt x="2573311" y="6866467"/>
+                  </a:lnTo>
+                  <a:lnTo>
+                    <a:pt x="1202336" y="6866467"/>
+                  </a:lnTo>
+                  <a:lnTo>
+                    <a:pt x="0" y="0"/>
+                  </a:lnTo>
+                  <a:close/>
+                </a:path>
+              </a:pathLst>
+            </a:custGeom>
+            <a:solidFill>
+              <a:schemeClr val="accent1">
+                <a:alpha val="20000"/>
+              </a:schemeClr>
+            </a:solidFill>
+            <a:ln>
+              <a:noFill/>
+            </a:ln>
+            <a:effectLst/>
+          </p:spPr>
+          <p:style>
+            <a:lnRef idx="1">
+              <a:schemeClr val="accent1"/>
+            </a:lnRef>
+            <a:fillRef idx="3">
+              <a:schemeClr val="accent1"/>
+            </a:fillRef>
+            <a:effectRef idx="2">
+              <a:schemeClr val="accent1"/>
+            </a:effectRef>
+            <a:fontRef idx="minor">
+              <a:schemeClr val="lt1"/>
+            </a:fontRef>
+          </p:style>
+        </p:sp>
+        <p:sp>
+          <p:nvSpPr>
+            <p:cNvPr id="25" name="Isosceles Triangle 24">
+              <a:extLst>
+                <a:ext uri="{FF2B5EF4-FFF2-40B4-BE49-F238E27FC236}">
+                  <a16:creationId xmlns:a16="http://schemas.microsoft.com/office/drawing/2014/main" id="{CDD4EA12-82D2-47D7-8742-8F4746AA6FA2}"/>
+                </a:ext>
+                <a:ext uri="{C183D7F6-B498-43B3-948B-1728B52AA6E4}">
+                  <adec:decorative xmlns:adec="http://schemas.microsoft.com/office/drawing/2017/decorative" val="1"/>
+                </a:ext>
+              </a:extLst>
+            </p:cNvPr>
+            <p:cNvSpPr/>
+            <p:nvPr>
+              <p:extLst>
+                <p:ext uri="{386F3935-93C4-4BCD-93E2-E3B085C9AB24}">
+                  <p16:designElem xmlns:p16="http://schemas.microsoft.com/office/powerpoint/2015/main" val="1"/>
+                </p:ext>
+              </p:extLst>
+            </p:nvPr>
+          </p:nvSpPr>
+          <p:spPr>
+            <a:xfrm>
+              <a:off x="8932333" y="3048000"/>
+              <a:ext cx="3259667" cy="3810000"/>
+            </a:xfrm>
+            <a:prstGeom prst="triangle">
+              <a:avLst>
+                <a:gd name="adj" fmla="val 100000"/>
+              </a:avLst>
+            </a:prstGeom>
+            <a:solidFill>
+              <a:schemeClr val="accent2">
+                <a:alpha val="72000"/>
+              </a:schemeClr>
+            </a:solidFill>
+            <a:ln>
+              <a:noFill/>
+            </a:ln>
+            <a:effectLst/>
+          </p:spPr>
+          <p:style>
+            <a:lnRef idx="1">
+              <a:schemeClr val="accent1"/>
+            </a:lnRef>
+            <a:fillRef idx="3">
+              <a:schemeClr val="accent1"/>
+            </a:fillRef>
+            <a:effectRef idx="2">
+              <a:schemeClr val="accent1"/>
+            </a:effectRef>
+            <a:fontRef idx="minor">
+              <a:schemeClr val="lt1"/>
+            </a:fontRef>
+          </p:style>
+        </p:sp>
+        <p:sp>
+          <p:nvSpPr>
+            <p:cNvPr id="26" name="Rectangle 27">
+              <a:extLst>
+                <a:ext uri="{FF2B5EF4-FFF2-40B4-BE49-F238E27FC236}">
+                  <a16:creationId xmlns:a16="http://schemas.microsoft.com/office/drawing/2014/main" id="{115B7F7E-4C23-429B-A947-A5B436DB2D3B}"/>
+                </a:ext>
+                <a:ext uri="{C183D7F6-B498-43B3-948B-1728B52AA6E4}">
+                  <adec:decorative xmlns:adec="http://schemas.microsoft.com/office/drawing/2017/decorative" val="1"/>
+                </a:ext>
+              </a:extLst>
+            </p:cNvPr>
+            <p:cNvSpPr/>
+            <p:nvPr>
+              <p:extLst>
+                <p:ext uri="{386F3935-93C4-4BCD-93E2-E3B085C9AB24}">
+                  <p16:designElem xmlns:p16="http://schemas.microsoft.com/office/powerpoint/2015/main" val="1"/>
+                </p:ext>
+              </p:extLst>
+            </p:nvPr>
+          </p:nvSpPr>
+          <p:spPr>
+            <a:xfrm>
+              <a:off x="9334500" y="-8467"/>
+              <a:ext cx="2854326" cy="6866467"/>
+            </a:xfrm>
+            <a:custGeom>
+              <a:avLst/>
+              <a:gdLst/>
+              <a:ahLst/>
+              <a:cxnLst/>
+              <a:rect l="l" t="t" r="r" b="b"/>
+              <a:pathLst>
+                <a:path w="2858013" h="6866467">
+                  <a:moveTo>
+                    <a:pt x="0" y="0"/>
+                  </a:moveTo>
+                  <a:lnTo>
+                    <a:pt x="2858013" y="0"/>
+                  </a:lnTo>
+                  <a:lnTo>
+                    <a:pt x="2858013" y="6866467"/>
+                  </a:lnTo>
+                  <a:lnTo>
+                    <a:pt x="2473942" y="6866467"/>
+                  </a:lnTo>
+                  <a:lnTo>
+                    <a:pt x="0" y="0"/>
+                  </a:lnTo>
+                  <a:close/>
+                </a:path>
+              </a:pathLst>
+            </a:custGeom>
+            <a:solidFill>
+              <a:schemeClr val="accent2">
+                <a:lumMod val="75000"/>
+                <a:alpha val="70000"/>
+              </a:schemeClr>
+            </a:solidFill>
+            <a:ln>
+              <a:noFill/>
+            </a:ln>
+            <a:effectLst/>
+          </p:spPr>
+          <p:style>
+            <a:lnRef idx="1">
+              <a:schemeClr val="accent1"/>
+            </a:lnRef>
+            <a:fillRef idx="3">
+              <a:schemeClr val="accent1"/>
+            </a:fillRef>
+            <a:effectRef idx="2">
+              <a:schemeClr val="accent1"/>
+            </a:effectRef>
+            <a:fontRef idx="minor">
+              <a:schemeClr val="lt1"/>
+            </a:fontRef>
+          </p:style>
+        </p:sp>
+        <p:sp>
+          <p:nvSpPr>
+            <p:cNvPr id="27" name="Rectangle 28">
+              <a:extLst>
+                <a:ext uri="{FF2B5EF4-FFF2-40B4-BE49-F238E27FC236}">
+                  <a16:creationId xmlns:a16="http://schemas.microsoft.com/office/drawing/2014/main" id="{A6B03A29-0A21-40D4-87E4-3C41D6F54C57}"/>
+                </a:ext>
+                <a:ext uri="{C183D7F6-B498-43B3-948B-1728B52AA6E4}">
+                  <adec:decorative xmlns:adec="http://schemas.microsoft.com/office/drawing/2017/decorative" val="1"/>
+                </a:ext>
+              </a:extLst>
+            </p:cNvPr>
+            <p:cNvSpPr/>
+            <p:nvPr>
+              <p:extLst>
+                <p:ext uri="{386F3935-93C4-4BCD-93E2-E3B085C9AB24}">
+                  <p16:designElem xmlns:p16="http://schemas.microsoft.com/office/powerpoint/2015/main" val="1"/>
+                </p:ext>
+              </p:extLst>
+            </p:nvPr>
+          </p:nvSpPr>
+          <p:spPr>
+            <a:xfrm>
+              <a:off x="10898730" y="-8467"/>
+              <a:ext cx="1290094" cy="6866467"/>
+            </a:xfrm>
+            <a:custGeom>
+              <a:avLst/>
+              <a:gdLst/>
+              <a:ahLst/>
+              <a:cxnLst/>
+              <a:rect l="l" t="t" r="r" b="b"/>
+              <a:pathLst>
+                <a:path w="1290094" h="6858000">
+                  <a:moveTo>
+                    <a:pt x="1019735" y="0"/>
+                  </a:moveTo>
+                  <a:lnTo>
+                    <a:pt x="1290094" y="0"/>
+                  </a:lnTo>
+                  <a:lnTo>
+                    <a:pt x="1290094" y="6858000"/>
+                  </a:lnTo>
+                  <a:lnTo>
+                    <a:pt x="0" y="6858000"/>
+                  </a:lnTo>
+                  <a:lnTo>
+                    <a:pt x="1019735" y="0"/>
+                  </a:lnTo>
+                  <a:close/>
+                </a:path>
+              </a:pathLst>
+            </a:custGeom>
+            <a:solidFill>
+              <a:schemeClr val="accent1">
+                <a:lumMod val="60000"/>
+                <a:lumOff val="40000"/>
+                <a:alpha val="70000"/>
+              </a:schemeClr>
+            </a:solidFill>
+            <a:ln>
+              <a:noFill/>
+            </a:ln>
+            <a:effectLst/>
+          </p:spPr>
+          <p:style>
+            <a:lnRef idx="1">
+              <a:schemeClr val="accent1"/>
+            </a:lnRef>
+            <a:fillRef idx="3">
+              <a:schemeClr val="accent1"/>
+            </a:fillRef>
+            <a:effectRef idx="2">
+              <a:schemeClr val="accent1"/>
+            </a:effectRef>
+            <a:fontRef idx="minor">
+              <a:schemeClr val="lt1"/>
+            </a:fontRef>
+          </p:style>
+        </p:sp>
+        <p:sp>
+          <p:nvSpPr>
+            <p:cNvPr id="28" name="Rectangle 29">
+              <a:extLst>
+                <a:ext uri="{FF2B5EF4-FFF2-40B4-BE49-F238E27FC236}">
+                  <a16:creationId xmlns:a16="http://schemas.microsoft.com/office/drawing/2014/main" id="{6C871F60-4E5A-449A-B6D8-1F58C12EE3C5}"/>
+                </a:ext>
+                <a:ext uri="{C183D7F6-B498-43B3-948B-1728B52AA6E4}">
+                  <adec:decorative xmlns:adec="http://schemas.microsoft.com/office/drawing/2017/decorative" val="1"/>
+                </a:ext>
+              </a:extLst>
+            </p:cNvPr>
+            <p:cNvSpPr/>
+            <p:nvPr>
+              <p:extLst>
+                <p:ext uri="{386F3935-93C4-4BCD-93E2-E3B085C9AB24}">
+                  <p16:designElem xmlns:p16="http://schemas.microsoft.com/office/powerpoint/2015/main" val="1"/>
+                </p:ext>
+              </p:extLst>
+            </p:nvPr>
+          </p:nvSpPr>
+          <p:spPr>
+            <a:xfrm>
+              <a:off x="10938999" y="-8467"/>
+              <a:ext cx="1249825" cy="6866467"/>
+            </a:xfrm>
+            <a:custGeom>
+              <a:avLst/>
+              <a:gdLst/>
+              <a:ahLst/>
+              <a:cxnLst/>
+              <a:rect l="l" t="t" r="r" b="b"/>
+              <a:pathLst>
+                <a:path w="1249825" h="6858000">
+                  <a:moveTo>
+                    <a:pt x="0" y="0"/>
+                  </a:moveTo>
+                  <a:lnTo>
+                    <a:pt x="1249825" y="0"/>
+                  </a:lnTo>
+                  <a:lnTo>
+                    <a:pt x="1249825" y="6858000"/>
+                  </a:lnTo>
+                  <a:lnTo>
+                    <a:pt x="1109382" y="6858000"/>
+                  </a:lnTo>
+                  <a:lnTo>
+                    <a:pt x="0" y="0"/>
+                  </a:lnTo>
+                  <a:close/>
+                </a:path>
+              </a:pathLst>
+            </a:custGeom>
+            <a:solidFill>
+              <a:schemeClr val="accent1">
+                <a:alpha val="65000"/>
+              </a:schemeClr>
+            </a:solidFill>
+            <a:ln>
+              <a:noFill/>
+            </a:ln>
+            <a:effectLst/>
+          </p:spPr>
+          <p:style>
+            <a:lnRef idx="1">
+              <a:schemeClr val="accent1"/>
+            </a:lnRef>
+            <a:fillRef idx="3">
+              <a:schemeClr val="accent1"/>
+            </a:fillRef>
+            <a:effectRef idx="2">
+              <a:schemeClr val="accent1"/>
+            </a:effectRef>
+            <a:fontRef idx="minor">
+              <a:schemeClr val="lt1"/>
+            </a:fontRef>
+          </p:style>
+        </p:sp>
+        <p:sp>
+          <p:nvSpPr>
+            <p:cNvPr id="29" name="Isosceles Triangle 28">
+              <a:extLst>
+                <a:ext uri="{FF2B5EF4-FFF2-40B4-BE49-F238E27FC236}">
+                  <a16:creationId xmlns:a16="http://schemas.microsoft.com/office/drawing/2014/main" id="{3182795B-2BFA-4D7B-BE85-701A73E25350}"/>
+                </a:ext>
+                <a:ext uri="{C183D7F6-B498-43B3-948B-1728B52AA6E4}">
+                  <adec:decorative xmlns:adec="http://schemas.microsoft.com/office/drawing/2017/decorative" val="1"/>
+                </a:ext>
+              </a:extLst>
+            </p:cNvPr>
+            <p:cNvSpPr/>
+            <p:nvPr>
+              <p:extLst>
+                <p:ext uri="{386F3935-93C4-4BCD-93E2-E3B085C9AB24}">
+                  <p16:designElem xmlns:p16="http://schemas.microsoft.com/office/powerpoint/2015/main" val="1"/>
+                </p:ext>
+              </p:extLst>
+            </p:nvPr>
+          </p:nvSpPr>
+          <p:spPr>
+            <a:xfrm>
+              <a:off x="10371666" y="3589867"/>
+              <a:ext cx="1817159" cy="3268133"/>
+            </a:xfrm>
+            <a:prstGeom prst="triangle">
+              <a:avLst>
+                <a:gd name="adj" fmla="val 100000"/>
+              </a:avLst>
+            </a:prstGeom>
+            <a:solidFill>
+              <a:schemeClr val="accent1">
+                <a:alpha val="80000"/>
+              </a:schemeClr>
+            </a:solidFill>
+            <a:ln>
+              <a:noFill/>
+            </a:ln>
+            <a:effectLst/>
+          </p:spPr>
+          <p:style>
+            <a:lnRef idx="1">
+              <a:schemeClr val="accent1"/>
+            </a:lnRef>
+            <a:fillRef idx="3">
+              <a:schemeClr val="accent1"/>
+            </a:fillRef>
+            <a:effectRef idx="2">
+              <a:schemeClr val="accent1"/>
+            </a:effectRef>
+            <a:fontRef idx="minor">
+              <a:schemeClr val="lt1"/>
+            </a:fontRef>
+          </p:style>
+        </p:sp>
+        <p:sp>
+          <p:nvSpPr>
+            <p:cNvPr id="30" name="Isosceles Triangle 29">
+              <a:extLst>
+                <a:ext uri="{FF2B5EF4-FFF2-40B4-BE49-F238E27FC236}">
+                  <a16:creationId xmlns:a16="http://schemas.microsoft.com/office/drawing/2014/main" id="{810B9E5C-2AE2-4B4E-916F-F954F2AA8A93}"/>
+                </a:ext>
+                <a:ext uri="{C183D7F6-B498-43B3-948B-1728B52AA6E4}">
+                  <adec:decorative xmlns:adec="http://schemas.microsoft.com/office/drawing/2017/decorative" val="1"/>
+                </a:ext>
+              </a:extLst>
+            </p:cNvPr>
+            <p:cNvSpPr/>
+            <p:nvPr>
+              <p:extLst>
+                <p:ext uri="{386F3935-93C4-4BCD-93E2-E3B085C9AB24}">
+                  <p16:designElem xmlns:p16="http://schemas.microsoft.com/office/powerpoint/2015/main" val="1"/>
+                </p:ext>
+              </p:extLst>
+            </p:nvPr>
+          </p:nvSpPr>
+          <p:spPr>
+            <a:xfrm>
+              <a:off x="0" y="4013200"/>
+              <a:ext cx="448733" cy="2844800"/>
+            </a:xfrm>
+            <a:prstGeom prst="triangle">
+              <a:avLst>
+                <a:gd name="adj" fmla="val 0"/>
+              </a:avLst>
+            </a:prstGeom>
+            <a:solidFill>
+              <a:schemeClr val="accent1">
+                <a:alpha val="85000"/>
+              </a:schemeClr>
+            </a:solidFill>
+            <a:ln>
+              <a:noFill/>
+            </a:ln>
+            <a:effectLst/>
+          </p:spPr>
+          <p:style>
+            <a:lnRef idx="1">
+              <a:schemeClr val="accent1"/>
+            </a:lnRef>
+            <a:fillRef idx="3">
+              <a:schemeClr val="accent1"/>
+            </a:fillRef>
+            <a:effectRef idx="2">
+              <a:schemeClr val="accent1"/>
+            </a:effectRef>
+            <a:fontRef idx="minor">
+              <a:schemeClr val="lt1"/>
+            </a:fontRef>
+          </p:style>
+        </p:sp>
+      </p:grpSp>
+      <p:sp>
+        <p:nvSpPr>
+          <p:cNvPr id="4" name="Título 3">
+            <a:extLst>
+              <a:ext uri="{FF2B5EF4-FFF2-40B4-BE49-F238E27FC236}">
+                <a16:creationId xmlns:a16="http://schemas.microsoft.com/office/drawing/2014/main" id="{96750F73-5A0D-4FA6-BFB2-4AB94E9F2183}"/>
+              </a:ext>
+            </a:extLst>
+          </p:cNvPr>
+          <p:cNvSpPr>
+            <a:spLocks noGrp="1"/>
+          </p:cNvSpPr>
+          <p:nvPr>
+            <p:ph type="title"/>
+          </p:nvPr>
+        </p:nvSpPr>
+        <p:spPr>
+          <a:xfrm>
+            <a:off x="675065" y="609599"/>
+            <a:ext cx="2930518" cy="5431761"/>
+          </a:xfrm>
+        </p:spPr>
+        <p:txBody>
+          <a:bodyPr vert="horz" lIns="91440" tIns="45720" rIns="91440" bIns="45720" rtlCol="0" anchor="ctr">
+            <a:normAutofit/>
+          </a:bodyPr>
+          <a:lstStyle/>
+          <a:p>
+            <a:pPr>
+              <a:lnSpc>
+                <a:spcPct val="90000"/>
+              </a:lnSpc>
+            </a:pPr>
+            <a:r>
+              <a:rPr lang="en-US"/>
+              <a:t>Choose the AR model</a:t>
+            </a:r>
+            <a:endParaRPr lang="en-US" dirty="0"/>
+          </a:p>
+        </p:txBody>
+      </p:sp>
+      <p:pic>
+        <p:nvPicPr>
+          <p:cNvPr id="15" name="Marcador de contenido 9">
+            <a:extLst>
+              <a:ext uri="{FF2B5EF4-FFF2-40B4-BE49-F238E27FC236}">
+                <a16:creationId xmlns:a16="http://schemas.microsoft.com/office/drawing/2014/main" id="{89B5D3BC-9725-48CB-BDDE-82FE16CFCAF8}"/>
+              </a:ext>
+            </a:extLst>
+          </p:cNvPr>
+          <p:cNvPicPr>
+            <a:picLocks noChangeAspect="1"/>
+          </p:cNvPicPr>
+          <p:nvPr/>
+        </p:nvPicPr>
+        <p:blipFill>
+          <a:blip r:embed="rId2"/>
+          <a:stretch>
+            <a:fillRect/>
+          </a:stretch>
+        </p:blipFill>
+        <p:spPr>
+          <a:xfrm>
+            <a:off x="4830420" y="609600"/>
+            <a:ext cx="3468996" cy="2601747"/>
+          </a:xfrm>
+          <a:prstGeom prst="rect">
+            <a:avLst/>
+          </a:prstGeom>
+        </p:spPr>
+      </p:pic>
+      <p:pic>
+        <p:nvPicPr>
+          <p:cNvPr id="12" name="Marcador de contenido 11">
+            <a:extLst>
+              <a:ext uri="{FF2B5EF4-FFF2-40B4-BE49-F238E27FC236}">
+                <a16:creationId xmlns:a16="http://schemas.microsoft.com/office/drawing/2014/main" id="{4FC70C5F-1F6C-450D-AD05-79015BEAAAC5}"/>
+              </a:ext>
+            </a:extLst>
+          </p:cNvPr>
+          <p:cNvPicPr>
+            <a:picLocks noGrp="1" noChangeAspect="1"/>
+          </p:cNvPicPr>
+          <p:nvPr>
+            <p:ph sz="quarter" idx="4"/>
+          </p:nvPr>
+        </p:nvPicPr>
+        <p:blipFill>
+          <a:blip r:embed="rId3"/>
+          <a:stretch>
+            <a:fillRect/>
+          </a:stretch>
+        </p:blipFill>
+        <p:spPr>
+          <a:xfrm>
+            <a:off x="4830025" y="3439020"/>
+            <a:ext cx="3469788" cy="2602341"/>
+          </a:xfrm>
+          <a:prstGeom prst="rect">
+            <a:avLst/>
+          </a:prstGeom>
+        </p:spPr>
+      </p:pic>
+    </p:spTree>
+    <p:extLst>
+      <p:ext uri="{BB962C8B-B14F-4D97-AF65-F5344CB8AC3E}">
+        <p14:creationId xmlns:p14="http://schemas.microsoft.com/office/powerpoint/2010/main" val="985348516"/>
+      </p:ext>
+    </p:extLst>
+  </p:cSld>
+  <p:clrMapOvr>
+    <a:masterClrMapping/>
+  </p:clrMapOvr>
+</p:sld>
+</file>
+
+<file path=ppt/slides/slide8.xml><?xml version="1.0" encoding="utf-8"?>
+<p:sld xmlns:a="http://schemas.openxmlformats.org/drawingml/2006/main" xmlns:r="http://schemas.openxmlformats.org/officeDocument/2006/relationships" xmlns:p="http://schemas.openxmlformats.org/presentationml/2006/main">
+  <p:cSld>
+    <p:spTree>
+      <p:nvGrpSpPr>
+        <p:cNvPr id="1" name=""/>
+        <p:cNvGrpSpPr/>
+        <p:nvPr/>
+      </p:nvGrpSpPr>
+      <p:grpSpPr>
+        <a:xfrm>
+          <a:off x="0" y="0"/>
+          <a:ext cx="0" cy="0"/>
+          <a:chOff x="0" y="0"/>
+          <a:chExt cx="0" cy="0"/>
+        </a:xfrm>
+      </p:grpSpPr>
+      <p:sp>
+        <p:nvSpPr>
+          <p:cNvPr id="7" name="Título 6">
+            <a:extLst>
+              <a:ext uri="{FF2B5EF4-FFF2-40B4-BE49-F238E27FC236}">
+                <a16:creationId xmlns:a16="http://schemas.microsoft.com/office/drawing/2014/main" id="{3FF91135-D7A8-41D3-AF2D-3C45AA87F14A}"/>
+              </a:ext>
+            </a:extLst>
+          </p:cNvPr>
+          <p:cNvSpPr>
+            <a:spLocks noGrp="1"/>
+          </p:cNvSpPr>
+          <p:nvPr>
+            <p:ph type="title"/>
+          </p:nvPr>
+        </p:nvSpPr>
+        <p:spPr>
+          <a:xfrm>
+            <a:off x="677334" y="609600"/>
+            <a:ext cx="2313516" cy="5353050"/>
+          </a:xfrm>
+        </p:spPr>
+        <p:txBody>
+          <a:bodyPr anchor="ctr"/>
+          <a:lstStyle/>
+          <a:p>
+            <a:pPr algn="ctr"/>
+            <a:r>
+              <a:rPr lang="es-PE" dirty="0"/>
+              <a:t>Demo</a:t>
+            </a:r>
+          </a:p>
+        </p:txBody>
+      </p:sp>
+      <p:pic>
+        <p:nvPicPr>
+          <p:cNvPr id="9" name="Elementos multimedia en línea 8" title="PTAMM Demo 02">
+            <a:hlinkClick r:id="" action="ppaction://media"/>
+            <a:extLst>
+              <a:ext uri="{FF2B5EF4-FFF2-40B4-BE49-F238E27FC236}">
+                <a16:creationId xmlns:a16="http://schemas.microsoft.com/office/drawing/2014/main" id="{6DA0968C-C969-417D-8CF5-BF4B48FC18DE}"/>
+              </a:ext>
+            </a:extLst>
+          </p:cNvPr>
+          <p:cNvPicPr>
+            <a:picLocks noGrp="1" noRot="1" noChangeAspect="1"/>
+          </p:cNvPicPr>
+          <p:nvPr>
             <p:ph idx="1"/>
+            <a:videoFile r:link="rId1"/>
+          </p:nvPr>
+        </p:nvPicPr>
+        <p:blipFill>
+          <a:blip r:embed="rId3"/>
+          <a:stretch>
+            <a:fillRect/>
+          </a:stretch>
+        </p:blipFill>
+        <p:spPr>
+          <a:xfrm>
+            <a:off x="3319463" y="1600199"/>
+            <a:ext cx="6502401" cy="3657601"/>
+          </a:xfrm>
+          <a:prstGeom prst="rect">
+            <a:avLst/>
+          </a:prstGeom>
+        </p:spPr>
+      </p:pic>
+    </p:spTree>
+    <p:extLst>
+      <p:ext uri="{BB962C8B-B14F-4D97-AF65-F5344CB8AC3E}">
+        <p14:creationId xmlns:p14="http://schemas.microsoft.com/office/powerpoint/2010/main" val="3167704674"/>
+      </p:ext>
+    </p:extLst>
+  </p:cSld>
+  <p:clrMapOvr>
+    <a:masterClrMapping/>
+  </p:clrMapOvr>
+</p:sld>
+</file>
+
+<file path=ppt/slides/slide9.xml><?xml version="1.0" encoding="utf-8"?>
+<p:sld xmlns:a="http://schemas.openxmlformats.org/drawingml/2006/main" xmlns:r="http://schemas.openxmlformats.org/officeDocument/2006/relationships" xmlns:p="http://schemas.openxmlformats.org/presentationml/2006/main">
+  <p:cSld>
+    <p:bg>
+      <p:bgPr>
+        <a:solidFill>
+          <a:schemeClr val="bg1"/>
+        </a:solidFill>
+        <a:effectLst/>
+      </p:bgPr>
+    </p:bg>
+    <p:spTree>
+      <p:nvGrpSpPr>
+        <p:cNvPr id="1" name=""/>
+        <p:cNvGrpSpPr/>
+        <p:nvPr/>
+      </p:nvGrpSpPr>
+      <p:grpSpPr>
+        <a:xfrm>
+          <a:off x="0" y="0"/>
+          <a:ext cx="0" cy="0"/>
+          <a:chOff x="0" y="0"/>
+          <a:chExt cx="0" cy="0"/>
+        </a:xfrm>
+      </p:grpSpPr>
+      <p:grpSp>
+        <p:nvGrpSpPr>
+          <p:cNvPr id="7" name="Group 6">
+            <a:extLst>
+              <a:ext uri="{FF2B5EF4-FFF2-40B4-BE49-F238E27FC236}">
+                <a16:creationId xmlns:a16="http://schemas.microsoft.com/office/drawing/2014/main" id="{28460BD8-AE3F-4AC9-9D0B-717052AA5D3A}"/>
+              </a:ext>
+              <a:ext uri="{C183D7F6-B498-43B3-948B-1728B52AA6E4}">
+                <adec:decorative xmlns:adec="http://schemas.microsoft.com/office/drawing/2017/decorative" val="1"/>
+              </a:ext>
+            </a:extLst>
+          </p:cNvPr>
+          <p:cNvGrpSpPr>
+            <a:grpSpLocks noGrp="1" noUngrp="1" noRot="1" noChangeAspect="1" noMove="1" noResize="1"/>
+          </p:cNvGrpSpPr>
+          <p:nvPr>
+            <p:extLst>
+              <p:ext uri="{386F3935-93C4-4BCD-93E2-E3B085C9AB24}">
+                <p16:designElem xmlns:p16="http://schemas.microsoft.com/office/powerpoint/2015/main" val="1"/>
+              </p:ext>
+            </p:extLst>
+          </p:nvPr>
+        </p:nvGrpSpPr>
+        <p:grpSpPr>
+          <a:xfrm>
+            <a:off x="0" y="-8467"/>
+            <a:ext cx="12192000" cy="6866467"/>
+            <a:chOff x="0" y="-8467"/>
+            <a:chExt cx="12192000" cy="6866467"/>
+          </a:xfrm>
+        </p:grpSpPr>
+        <p:cxnSp>
+          <p:nvCxnSpPr>
+            <p:cNvPr id="8" name="Straight Connector 7">
+              <a:extLst>
+                <a:ext uri="{FF2B5EF4-FFF2-40B4-BE49-F238E27FC236}">
+                  <a16:creationId xmlns:a16="http://schemas.microsoft.com/office/drawing/2014/main" id="{54420CFE-F482-466E-9E1E-C78513C0B85D}"/>
+                </a:ext>
+                <a:ext uri="{C183D7F6-B498-43B3-948B-1728B52AA6E4}">
+                  <adec:decorative xmlns:adec="http://schemas.microsoft.com/office/drawing/2017/decorative" val="1"/>
+                </a:ext>
+              </a:extLst>
+            </p:cNvPr>
+            <p:cNvCxnSpPr/>
+            <p:nvPr>
+              <p:extLst>
+                <p:ext uri="{386F3935-93C4-4BCD-93E2-E3B085C9AB24}">
+                  <p16:designElem xmlns:p16="http://schemas.microsoft.com/office/powerpoint/2015/main" val="1"/>
+                </p:ext>
+              </p:extLst>
+            </p:nvPr>
+          </p:nvCxnSpPr>
+          <p:spPr>
+            <a:xfrm>
+              <a:off x="9371012" y="0"/>
+              <a:ext cx="1219200" cy="6858000"/>
+            </a:xfrm>
+            <a:prstGeom prst="line">
+              <a:avLst/>
+            </a:prstGeom>
+            <a:ln w="9525">
+              <a:solidFill>
+                <a:schemeClr val="bg1">
+                  <a:lumMod val="75000"/>
+                </a:schemeClr>
+              </a:solidFill>
+            </a:ln>
+          </p:spPr>
+          <p:style>
+            <a:lnRef idx="2">
+              <a:schemeClr val="accent1"/>
+            </a:lnRef>
+            <a:fillRef idx="0">
+              <a:schemeClr val="accent1"/>
+            </a:fillRef>
+            <a:effectRef idx="1">
+              <a:schemeClr val="accent1"/>
+            </a:effectRef>
+            <a:fontRef idx="minor">
+              <a:schemeClr val="tx1"/>
+            </a:fontRef>
+          </p:style>
+        </p:cxnSp>
+        <p:cxnSp>
+          <p:nvCxnSpPr>
+            <p:cNvPr id="9" name="Straight Connector 8">
+              <a:extLst>
+                <a:ext uri="{FF2B5EF4-FFF2-40B4-BE49-F238E27FC236}">
+                  <a16:creationId xmlns:a16="http://schemas.microsoft.com/office/drawing/2014/main" id="{5331032B-BD21-4BDA-920C-12E358052567}"/>
+                </a:ext>
+                <a:ext uri="{C183D7F6-B498-43B3-948B-1728B52AA6E4}">
+                  <adec:decorative xmlns:adec="http://schemas.microsoft.com/office/drawing/2017/decorative" val="1"/>
+                </a:ext>
+              </a:extLst>
+            </p:cNvPr>
+            <p:cNvCxnSpPr/>
+            <p:nvPr>
+              <p:extLst>
+                <p:ext uri="{386F3935-93C4-4BCD-93E2-E3B085C9AB24}">
+                  <p16:designElem xmlns:p16="http://schemas.microsoft.com/office/powerpoint/2015/main" val="1"/>
+                </p:ext>
+              </p:extLst>
+            </p:nvPr>
+          </p:nvCxnSpPr>
+          <p:spPr>
+            <a:xfrm flipH="1">
+              <a:off x="7425267" y="3681413"/>
+              <a:ext cx="4763558" cy="3176587"/>
+            </a:xfrm>
+            <a:prstGeom prst="line">
+              <a:avLst/>
+            </a:prstGeom>
+            <a:ln w="9525">
+              <a:solidFill>
+                <a:schemeClr val="bg1">
+                  <a:lumMod val="85000"/>
+                </a:schemeClr>
+              </a:solidFill>
+            </a:ln>
+          </p:spPr>
+          <p:style>
+            <a:lnRef idx="2">
+              <a:schemeClr val="accent1"/>
+            </a:lnRef>
+            <a:fillRef idx="0">
+              <a:schemeClr val="accent1"/>
+            </a:fillRef>
+            <a:effectRef idx="1">
+              <a:schemeClr val="accent1"/>
+            </a:effectRef>
+            <a:fontRef idx="minor">
+              <a:schemeClr val="tx1"/>
+            </a:fontRef>
+          </p:style>
+        </p:cxnSp>
+        <p:sp>
+          <p:nvSpPr>
+            <p:cNvPr id="10" name="Rectangle 23">
+              <a:extLst>
+                <a:ext uri="{FF2B5EF4-FFF2-40B4-BE49-F238E27FC236}">
+                  <a16:creationId xmlns:a16="http://schemas.microsoft.com/office/drawing/2014/main" id="{E7514DA3-59E7-409E-8A3B-AD097F6E5644}"/>
+                </a:ext>
+                <a:ext uri="{C183D7F6-B498-43B3-948B-1728B52AA6E4}">
+                  <adec:decorative xmlns:adec="http://schemas.microsoft.com/office/drawing/2017/decorative" val="1"/>
+                </a:ext>
+              </a:extLst>
+            </p:cNvPr>
+            <p:cNvSpPr/>
+            <p:nvPr>
+              <p:extLst>
+                <p:ext uri="{386F3935-93C4-4BCD-93E2-E3B085C9AB24}">
+                  <p16:designElem xmlns:p16="http://schemas.microsoft.com/office/powerpoint/2015/main" val="1"/>
+                </p:ext>
+              </p:extLst>
+            </p:nvPr>
+          </p:nvSpPr>
+          <p:spPr>
+            <a:xfrm>
+              <a:off x="9181476" y="-8467"/>
+              <a:ext cx="3007349" cy="6866467"/>
+            </a:xfrm>
+            <a:custGeom>
+              <a:avLst/>
+              <a:gdLst/>
+              <a:ahLst/>
+              <a:cxnLst/>
+              <a:rect l="l" t="t" r="r" b="b"/>
+              <a:pathLst>
+                <a:path w="3007349" h="6866467">
+                  <a:moveTo>
+                    <a:pt x="2045532" y="0"/>
+                  </a:moveTo>
+                  <a:lnTo>
+                    <a:pt x="3007349" y="0"/>
+                  </a:lnTo>
+                  <a:lnTo>
+                    <a:pt x="3007349" y="6866467"/>
+                  </a:lnTo>
+                  <a:lnTo>
+                    <a:pt x="0" y="6866467"/>
+                  </a:lnTo>
+                  <a:lnTo>
+                    <a:pt x="2045532" y="0"/>
+                  </a:lnTo>
+                  <a:close/>
+                </a:path>
+              </a:pathLst>
+            </a:custGeom>
+            <a:solidFill>
+              <a:schemeClr val="accent1">
+                <a:alpha val="30000"/>
+              </a:schemeClr>
+            </a:solidFill>
+            <a:ln>
+              <a:noFill/>
+            </a:ln>
+            <a:effectLst/>
+          </p:spPr>
+          <p:style>
+            <a:lnRef idx="1">
+              <a:schemeClr val="accent1"/>
+            </a:lnRef>
+            <a:fillRef idx="3">
+              <a:schemeClr val="accent1"/>
+            </a:fillRef>
+            <a:effectRef idx="2">
+              <a:schemeClr val="accent1"/>
+            </a:effectRef>
+            <a:fontRef idx="minor">
+              <a:schemeClr val="lt1"/>
+            </a:fontRef>
+          </p:style>
+        </p:sp>
+        <p:sp>
+          <p:nvSpPr>
+            <p:cNvPr id="11" name="Rectangle 25">
+              <a:extLst>
+                <a:ext uri="{FF2B5EF4-FFF2-40B4-BE49-F238E27FC236}">
+                  <a16:creationId xmlns:a16="http://schemas.microsoft.com/office/drawing/2014/main" id="{57B9A2A6-3BE4-4599-9364-F71C5BFD61F8}"/>
+                </a:ext>
+                <a:ext uri="{C183D7F6-B498-43B3-948B-1728B52AA6E4}">
+                  <adec:decorative xmlns:adec="http://schemas.microsoft.com/office/drawing/2017/decorative" val="1"/>
+                </a:ext>
+              </a:extLst>
+            </p:cNvPr>
+            <p:cNvSpPr/>
+            <p:nvPr>
+              <p:extLst>
+                <p:ext uri="{386F3935-93C4-4BCD-93E2-E3B085C9AB24}">
+                  <p16:designElem xmlns:p16="http://schemas.microsoft.com/office/powerpoint/2015/main" val="1"/>
+                </p:ext>
+              </p:extLst>
+            </p:nvPr>
+          </p:nvSpPr>
+          <p:spPr>
+            <a:xfrm>
+              <a:off x="9603442" y="-8467"/>
+              <a:ext cx="2588558" cy="6866467"/>
+            </a:xfrm>
+            <a:custGeom>
+              <a:avLst/>
+              <a:gdLst/>
+              <a:ahLst/>
+              <a:cxnLst/>
+              <a:rect l="l" t="t" r="r" b="b"/>
+              <a:pathLst>
+                <a:path w="2573311" h="6866467">
+                  <a:moveTo>
+                    <a:pt x="0" y="0"/>
+                  </a:moveTo>
+                  <a:lnTo>
+                    <a:pt x="2573311" y="0"/>
+                  </a:lnTo>
+                  <a:lnTo>
+                    <a:pt x="2573311" y="6866467"/>
+                  </a:lnTo>
+                  <a:lnTo>
+                    <a:pt x="1202336" y="6866467"/>
+                  </a:lnTo>
+                  <a:lnTo>
+                    <a:pt x="0" y="0"/>
+                  </a:lnTo>
+                  <a:close/>
+                </a:path>
+              </a:pathLst>
+            </a:custGeom>
+            <a:solidFill>
+              <a:schemeClr val="accent1">
+                <a:alpha val="20000"/>
+              </a:schemeClr>
+            </a:solidFill>
+            <a:ln>
+              <a:noFill/>
+            </a:ln>
+            <a:effectLst/>
+          </p:spPr>
+          <p:style>
+            <a:lnRef idx="1">
+              <a:schemeClr val="accent1"/>
+            </a:lnRef>
+            <a:fillRef idx="3">
+              <a:schemeClr val="accent1"/>
+            </a:fillRef>
+            <a:effectRef idx="2">
+              <a:schemeClr val="accent1"/>
+            </a:effectRef>
+            <a:fontRef idx="minor">
+              <a:schemeClr val="lt1"/>
+            </a:fontRef>
+          </p:style>
+        </p:sp>
+        <p:sp>
+          <p:nvSpPr>
+            <p:cNvPr id="12" name="Isosceles Triangle 11">
+              <a:extLst>
+                <a:ext uri="{FF2B5EF4-FFF2-40B4-BE49-F238E27FC236}">
+                  <a16:creationId xmlns:a16="http://schemas.microsoft.com/office/drawing/2014/main" id="{4FD744C6-4ED8-4BC9-BF68-6BDF701C5DB4}"/>
+                </a:ext>
+                <a:ext uri="{C183D7F6-B498-43B3-948B-1728B52AA6E4}">
+                  <adec:decorative xmlns:adec="http://schemas.microsoft.com/office/drawing/2017/decorative" val="1"/>
+                </a:ext>
+              </a:extLst>
+            </p:cNvPr>
+            <p:cNvSpPr/>
+            <p:nvPr>
+              <p:extLst>
+                <p:ext uri="{386F3935-93C4-4BCD-93E2-E3B085C9AB24}">
+                  <p16:designElem xmlns:p16="http://schemas.microsoft.com/office/powerpoint/2015/main" val="1"/>
+                </p:ext>
+              </p:extLst>
+            </p:nvPr>
+          </p:nvSpPr>
+          <p:spPr>
+            <a:xfrm>
+              <a:off x="8932333" y="3048000"/>
+              <a:ext cx="3259667" cy="3810000"/>
+            </a:xfrm>
+            <a:prstGeom prst="triangle">
+              <a:avLst>
+                <a:gd name="adj" fmla="val 100000"/>
+              </a:avLst>
+            </a:prstGeom>
+            <a:solidFill>
+              <a:schemeClr val="accent2">
+                <a:alpha val="72000"/>
+              </a:schemeClr>
+            </a:solidFill>
+            <a:ln>
+              <a:noFill/>
+            </a:ln>
+            <a:effectLst/>
+          </p:spPr>
+          <p:style>
+            <a:lnRef idx="1">
+              <a:schemeClr val="accent1"/>
+            </a:lnRef>
+            <a:fillRef idx="3">
+              <a:schemeClr val="accent1"/>
+            </a:fillRef>
+            <a:effectRef idx="2">
+              <a:schemeClr val="accent1"/>
+            </a:effectRef>
+            <a:fontRef idx="minor">
+              <a:schemeClr val="lt1"/>
+            </a:fontRef>
+          </p:style>
+        </p:sp>
+        <p:sp>
+          <p:nvSpPr>
+            <p:cNvPr id="13" name="Rectangle 27">
+              <a:extLst>
+                <a:ext uri="{FF2B5EF4-FFF2-40B4-BE49-F238E27FC236}">
+                  <a16:creationId xmlns:a16="http://schemas.microsoft.com/office/drawing/2014/main" id="{092C5BAD-C911-4F8F-A1C5-470268BE668B}"/>
+                </a:ext>
+                <a:ext uri="{C183D7F6-B498-43B3-948B-1728B52AA6E4}">
+                  <adec:decorative xmlns:adec="http://schemas.microsoft.com/office/drawing/2017/decorative" val="1"/>
+                </a:ext>
+              </a:extLst>
+            </p:cNvPr>
+            <p:cNvSpPr/>
+            <p:nvPr>
+              <p:extLst>
+                <p:ext uri="{386F3935-93C4-4BCD-93E2-E3B085C9AB24}">
+                  <p16:designElem xmlns:p16="http://schemas.microsoft.com/office/powerpoint/2015/main" val="1"/>
+                </p:ext>
+              </p:extLst>
+            </p:nvPr>
+          </p:nvSpPr>
+          <p:spPr>
+            <a:xfrm>
+              <a:off x="9334500" y="-8467"/>
+              <a:ext cx="2854326" cy="6866467"/>
+            </a:xfrm>
+            <a:custGeom>
+              <a:avLst/>
+              <a:gdLst/>
+              <a:ahLst/>
+              <a:cxnLst/>
+              <a:rect l="l" t="t" r="r" b="b"/>
+              <a:pathLst>
+                <a:path w="2858013" h="6866467">
+                  <a:moveTo>
+                    <a:pt x="0" y="0"/>
+                  </a:moveTo>
+                  <a:lnTo>
+                    <a:pt x="2858013" y="0"/>
+                  </a:lnTo>
+                  <a:lnTo>
+                    <a:pt x="2858013" y="6866467"/>
+                  </a:lnTo>
+                  <a:lnTo>
+                    <a:pt x="2473942" y="6866467"/>
+                  </a:lnTo>
+                  <a:lnTo>
+                    <a:pt x="0" y="0"/>
+                  </a:lnTo>
+                  <a:close/>
+                </a:path>
+              </a:pathLst>
+            </a:custGeom>
+            <a:solidFill>
+              <a:schemeClr val="accent2">
+                <a:lumMod val="75000"/>
+                <a:alpha val="70000"/>
+              </a:schemeClr>
+            </a:solidFill>
+            <a:ln>
+              <a:noFill/>
+            </a:ln>
+            <a:effectLst/>
+          </p:spPr>
+          <p:style>
+            <a:lnRef idx="1">
+              <a:schemeClr val="accent1"/>
+            </a:lnRef>
+            <a:fillRef idx="3">
+              <a:schemeClr val="accent1"/>
+            </a:fillRef>
+            <a:effectRef idx="2">
+              <a:schemeClr val="accent1"/>
+            </a:effectRef>
+            <a:fontRef idx="minor">
+              <a:schemeClr val="lt1"/>
+            </a:fontRef>
+          </p:style>
+        </p:sp>
+        <p:sp>
+          <p:nvSpPr>
+            <p:cNvPr id="14" name="Rectangle 28">
+              <a:extLst>
+                <a:ext uri="{FF2B5EF4-FFF2-40B4-BE49-F238E27FC236}">
+                  <a16:creationId xmlns:a16="http://schemas.microsoft.com/office/drawing/2014/main" id="{B133D0C8-4EC4-424F-8E70-0482D5B1B653}"/>
+                </a:ext>
+                <a:ext uri="{C183D7F6-B498-43B3-948B-1728B52AA6E4}">
+                  <adec:decorative xmlns:adec="http://schemas.microsoft.com/office/drawing/2017/decorative" val="1"/>
+                </a:ext>
+              </a:extLst>
+            </p:cNvPr>
+            <p:cNvSpPr/>
+            <p:nvPr>
+              <p:extLst>
+                <p:ext uri="{386F3935-93C4-4BCD-93E2-E3B085C9AB24}">
+                  <p16:designElem xmlns:p16="http://schemas.microsoft.com/office/powerpoint/2015/main" val="1"/>
+                </p:ext>
+              </p:extLst>
+            </p:nvPr>
+          </p:nvSpPr>
+          <p:spPr>
+            <a:xfrm>
+              <a:off x="10898730" y="-8467"/>
+              <a:ext cx="1290094" cy="6866467"/>
+            </a:xfrm>
+            <a:custGeom>
+              <a:avLst/>
+              <a:gdLst/>
+              <a:ahLst/>
+              <a:cxnLst/>
+              <a:rect l="l" t="t" r="r" b="b"/>
+              <a:pathLst>
+                <a:path w="1290094" h="6858000">
+                  <a:moveTo>
+                    <a:pt x="1019735" y="0"/>
+                  </a:moveTo>
+                  <a:lnTo>
+                    <a:pt x="1290094" y="0"/>
+                  </a:lnTo>
+                  <a:lnTo>
+                    <a:pt x="1290094" y="6858000"/>
+                  </a:lnTo>
+                  <a:lnTo>
+                    <a:pt x="0" y="6858000"/>
+                  </a:lnTo>
+                  <a:lnTo>
+                    <a:pt x="1019735" y="0"/>
+                  </a:lnTo>
+                  <a:close/>
+                </a:path>
+              </a:pathLst>
+            </a:custGeom>
+            <a:solidFill>
+              <a:schemeClr val="accent1">
+                <a:lumMod val="60000"/>
+                <a:lumOff val="40000"/>
+                <a:alpha val="70000"/>
+              </a:schemeClr>
+            </a:solidFill>
+            <a:ln>
+              <a:noFill/>
+            </a:ln>
+            <a:effectLst/>
+          </p:spPr>
+          <p:style>
+            <a:lnRef idx="1">
+              <a:schemeClr val="accent1"/>
+            </a:lnRef>
+            <a:fillRef idx="3">
+              <a:schemeClr val="accent1"/>
+            </a:fillRef>
+            <a:effectRef idx="2">
+              <a:schemeClr val="accent1"/>
+            </a:effectRef>
+            <a:fontRef idx="minor">
+              <a:schemeClr val="lt1"/>
+            </a:fontRef>
+          </p:style>
+        </p:sp>
+        <p:sp>
+          <p:nvSpPr>
+            <p:cNvPr id="15" name="Rectangle 29">
+              <a:extLst>
+                <a:ext uri="{FF2B5EF4-FFF2-40B4-BE49-F238E27FC236}">
+                  <a16:creationId xmlns:a16="http://schemas.microsoft.com/office/drawing/2014/main" id="{7B1532A0-F4B3-4DE8-B18F-740CAAD25AC4}"/>
+                </a:ext>
+                <a:ext uri="{C183D7F6-B498-43B3-948B-1728B52AA6E4}">
+                  <adec:decorative xmlns:adec="http://schemas.microsoft.com/office/drawing/2017/decorative" val="1"/>
+                </a:ext>
+              </a:extLst>
+            </p:cNvPr>
+            <p:cNvSpPr/>
+            <p:nvPr>
+              <p:extLst>
+                <p:ext uri="{386F3935-93C4-4BCD-93E2-E3B085C9AB24}">
+                  <p16:designElem xmlns:p16="http://schemas.microsoft.com/office/powerpoint/2015/main" val="1"/>
+                </p:ext>
+              </p:extLst>
+            </p:nvPr>
+          </p:nvSpPr>
+          <p:spPr>
+            <a:xfrm>
+              <a:off x="10938999" y="-8467"/>
+              <a:ext cx="1249825" cy="6866467"/>
+            </a:xfrm>
+            <a:custGeom>
+              <a:avLst/>
+              <a:gdLst/>
+              <a:ahLst/>
+              <a:cxnLst/>
+              <a:rect l="l" t="t" r="r" b="b"/>
+              <a:pathLst>
+                <a:path w="1249825" h="6858000">
+                  <a:moveTo>
+                    <a:pt x="0" y="0"/>
+                  </a:moveTo>
+                  <a:lnTo>
+                    <a:pt x="1249825" y="0"/>
+                  </a:lnTo>
+                  <a:lnTo>
+                    <a:pt x="1249825" y="6858000"/>
+                  </a:lnTo>
+                  <a:lnTo>
+                    <a:pt x="1109382" y="6858000"/>
+                  </a:lnTo>
+                  <a:lnTo>
+                    <a:pt x="0" y="0"/>
+                  </a:lnTo>
+                  <a:close/>
+                </a:path>
+              </a:pathLst>
+            </a:custGeom>
+            <a:solidFill>
+              <a:schemeClr val="accent1">
+                <a:alpha val="65000"/>
+              </a:schemeClr>
+            </a:solidFill>
+            <a:ln>
+              <a:noFill/>
+            </a:ln>
+            <a:effectLst/>
+          </p:spPr>
+          <p:style>
+            <a:lnRef idx="1">
+              <a:schemeClr val="accent1"/>
+            </a:lnRef>
+            <a:fillRef idx="3">
+              <a:schemeClr val="accent1"/>
+            </a:fillRef>
+            <a:effectRef idx="2">
+              <a:schemeClr val="accent1"/>
+            </a:effectRef>
+            <a:fontRef idx="minor">
+              <a:schemeClr val="lt1"/>
+            </a:fontRef>
+          </p:style>
+        </p:sp>
+        <p:sp>
+          <p:nvSpPr>
+            <p:cNvPr id="16" name="Isosceles Triangle 15">
+              <a:extLst>
+                <a:ext uri="{FF2B5EF4-FFF2-40B4-BE49-F238E27FC236}">
+                  <a16:creationId xmlns:a16="http://schemas.microsoft.com/office/drawing/2014/main" id="{8EFDD162-BBBA-4062-8BBF-53DBA1091374}"/>
+                </a:ext>
+                <a:ext uri="{C183D7F6-B498-43B3-948B-1728B52AA6E4}">
+                  <adec:decorative xmlns:adec="http://schemas.microsoft.com/office/drawing/2017/decorative" val="1"/>
+                </a:ext>
+              </a:extLst>
+            </p:cNvPr>
+            <p:cNvSpPr/>
+            <p:nvPr>
+              <p:extLst>
+                <p:ext uri="{386F3935-93C4-4BCD-93E2-E3B085C9AB24}">
+                  <p16:designElem xmlns:p16="http://schemas.microsoft.com/office/powerpoint/2015/main" val="1"/>
+                </p:ext>
+              </p:extLst>
+            </p:nvPr>
+          </p:nvSpPr>
+          <p:spPr>
+            <a:xfrm>
+              <a:off x="10371666" y="3589867"/>
+              <a:ext cx="1817159" cy="3268133"/>
+            </a:xfrm>
+            <a:prstGeom prst="triangle">
+              <a:avLst>
+                <a:gd name="adj" fmla="val 100000"/>
+              </a:avLst>
+            </a:prstGeom>
+            <a:solidFill>
+              <a:schemeClr val="accent1">
+                <a:alpha val="80000"/>
+              </a:schemeClr>
+            </a:solidFill>
+            <a:ln>
+              <a:noFill/>
+            </a:ln>
+            <a:effectLst/>
+          </p:spPr>
+          <p:style>
+            <a:lnRef idx="1">
+              <a:schemeClr val="accent1"/>
+            </a:lnRef>
+            <a:fillRef idx="3">
+              <a:schemeClr val="accent1"/>
+            </a:fillRef>
+            <a:effectRef idx="2">
+              <a:schemeClr val="accent1"/>
+            </a:effectRef>
+            <a:fontRef idx="minor">
+              <a:schemeClr val="lt1"/>
+            </a:fontRef>
+          </p:style>
+        </p:sp>
+        <p:sp>
+          <p:nvSpPr>
+            <p:cNvPr id="17" name="Isosceles Triangle 16">
+              <a:extLst>
+                <a:ext uri="{FF2B5EF4-FFF2-40B4-BE49-F238E27FC236}">
+                  <a16:creationId xmlns:a16="http://schemas.microsoft.com/office/drawing/2014/main" id="{DCFC9E65-3E19-4483-B952-25D29683CA56}"/>
+                </a:ext>
+                <a:ext uri="{C183D7F6-B498-43B3-948B-1728B52AA6E4}">
+                  <adec:decorative xmlns:adec="http://schemas.microsoft.com/office/drawing/2017/decorative" val="1"/>
+                </a:ext>
+              </a:extLst>
+            </p:cNvPr>
+            <p:cNvSpPr/>
+            <p:nvPr>
+              <p:extLst>
+                <p:ext uri="{386F3935-93C4-4BCD-93E2-E3B085C9AB24}">
+                  <p16:designElem xmlns:p16="http://schemas.microsoft.com/office/powerpoint/2015/main" val="1"/>
+                </p:ext>
+              </p:extLst>
+            </p:nvPr>
+          </p:nvSpPr>
+          <p:spPr>
+            <a:xfrm rot="10800000">
+              <a:off x="0" y="0"/>
+              <a:ext cx="842596" cy="5666154"/>
+            </a:xfrm>
+            <a:prstGeom prst="triangle">
+              <a:avLst>
+                <a:gd name="adj" fmla="val 100000"/>
+              </a:avLst>
+            </a:prstGeom>
+            <a:solidFill>
+              <a:schemeClr val="accent1">
+                <a:alpha val="85000"/>
+              </a:schemeClr>
+            </a:solidFill>
+            <a:ln>
+              <a:noFill/>
+            </a:ln>
+            <a:effectLst/>
+          </p:spPr>
+          <p:style>
+            <a:lnRef idx="1">
+              <a:schemeClr val="accent1"/>
+            </a:lnRef>
+            <a:fillRef idx="3">
+              <a:schemeClr val="accent1"/>
+            </a:fillRef>
+            <a:effectRef idx="2">
+              <a:schemeClr val="accent1"/>
+            </a:effectRef>
+            <a:fontRef idx="minor">
+              <a:schemeClr val="lt1"/>
+            </a:fontRef>
+          </p:style>
+        </p:sp>
+      </p:grpSp>
+      <p:sp useBgFill="1">
+        <p:nvSpPr>
+          <p:cNvPr id="19" name="Rectangle 18">
+            <a:extLst>
+              <a:ext uri="{FF2B5EF4-FFF2-40B4-BE49-F238E27FC236}">
+                <a16:creationId xmlns:a16="http://schemas.microsoft.com/office/drawing/2014/main" id="{DD6BC9EB-F181-48AB-BCA2-3D1DB20D2D87}"/>
+              </a:ext>
+              <a:ext uri="{C183D7F6-B498-43B3-948B-1728B52AA6E4}">
+                <adec:decorative xmlns:adec="http://schemas.microsoft.com/office/drawing/2017/decorative" val="1"/>
+              </a:ext>
+            </a:extLst>
+          </p:cNvPr>
+          <p:cNvSpPr>
+            <a:spLocks noGrp="1" noRot="1" noChangeAspect="1" noMove="1" noResize="1" noEditPoints="1" noAdjustHandles="1" noChangeArrowheads="1" noChangeShapeType="1" noTextEdit="1"/>
+          </p:cNvSpPr>
+          <p:nvPr>
+            <p:extLst>
+              <p:ext uri="{386F3935-93C4-4BCD-93E2-E3B085C9AB24}">
+                <p16:designElem xmlns:p16="http://schemas.microsoft.com/office/powerpoint/2015/main" val="1"/>
+              </p:ext>
+            </p:extLst>
           </p:nvPr>
         </p:nvSpPr>
-        <p:spPr/>
+        <p:spPr>
+          <a:xfrm>
+            <a:off x="0" y="0"/>
+            <a:ext cx="12192000" cy="6866467"/>
+          </a:xfrm>
+          <a:prstGeom prst="rect">
+            <a:avLst/>
+          </a:prstGeom>
+          <a:ln>
+            <a:noFill/>
+          </a:ln>
+        </p:spPr>
+        <p:style>
+          <a:lnRef idx="2">
+            <a:schemeClr val="accent1">
+              <a:shade val="50000"/>
+            </a:schemeClr>
+          </a:lnRef>
+          <a:fillRef idx="1">
+            <a:schemeClr val="accent1"/>
+          </a:fillRef>
+          <a:effectRef idx="0">
+            <a:schemeClr val="accent1"/>
+          </a:effectRef>
+          <a:fontRef idx="minor">
+            <a:schemeClr val="lt1"/>
+          </a:fontRef>
+        </p:style>
         <p:txBody>
-          <a:bodyPr/>
+          <a:bodyPr rtlCol="0" anchor="ctr"/>
           <a:lstStyle/>
           <a:p>
-            <a:endParaRPr lang="es-PE"/>
+            <a:pPr algn="ctr"/>
+            <a:endParaRPr lang="en-US"/>
           </a:p>
         </p:txBody>
+      </p:sp>
+      <p:sp>
+        <p:nvSpPr>
+          <p:cNvPr id="2" name="Título 1">
+            <a:extLst>
+              <a:ext uri="{FF2B5EF4-FFF2-40B4-BE49-F238E27FC236}">
+                <a16:creationId xmlns:a16="http://schemas.microsoft.com/office/drawing/2014/main" id="{8A661AD2-B04F-4856-B346-43A3EB353489}"/>
+              </a:ext>
+            </a:extLst>
+          </p:cNvPr>
+          <p:cNvSpPr>
+            <a:spLocks noGrp="1"/>
+          </p:cNvSpPr>
+          <p:nvPr>
+            <p:ph type="title"/>
+          </p:nvPr>
+        </p:nvSpPr>
+        <p:spPr>
+          <a:xfrm>
+            <a:off x="1507066" y="999460"/>
+            <a:ext cx="5698067" cy="4479852"/>
+          </a:xfrm>
+        </p:spPr>
+        <p:txBody>
+          <a:bodyPr vert="horz" lIns="91440" tIns="45720" rIns="91440" bIns="45720" rtlCol="0" anchor="ctr">
+            <a:normAutofit/>
+          </a:bodyPr>
+          <a:lstStyle/>
+          <a:p>
+            <a:pPr algn="r"/>
+            <a:r>
+              <a:rPr lang="en-US" sz="5400" dirty="0"/>
+              <a:t>Thanks</a:t>
+            </a:r>
+          </a:p>
+        </p:txBody>
+      </p:sp>
+      <p:sp>
+        <p:nvSpPr>
+          <p:cNvPr id="21" name="Isosceles Triangle 20">
+            <a:extLst>
+              <a:ext uri="{FF2B5EF4-FFF2-40B4-BE49-F238E27FC236}">
+                <a16:creationId xmlns:a16="http://schemas.microsoft.com/office/drawing/2014/main" id="{D33AAA80-39DC-4020-9BFF-0718F35C7661}"/>
+              </a:ext>
+              <a:ext uri="{C183D7F6-B498-43B3-948B-1728B52AA6E4}">
+                <adec:decorative xmlns:adec="http://schemas.microsoft.com/office/drawing/2017/decorative" val="1"/>
+              </a:ext>
+            </a:extLst>
+          </p:cNvPr>
+          <p:cNvSpPr>
+            <a:spLocks noGrp="1" noRot="1" noChangeAspect="1" noMove="1" noResize="1" noEditPoints="1" noAdjustHandles="1" noChangeArrowheads="1" noChangeShapeType="1" noTextEdit="1"/>
+          </p:cNvSpPr>
+          <p:nvPr>
+            <p:extLst>
+              <p:ext uri="{386F3935-93C4-4BCD-93E2-E3B085C9AB24}">
+                <p16:designElem xmlns:p16="http://schemas.microsoft.com/office/powerpoint/2015/main" val="1"/>
+              </p:ext>
+            </p:extLst>
+          </p:nvPr>
+        </p:nvSpPr>
+        <p:spPr>
+          <a:xfrm rot="10800000">
+            <a:off x="0" y="0"/>
+            <a:ext cx="842596" cy="5666154"/>
+          </a:xfrm>
+          <a:prstGeom prst="triangle">
+            <a:avLst>
+              <a:gd name="adj" fmla="val 100000"/>
+            </a:avLst>
+          </a:prstGeom>
+          <a:solidFill>
+            <a:schemeClr val="accent1">
+              <a:alpha val="85000"/>
+            </a:schemeClr>
+          </a:solidFill>
+          <a:ln>
+            <a:noFill/>
+          </a:ln>
+          <a:effectLst/>
+        </p:spPr>
+        <p:style>
+          <a:lnRef idx="1">
+            <a:schemeClr val="accent1"/>
+          </a:lnRef>
+          <a:fillRef idx="3">
+            <a:schemeClr val="accent1"/>
+          </a:fillRef>
+          <a:effectRef idx="2">
+            <a:schemeClr val="accent1"/>
+          </a:effectRef>
+          <a:fontRef idx="minor">
+            <a:schemeClr val="lt1"/>
+          </a:fontRef>
+        </p:style>
+      </p:sp>
+      <p:cxnSp>
+        <p:nvCxnSpPr>
+          <p:cNvPr id="23" name="Straight Connector 22">
+            <a:extLst>
+              <a:ext uri="{FF2B5EF4-FFF2-40B4-BE49-F238E27FC236}">
+                <a16:creationId xmlns:a16="http://schemas.microsoft.com/office/drawing/2014/main" id="{C9C5D90B-7EE3-4D26-AB7D-A5A3A6E11203}"/>
+              </a:ext>
+              <a:ext uri="{C183D7F6-B498-43B3-948B-1728B52AA6E4}">
+                <adec:decorative xmlns:adec="http://schemas.microsoft.com/office/drawing/2017/decorative" val="1"/>
+              </a:ext>
+            </a:extLst>
+          </p:cNvPr>
+          <p:cNvCxnSpPr>
+            <a:cxnSpLocks noGrp="1" noRot="1" noChangeAspect="1" noMove="1" noResize="1" noEditPoints="1" noAdjustHandles="1" noChangeArrowheads="1" noChangeShapeType="1"/>
+          </p:cNvCxnSpPr>
+          <p:nvPr>
+            <p:extLst>
+              <p:ext uri="{386F3935-93C4-4BCD-93E2-E3B085C9AB24}">
+                <p16:designElem xmlns:p16="http://schemas.microsoft.com/office/powerpoint/2015/main" val="1"/>
+              </p:ext>
+            </p:extLst>
+          </p:nvPr>
+        </p:nvCxnSpPr>
+        <p:spPr>
+          <a:xfrm>
+            <a:off x="7534656" y="1639186"/>
+            <a:ext cx="0" cy="3200400"/>
+          </a:xfrm>
+          <a:prstGeom prst="line">
+            <a:avLst/>
+          </a:prstGeom>
+        </p:spPr>
+        <p:style>
+          <a:lnRef idx="1">
+            <a:schemeClr val="accent1"/>
+          </a:lnRef>
+          <a:fillRef idx="0">
+            <a:schemeClr val="accent1"/>
+          </a:fillRef>
+          <a:effectRef idx="0">
+            <a:schemeClr val="accent1"/>
+          </a:effectRef>
+          <a:fontRef idx="minor">
+            <a:schemeClr val="tx1"/>
+          </a:fontRef>
+        </p:style>
+      </p:cxnSp>
+      <p:sp>
+        <p:nvSpPr>
+          <p:cNvPr id="25" name="Isosceles Triangle 24">
+            <a:extLst>
+              <a:ext uri="{FF2B5EF4-FFF2-40B4-BE49-F238E27FC236}">
+                <a16:creationId xmlns:a16="http://schemas.microsoft.com/office/drawing/2014/main" id="{1177F295-741F-4EFF-B0CA-BE69295ADA07}"/>
+              </a:ext>
+              <a:ext uri="{C183D7F6-B498-43B3-948B-1728B52AA6E4}">
+                <adec:decorative xmlns:adec="http://schemas.microsoft.com/office/drawing/2017/decorative" val="1"/>
+              </a:ext>
+            </a:extLst>
+          </p:cNvPr>
+          <p:cNvSpPr>
+            <a:spLocks noGrp="1" noRot="1" noChangeAspect="1" noMove="1" noResize="1" noEditPoints="1" noAdjustHandles="1" noChangeArrowheads="1" noChangeShapeType="1" noTextEdit="1"/>
+          </p:cNvSpPr>
+          <p:nvPr>
+            <p:extLst>
+              <p:ext uri="{386F3935-93C4-4BCD-93E2-E3B085C9AB24}">
+                <p16:designElem xmlns:p16="http://schemas.microsoft.com/office/powerpoint/2015/main" val="1"/>
+              </p:ext>
+            </p:extLst>
+          </p:nvPr>
+        </p:nvSpPr>
+        <p:spPr>
+          <a:xfrm rot="10800000" flipH="1" flipV="1">
+            <a:off x="11349404" y="1217756"/>
+            <a:ext cx="842596" cy="5666154"/>
+          </a:xfrm>
+          <a:prstGeom prst="triangle">
+            <a:avLst>
+              <a:gd name="adj" fmla="val 100000"/>
+            </a:avLst>
+          </a:prstGeom>
+          <a:solidFill>
+            <a:schemeClr val="accent1">
+              <a:alpha val="85000"/>
+            </a:schemeClr>
+          </a:solidFill>
+          <a:ln>
+            <a:noFill/>
+          </a:ln>
+          <a:effectLst/>
+        </p:spPr>
+        <p:style>
+          <a:lnRef idx="1">
+            <a:schemeClr val="accent1"/>
+          </a:lnRef>
+          <a:fillRef idx="3">
+            <a:schemeClr val="accent1"/>
+          </a:fillRef>
+          <a:effectRef idx="2">
+            <a:schemeClr val="accent1"/>
+          </a:effectRef>
+          <a:fontRef idx="minor">
+            <a:schemeClr val="lt1"/>
+          </a:fontRef>
+        </p:style>
       </p:sp>
     </p:spTree>
     <p:extLst>
       <p:ext uri="{BB962C8B-B14F-4D97-AF65-F5344CB8AC3E}">
-        <p14:creationId xmlns:p14="http://schemas.microsoft.com/office/powerpoint/2010/main" val="152748495"/>
+        <p14:creationId xmlns:p14="http://schemas.microsoft.com/office/powerpoint/2010/main" val="1541276456"/>
       </p:ext>
     </p:extLst>
   </p:cSld>
